--- a/C# para principiantes.pptx
+++ b/C# para principiantes.pptx
@@ -5,7 +5,7 @@
     <p:sldMasterId id="2147483648" r:id="rId1"/>
   </p:sldMasterIdLst>
   <p:notesMasterIdLst>
-    <p:notesMasterId r:id="rId31"/>
+    <p:notesMasterId r:id="rId49"/>
   </p:notesMasterIdLst>
   <p:sldIdLst>
     <p:sldId id="256" r:id="rId2"/>
@@ -36,7 +36,25 @@
     <p:sldId id="282" r:id="rId27"/>
     <p:sldId id="281" r:id="rId28"/>
     <p:sldId id="283" r:id="rId29"/>
-    <p:sldId id="284" r:id="rId30"/>
+    <p:sldId id="285" r:id="rId30"/>
+    <p:sldId id="284" r:id="rId31"/>
+    <p:sldId id="286" r:id="rId32"/>
+    <p:sldId id="288" r:id="rId33"/>
+    <p:sldId id="287" r:id="rId34"/>
+    <p:sldId id="289" r:id="rId35"/>
+    <p:sldId id="292" r:id="rId36"/>
+    <p:sldId id="291" r:id="rId37"/>
+    <p:sldId id="293" r:id="rId38"/>
+    <p:sldId id="294" r:id="rId39"/>
+    <p:sldId id="290" r:id="rId40"/>
+    <p:sldId id="295" r:id="rId41"/>
+    <p:sldId id="297" r:id="rId42"/>
+    <p:sldId id="296" r:id="rId43"/>
+    <p:sldId id="298" r:id="rId44"/>
+    <p:sldId id="299" r:id="rId45"/>
+    <p:sldId id="300" r:id="rId46"/>
+    <p:sldId id="301" r:id="rId47"/>
+    <p:sldId id="302" r:id="rId48"/>
   </p:sldIdLst>
   <p:sldSz cx="12192000" cy="6858000"/>
   <p:notesSz cx="6858000" cy="9144000"/>
@@ -224,7 +242,7 @@
           </a:lstStyle>
           <a:p>
             <a:fld id="{1DCEE1CB-2355-1046-AA71-6C18B20C77DA}" type="datetimeFigureOut">
-              <a:t>5/19/20</a:t>
+              <a:t>5/22/20</a:t>
             </a:fld>
             <a:endParaRPr lang="en-BO"/>
           </a:p>
@@ -574,6 +592,90 @@
 </p:notes>
 </file>
 
+<file path=ppt/notesSlides/notesSlide10.xml><?xml version="1.0" encoding="utf-8"?>
+<p:notes xmlns:a="http://schemas.openxmlformats.org/drawingml/2006/main" xmlns:r="http://schemas.openxmlformats.org/officeDocument/2006/relationships" xmlns:p="http://schemas.openxmlformats.org/presentationml/2006/main">
+  <p:cSld>
+    <p:spTree>
+      <p:nvGrpSpPr>
+        <p:cNvPr id="1" name=""/>
+        <p:cNvGrpSpPr/>
+        <p:nvPr/>
+      </p:nvGrpSpPr>
+      <p:grpSpPr>
+        <a:xfrm>
+          <a:off x="0" y="0"/>
+          <a:ext cx="0" cy="0"/>
+          <a:chOff x="0" y="0"/>
+          <a:chExt cx="0" cy="0"/>
+        </a:xfrm>
+      </p:grpSpPr>
+      <p:sp>
+        <p:nvSpPr>
+          <p:cNvPr id="2" name="Slide Image Placeholder 1"/>
+          <p:cNvSpPr>
+            <a:spLocks noGrp="1" noRot="1" noChangeAspect="1"/>
+          </p:cNvSpPr>
+          <p:nvPr>
+            <p:ph type="sldImg"/>
+          </p:nvPr>
+        </p:nvSpPr>
+        <p:spPr/>
+      </p:sp>
+      <p:sp>
+        <p:nvSpPr>
+          <p:cNvPr id="3" name="Notes Placeholder 2"/>
+          <p:cNvSpPr>
+            <a:spLocks noGrp="1"/>
+          </p:cNvSpPr>
+          <p:nvPr>
+            <p:ph type="body" idx="1"/>
+          </p:nvPr>
+        </p:nvSpPr>
+        <p:spPr/>
+        <p:txBody>
+          <a:bodyPr/>
+          <a:lstStyle/>
+          <a:p>
+            <a:endParaRPr lang="en-BO"/>
+          </a:p>
+        </p:txBody>
+      </p:sp>
+      <p:sp>
+        <p:nvSpPr>
+          <p:cNvPr id="4" name="Slide Number Placeholder 3"/>
+          <p:cNvSpPr>
+            <a:spLocks noGrp="1"/>
+          </p:cNvSpPr>
+          <p:nvPr>
+            <p:ph type="sldNum" sz="quarter" idx="5"/>
+          </p:nvPr>
+        </p:nvSpPr>
+        <p:spPr/>
+        <p:txBody>
+          <a:bodyPr/>
+          <a:lstStyle/>
+          <a:p>
+            <a:fld id="{7A10BE97-503D-024F-A453-A9DDBAE9931C}" type="slidenum">
+              <a:rPr lang="en-BO"/>
+              <a:t>41</a:t>
+            </a:fld>
+            <a:endParaRPr lang="en-BO"/>
+          </a:p>
+        </p:txBody>
+      </p:sp>
+    </p:spTree>
+    <p:extLst>
+      <p:ext uri="{BB962C8B-B14F-4D97-AF65-F5344CB8AC3E}">
+        <p14:creationId xmlns:p14="http://schemas.microsoft.com/office/powerpoint/2010/main" val="1431890949"/>
+      </p:ext>
+    </p:extLst>
+  </p:cSld>
+  <p:clrMapOvr>
+    <a:masterClrMapping/>
+  </p:clrMapOvr>
+</p:notes>
+</file>
+
 <file path=ppt/notesSlides/notesSlide2.xml><?xml version="1.0" encoding="utf-8"?>
 <p:notes xmlns:a="http://schemas.openxmlformats.org/drawingml/2006/main" xmlns:r="http://schemas.openxmlformats.org/officeDocument/2006/relationships" xmlns:p="http://schemas.openxmlformats.org/presentationml/2006/main">
   <p:cSld>
@@ -991,6 +1093,258 @@
 </p:notes>
 </file>
 
+<file path=ppt/notesSlides/notesSlide7.xml><?xml version="1.0" encoding="utf-8"?>
+<p:notes xmlns:a="http://schemas.openxmlformats.org/drawingml/2006/main" xmlns:r="http://schemas.openxmlformats.org/officeDocument/2006/relationships" xmlns:p="http://schemas.openxmlformats.org/presentationml/2006/main">
+  <p:cSld>
+    <p:spTree>
+      <p:nvGrpSpPr>
+        <p:cNvPr id="1" name=""/>
+        <p:cNvGrpSpPr/>
+        <p:nvPr/>
+      </p:nvGrpSpPr>
+      <p:grpSpPr>
+        <a:xfrm>
+          <a:off x="0" y="0"/>
+          <a:ext cx="0" cy="0"/>
+          <a:chOff x="0" y="0"/>
+          <a:chExt cx="0" cy="0"/>
+        </a:xfrm>
+      </p:grpSpPr>
+      <p:sp>
+        <p:nvSpPr>
+          <p:cNvPr id="2" name="Slide Image Placeholder 1"/>
+          <p:cNvSpPr>
+            <a:spLocks noGrp="1" noRot="1" noChangeAspect="1"/>
+          </p:cNvSpPr>
+          <p:nvPr>
+            <p:ph type="sldImg"/>
+          </p:nvPr>
+        </p:nvSpPr>
+        <p:spPr/>
+      </p:sp>
+      <p:sp>
+        <p:nvSpPr>
+          <p:cNvPr id="3" name="Notes Placeholder 2"/>
+          <p:cNvSpPr>
+            <a:spLocks noGrp="1"/>
+          </p:cNvSpPr>
+          <p:nvPr>
+            <p:ph type="body" idx="1"/>
+          </p:nvPr>
+        </p:nvSpPr>
+        <p:spPr/>
+        <p:txBody>
+          <a:bodyPr/>
+          <a:lstStyle/>
+          <a:p>
+            <a:endParaRPr lang="en-BO"/>
+          </a:p>
+        </p:txBody>
+      </p:sp>
+      <p:sp>
+        <p:nvSpPr>
+          <p:cNvPr id="4" name="Slide Number Placeholder 3"/>
+          <p:cNvSpPr>
+            <a:spLocks noGrp="1"/>
+          </p:cNvSpPr>
+          <p:nvPr>
+            <p:ph type="sldNum" sz="quarter" idx="5"/>
+          </p:nvPr>
+        </p:nvSpPr>
+        <p:spPr/>
+        <p:txBody>
+          <a:bodyPr/>
+          <a:lstStyle/>
+          <a:p>
+            <a:fld id="{7A10BE97-503D-024F-A453-A9DDBAE9931C}" type="slidenum">
+              <a:rPr lang="en-BO"/>
+              <a:t>33</a:t>
+            </a:fld>
+            <a:endParaRPr lang="en-BO"/>
+          </a:p>
+        </p:txBody>
+      </p:sp>
+    </p:spTree>
+    <p:extLst>
+      <p:ext uri="{BB962C8B-B14F-4D97-AF65-F5344CB8AC3E}">
+        <p14:creationId xmlns:p14="http://schemas.microsoft.com/office/powerpoint/2010/main" val="711271824"/>
+      </p:ext>
+    </p:extLst>
+  </p:cSld>
+  <p:clrMapOvr>
+    <a:masterClrMapping/>
+  </p:clrMapOvr>
+</p:notes>
+</file>
+
+<file path=ppt/notesSlides/notesSlide8.xml><?xml version="1.0" encoding="utf-8"?>
+<p:notes xmlns:a="http://schemas.openxmlformats.org/drawingml/2006/main" xmlns:r="http://schemas.openxmlformats.org/officeDocument/2006/relationships" xmlns:p="http://schemas.openxmlformats.org/presentationml/2006/main">
+  <p:cSld>
+    <p:spTree>
+      <p:nvGrpSpPr>
+        <p:cNvPr id="1" name=""/>
+        <p:cNvGrpSpPr/>
+        <p:nvPr/>
+      </p:nvGrpSpPr>
+      <p:grpSpPr>
+        <a:xfrm>
+          <a:off x="0" y="0"/>
+          <a:ext cx="0" cy="0"/>
+          <a:chOff x="0" y="0"/>
+          <a:chExt cx="0" cy="0"/>
+        </a:xfrm>
+      </p:grpSpPr>
+      <p:sp>
+        <p:nvSpPr>
+          <p:cNvPr id="2" name="Slide Image Placeholder 1"/>
+          <p:cNvSpPr>
+            <a:spLocks noGrp="1" noRot="1" noChangeAspect="1"/>
+          </p:cNvSpPr>
+          <p:nvPr>
+            <p:ph type="sldImg"/>
+          </p:nvPr>
+        </p:nvSpPr>
+        <p:spPr/>
+      </p:sp>
+      <p:sp>
+        <p:nvSpPr>
+          <p:cNvPr id="3" name="Notes Placeholder 2"/>
+          <p:cNvSpPr>
+            <a:spLocks noGrp="1"/>
+          </p:cNvSpPr>
+          <p:nvPr>
+            <p:ph type="body" idx="1"/>
+          </p:nvPr>
+        </p:nvSpPr>
+        <p:spPr/>
+        <p:txBody>
+          <a:bodyPr/>
+          <a:lstStyle/>
+          <a:p>
+            <a:endParaRPr lang="en-BO"/>
+          </a:p>
+        </p:txBody>
+      </p:sp>
+      <p:sp>
+        <p:nvSpPr>
+          <p:cNvPr id="4" name="Slide Number Placeholder 3"/>
+          <p:cNvSpPr>
+            <a:spLocks noGrp="1"/>
+          </p:cNvSpPr>
+          <p:nvPr>
+            <p:ph type="sldNum" sz="quarter" idx="5"/>
+          </p:nvPr>
+        </p:nvSpPr>
+        <p:spPr/>
+        <p:txBody>
+          <a:bodyPr/>
+          <a:lstStyle/>
+          <a:p>
+            <a:fld id="{7A10BE97-503D-024F-A453-A9DDBAE9931C}" type="slidenum">
+              <a:rPr lang="en-BO"/>
+              <a:t>35</a:t>
+            </a:fld>
+            <a:endParaRPr lang="en-BO"/>
+          </a:p>
+        </p:txBody>
+      </p:sp>
+    </p:spTree>
+    <p:extLst>
+      <p:ext uri="{BB962C8B-B14F-4D97-AF65-F5344CB8AC3E}">
+        <p14:creationId xmlns:p14="http://schemas.microsoft.com/office/powerpoint/2010/main" val="2567992981"/>
+      </p:ext>
+    </p:extLst>
+  </p:cSld>
+  <p:clrMapOvr>
+    <a:masterClrMapping/>
+  </p:clrMapOvr>
+</p:notes>
+</file>
+
+<file path=ppt/notesSlides/notesSlide9.xml><?xml version="1.0" encoding="utf-8"?>
+<p:notes xmlns:a="http://schemas.openxmlformats.org/drawingml/2006/main" xmlns:r="http://schemas.openxmlformats.org/officeDocument/2006/relationships" xmlns:p="http://schemas.openxmlformats.org/presentationml/2006/main">
+  <p:cSld>
+    <p:spTree>
+      <p:nvGrpSpPr>
+        <p:cNvPr id="1" name=""/>
+        <p:cNvGrpSpPr/>
+        <p:nvPr/>
+      </p:nvGrpSpPr>
+      <p:grpSpPr>
+        <a:xfrm>
+          <a:off x="0" y="0"/>
+          <a:ext cx="0" cy="0"/>
+          <a:chOff x="0" y="0"/>
+          <a:chExt cx="0" cy="0"/>
+        </a:xfrm>
+      </p:grpSpPr>
+      <p:sp>
+        <p:nvSpPr>
+          <p:cNvPr id="2" name="Slide Image Placeholder 1"/>
+          <p:cNvSpPr>
+            <a:spLocks noGrp="1" noRot="1" noChangeAspect="1"/>
+          </p:cNvSpPr>
+          <p:nvPr>
+            <p:ph type="sldImg"/>
+          </p:nvPr>
+        </p:nvSpPr>
+        <p:spPr/>
+      </p:sp>
+      <p:sp>
+        <p:nvSpPr>
+          <p:cNvPr id="3" name="Notes Placeholder 2"/>
+          <p:cNvSpPr>
+            <a:spLocks noGrp="1"/>
+          </p:cNvSpPr>
+          <p:nvPr>
+            <p:ph type="body" idx="1"/>
+          </p:nvPr>
+        </p:nvSpPr>
+        <p:spPr/>
+        <p:txBody>
+          <a:bodyPr/>
+          <a:lstStyle/>
+          <a:p>
+            <a:endParaRPr lang="en-BO"/>
+          </a:p>
+        </p:txBody>
+      </p:sp>
+      <p:sp>
+        <p:nvSpPr>
+          <p:cNvPr id="4" name="Slide Number Placeholder 3"/>
+          <p:cNvSpPr>
+            <a:spLocks noGrp="1"/>
+          </p:cNvSpPr>
+          <p:nvPr>
+            <p:ph type="sldNum" sz="quarter" idx="5"/>
+          </p:nvPr>
+        </p:nvSpPr>
+        <p:spPr/>
+        <p:txBody>
+          <a:bodyPr/>
+          <a:lstStyle/>
+          <a:p>
+            <a:fld id="{7A10BE97-503D-024F-A453-A9DDBAE9931C}" type="slidenum">
+              <a:rPr lang="en-BO"/>
+              <a:t>40</a:t>
+            </a:fld>
+            <a:endParaRPr lang="en-BO"/>
+          </a:p>
+        </p:txBody>
+      </p:sp>
+    </p:spTree>
+    <p:extLst>
+      <p:ext uri="{BB962C8B-B14F-4D97-AF65-F5344CB8AC3E}">
+        <p14:creationId xmlns:p14="http://schemas.microsoft.com/office/powerpoint/2010/main" val="1016268146"/>
+      </p:ext>
+    </p:extLst>
+  </p:cSld>
+  <p:clrMapOvr>
+    <a:masterClrMapping/>
+  </p:clrMapOvr>
+</p:notes>
+</file>
+
 <file path=ppt/slideLayouts/slideLayout1.xml><?xml version="1.0" encoding="utf-8"?>
 <p:sldLayout xmlns:a="http://schemas.openxmlformats.org/drawingml/2006/main" xmlns:r="http://schemas.openxmlformats.org/officeDocument/2006/relationships" xmlns:p="http://schemas.openxmlformats.org/presentationml/2006/main" type="title" preserve="1">
   <p:cSld name="Title Slide">
@@ -1139,7 +1493,7 @@
           <a:lstStyle/>
           <a:p>
             <a:fld id="{C8FD8A14-2CFB-304C-8B6F-224D06265BFD}" type="datetimeFigureOut">
-              <a:t>5/19/20</a:t>
+              <a:t>5/22/20</a:t>
             </a:fld>
             <a:endParaRPr lang="en-BO"/>
           </a:p>
@@ -1337,7 +1691,7 @@
           <a:lstStyle/>
           <a:p>
             <a:fld id="{C8FD8A14-2CFB-304C-8B6F-224D06265BFD}" type="datetimeFigureOut">
-              <a:t>5/19/20</a:t>
+              <a:t>5/22/20</a:t>
             </a:fld>
             <a:endParaRPr lang="en-BO"/>
           </a:p>
@@ -1545,7 +1899,7 @@
           <a:lstStyle/>
           <a:p>
             <a:fld id="{C8FD8A14-2CFB-304C-8B6F-224D06265BFD}" type="datetimeFigureOut">
-              <a:t>5/19/20</a:t>
+              <a:t>5/22/20</a:t>
             </a:fld>
             <a:endParaRPr lang="en-BO"/>
           </a:p>
@@ -1743,7 +2097,7 @@
           <a:lstStyle/>
           <a:p>
             <a:fld id="{C8FD8A14-2CFB-304C-8B6F-224D06265BFD}" type="datetimeFigureOut">
-              <a:t>5/19/20</a:t>
+              <a:t>5/22/20</a:t>
             </a:fld>
             <a:endParaRPr lang="en-BO"/>
           </a:p>
@@ -2017,7 +2371,7 @@
           <a:lstStyle/>
           <a:p>
             <a:fld id="{C8FD8A14-2CFB-304C-8B6F-224D06265BFD}" type="datetimeFigureOut">
-              <a:t>5/19/20</a:t>
+              <a:t>5/22/20</a:t>
             </a:fld>
             <a:endParaRPr lang="en-BO"/>
           </a:p>
@@ -2283,7 +2637,7 @@
           <a:lstStyle/>
           <a:p>
             <a:fld id="{C8FD8A14-2CFB-304C-8B6F-224D06265BFD}" type="datetimeFigureOut">
-              <a:t>5/19/20</a:t>
+              <a:t>5/22/20</a:t>
             </a:fld>
             <a:endParaRPr lang="en-BO"/>
           </a:p>
@@ -2696,7 +3050,7 @@
           <a:lstStyle/>
           <a:p>
             <a:fld id="{C8FD8A14-2CFB-304C-8B6F-224D06265BFD}" type="datetimeFigureOut">
-              <a:t>5/19/20</a:t>
+              <a:t>5/22/20</a:t>
             </a:fld>
             <a:endParaRPr lang="en-BO"/>
           </a:p>
@@ -2836,7 +3190,7 @@
           <a:lstStyle/>
           <a:p>
             <a:fld id="{C8FD8A14-2CFB-304C-8B6F-224D06265BFD}" type="datetimeFigureOut">
-              <a:t>5/19/20</a:t>
+              <a:t>5/22/20</a:t>
             </a:fld>
             <a:endParaRPr lang="en-BO"/>
           </a:p>
@@ -2947,7 +3301,7 @@
           <a:lstStyle/>
           <a:p>
             <a:fld id="{C8FD8A14-2CFB-304C-8B6F-224D06265BFD}" type="datetimeFigureOut">
-              <a:t>5/19/20</a:t>
+              <a:t>5/22/20</a:t>
             </a:fld>
             <a:endParaRPr lang="en-BO"/>
           </a:p>
@@ -3258,7 +3612,7 @@
           <a:lstStyle/>
           <a:p>
             <a:fld id="{C8FD8A14-2CFB-304C-8B6F-224D06265BFD}" type="datetimeFigureOut">
-              <a:t>5/19/20</a:t>
+              <a:t>5/22/20</a:t>
             </a:fld>
             <a:endParaRPr lang="en-BO"/>
           </a:p>
@@ -3545,7 +3899,7 @@
           <a:lstStyle/>
           <a:p>
             <a:fld id="{C8FD8A14-2CFB-304C-8B6F-224D06265BFD}" type="datetimeFigureOut">
-              <a:t>5/19/20</a:t>
+              <a:t>5/22/20</a:t>
             </a:fld>
             <a:endParaRPr lang="en-BO"/>
           </a:p>
@@ -3786,7 +4140,7 @@
           </a:lstStyle>
           <a:p>
             <a:fld id="{C8FD8A14-2CFB-304C-8B6F-224D06265BFD}" type="datetimeFigureOut">
-              <a:t>5/19/20</a:t>
+              <a:t>5/22/20</a:t>
             </a:fld>
             <a:endParaRPr lang="en-BO"/>
           </a:p>
@@ -8837,7 +9191,12 @@
             <p:ph type="title"/>
           </p:nvPr>
         </p:nvSpPr>
-        <p:spPr/>
+        <p:spPr>
+          <a:xfrm>
+            <a:off x="853439" y="375386"/>
+            <a:ext cx="10515600" cy="1325563"/>
+          </a:xfrm>
+        </p:spPr>
         <p:txBody>
           <a:bodyPr/>
           <a:lstStyle/>
@@ -9558,59 +9917,12 @@
           </p:txBody>
         </p:sp>
       </p:grpSp>
-      <p:sp>
-        <p:nvSpPr>
-          <p:cNvPr id="38" name="Rectangle 37">
-            <a:extLst>
-              <a:ext uri="{FF2B5EF4-FFF2-40B4-BE49-F238E27FC236}">
-                <a16:creationId xmlns:a16="http://schemas.microsoft.com/office/drawing/2014/main" id="{C441AD76-DB18-4543-AA67-66B90EDC6235}"/>
-              </a:ext>
-            </a:extLst>
-          </p:cNvPr>
-          <p:cNvSpPr/>
-          <p:nvPr/>
-        </p:nvSpPr>
-        <p:spPr>
-          <a:xfrm>
-            <a:off x="1164771" y="3523034"/>
-            <a:ext cx="10189028" cy="1046375"/>
-          </a:xfrm>
-          <a:prstGeom prst="rect">
-            <a:avLst/>
-          </a:prstGeom>
-          <a:noFill/>
-        </p:spPr>
-        <p:style>
-          <a:lnRef idx="2">
-            <a:schemeClr val="accent1">
-              <a:shade val="50000"/>
-            </a:schemeClr>
-          </a:lnRef>
-          <a:fillRef idx="1">
-            <a:schemeClr val="accent1"/>
-          </a:fillRef>
-          <a:effectRef idx="0">
-            <a:schemeClr val="accent1"/>
-          </a:effectRef>
-          <a:fontRef idx="minor">
-            <a:schemeClr val="lt1"/>
-          </a:fontRef>
-        </p:style>
-        <p:txBody>
-          <a:bodyPr rtlCol="0" anchor="ctr"/>
-          <a:lstStyle/>
-          <a:p>
-            <a:pPr algn="ctr"/>
-            <a:endParaRPr lang="en-BO"/>
-          </a:p>
-        </p:txBody>
-      </p:sp>
       <p:grpSp>
         <p:nvGrpSpPr>
-          <p:cNvPr id="46" name="Group 45">
-            <a:extLst>
-              <a:ext uri="{FF2B5EF4-FFF2-40B4-BE49-F238E27FC236}">
-                <a16:creationId xmlns:a16="http://schemas.microsoft.com/office/drawing/2014/main" id="{35E7395E-38B3-BF44-9A29-3159DD849067}"/>
+          <p:cNvPr id="5" name="Group 4">
+            <a:extLst>
+              <a:ext uri="{FF2B5EF4-FFF2-40B4-BE49-F238E27FC236}">
+                <a16:creationId xmlns:a16="http://schemas.microsoft.com/office/drawing/2014/main" id="{701FECAB-FAF9-C94A-AFDB-C32964531621}"/>
               </a:ext>
             </a:extLst>
           </p:cNvPr>
@@ -9619,368 +9931,436 @@
         </p:nvGrpSpPr>
         <p:grpSpPr>
           <a:xfrm>
-            <a:off x="1509925" y="3564696"/>
-            <a:ext cx="9479863" cy="977900"/>
-            <a:chOff x="1310632" y="3380452"/>
-            <a:chExt cx="9479863" cy="977900"/>
+            <a:off x="1180010" y="3184438"/>
+            <a:ext cx="10189028" cy="1395232"/>
+            <a:chOff x="1164771" y="3174177"/>
+            <a:chExt cx="10189028" cy="1395232"/>
           </a:xfrm>
         </p:grpSpPr>
-        <p:pic>
-          <p:nvPicPr>
-            <p:cNvPr id="4" name="Picture 3">
+        <p:sp>
+          <p:nvSpPr>
+            <p:cNvPr id="38" name="Rectangle 37">
               <a:extLst>
                 <a:ext uri="{FF2B5EF4-FFF2-40B4-BE49-F238E27FC236}">
-                  <a16:creationId xmlns:a16="http://schemas.microsoft.com/office/drawing/2014/main" id="{3DEF9055-947A-4B45-9FBB-4DA50C76CFC7}"/>
+                  <a16:creationId xmlns:a16="http://schemas.microsoft.com/office/drawing/2014/main" id="{C441AD76-DB18-4543-AA67-66B90EDC6235}"/>
                 </a:ext>
               </a:extLst>
             </p:cNvPr>
-            <p:cNvPicPr>
-              <a:picLocks noChangeAspect="1"/>
-            </p:cNvPicPr>
+            <p:cNvSpPr/>
             <p:nvPr/>
-          </p:nvPicPr>
-          <p:blipFill>
-            <a:blip r:embed="rId11"/>
-            <a:stretch>
-              <a:fillRect/>
-            </a:stretch>
-          </p:blipFill>
+          </p:nvSpPr>
           <p:spPr>
             <a:xfrm>
-              <a:off x="2283855" y="3503123"/>
-              <a:ext cx="763572" cy="745392"/>
+              <a:off x="1164771" y="3523034"/>
+              <a:ext cx="10189028" cy="1046375"/>
             </a:xfrm>
             <a:prstGeom prst="rect">
               <a:avLst/>
             </a:prstGeom>
+            <a:noFill/>
           </p:spPr>
-        </p:pic>
-        <p:pic>
-          <p:nvPicPr>
-            <p:cNvPr id="8" name="Picture 7">
+          <p:style>
+            <a:lnRef idx="2">
+              <a:schemeClr val="accent1">
+                <a:shade val="50000"/>
+              </a:schemeClr>
+            </a:lnRef>
+            <a:fillRef idx="1">
+              <a:schemeClr val="accent1"/>
+            </a:fillRef>
+            <a:effectRef idx="0">
+              <a:schemeClr val="accent1"/>
+            </a:effectRef>
+            <a:fontRef idx="minor">
+              <a:schemeClr val="lt1"/>
+            </a:fontRef>
+          </p:style>
+          <p:txBody>
+            <a:bodyPr rtlCol="0" anchor="ctr"/>
+            <a:lstStyle/>
+            <a:p>
+              <a:pPr algn="ctr"/>
+              <a:endParaRPr lang="en-BO"/>
+            </a:p>
+          </p:txBody>
+        </p:sp>
+        <p:grpSp>
+          <p:nvGrpSpPr>
+            <p:cNvPr id="46" name="Group 45">
               <a:extLst>
                 <a:ext uri="{FF2B5EF4-FFF2-40B4-BE49-F238E27FC236}">
-                  <a16:creationId xmlns:a16="http://schemas.microsoft.com/office/drawing/2014/main" id="{46B5D9DC-8C5F-684E-88E8-A56CA1A249B2}"/>
+                  <a16:creationId xmlns:a16="http://schemas.microsoft.com/office/drawing/2014/main" id="{35E7395E-38B3-BF44-9A29-3159DD849067}"/>
                 </a:ext>
               </a:extLst>
             </p:cNvPr>
-            <p:cNvPicPr>
-              <a:picLocks noChangeAspect="1"/>
-            </p:cNvPicPr>
+            <p:cNvGrpSpPr/>
             <p:nvPr/>
-          </p:nvPicPr>
-          <p:blipFill>
-            <a:blip r:embed="rId12"/>
-            <a:stretch>
-              <a:fillRect/>
-            </a:stretch>
-          </p:blipFill>
+          </p:nvGrpSpPr>
+          <p:grpSpPr>
+            <a:xfrm>
+              <a:off x="1509925" y="3564696"/>
+              <a:ext cx="9479863" cy="977900"/>
+              <a:chOff x="1310632" y="3380452"/>
+              <a:chExt cx="9479863" cy="977900"/>
+            </a:xfrm>
+          </p:grpSpPr>
+          <p:pic>
+            <p:nvPicPr>
+              <p:cNvPr id="4" name="Picture 3">
+                <a:extLst>
+                  <a:ext uri="{FF2B5EF4-FFF2-40B4-BE49-F238E27FC236}">
+                    <a16:creationId xmlns:a16="http://schemas.microsoft.com/office/drawing/2014/main" id="{3DEF9055-947A-4B45-9FBB-4DA50C76CFC7}"/>
+                  </a:ext>
+                </a:extLst>
+              </p:cNvPr>
+              <p:cNvPicPr>
+                <a:picLocks noChangeAspect="1"/>
+              </p:cNvPicPr>
+              <p:nvPr/>
+            </p:nvPicPr>
+            <p:blipFill>
+              <a:blip r:embed="rId11"/>
+              <a:stretch>
+                <a:fillRect/>
+              </a:stretch>
+            </p:blipFill>
+            <p:spPr>
+              <a:xfrm>
+                <a:off x="2283855" y="3503123"/>
+                <a:ext cx="763572" cy="745392"/>
+              </a:xfrm>
+              <a:prstGeom prst="rect">
+                <a:avLst/>
+              </a:prstGeom>
+            </p:spPr>
+          </p:pic>
+          <p:pic>
+            <p:nvPicPr>
+              <p:cNvPr id="8" name="Picture 7">
+                <a:extLst>
+                  <a:ext uri="{FF2B5EF4-FFF2-40B4-BE49-F238E27FC236}">
+                    <a16:creationId xmlns:a16="http://schemas.microsoft.com/office/drawing/2014/main" id="{46B5D9DC-8C5F-684E-88E8-A56CA1A249B2}"/>
+                  </a:ext>
+                </a:extLst>
+              </p:cNvPr>
+              <p:cNvPicPr>
+                <a:picLocks noChangeAspect="1"/>
+              </p:cNvPicPr>
+              <p:nvPr/>
+            </p:nvPicPr>
+            <p:blipFill>
+              <a:blip r:embed="rId12"/>
+              <a:stretch>
+                <a:fillRect/>
+              </a:stretch>
+            </p:blipFill>
+            <p:spPr>
+              <a:xfrm>
+                <a:off x="3220376" y="3466160"/>
+                <a:ext cx="679145" cy="806485"/>
+              </a:xfrm>
+              <a:prstGeom prst="rect">
+                <a:avLst/>
+              </a:prstGeom>
+            </p:spPr>
+          </p:pic>
+          <p:pic>
+            <p:nvPicPr>
+              <p:cNvPr id="29" name="Picture 28">
+                <a:extLst>
+                  <a:ext uri="{FF2B5EF4-FFF2-40B4-BE49-F238E27FC236}">
+                    <a16:creationId xmlns:a16="http://schemas.microsoft.com/office/drawing/2014/main" id="{3EF45225-7D33-4947-BFD1-AFF74F8F9D3E}"/>
+                  </a:ext>
+                </a:extLst>
+              </p:cNvPr>
+              <p:cNvPicPr>
+                <a:picLocks noChangeAspect="1"/>
+              </p:cNvPicPr>
+              <p:nvPr/>
+            </p:nvPicPr>
+            <p:blipFill>
+              <a:blip r:embed="rId13"/>
+              <a:stretch>
+                <a:fillRect/>
+              </a:stretch>
+            </p:blipFill>
+            <p:spPr>
+              <a:xfrm>
+                <a:off x="9662682" y="3659309"/>
+                <a:ext cx="1127813" cy="393700"/>
+              </a:xfrm>
+              <a:prstGeom prst="rect">
+                <a:avLst/>
+              </a:prstGeom>
+            </p:spPr>
+          </p:pic>
+          <p:pic>
+            <p:nvPicPr>
+              <p:cNvPr id="31" name="Picture 30">
+                <a:extLst>
+                  <a:ext uri="{FF2B5EF4-FFF2-40B4-BE49-F238E27FC236}">
+                    <a16:creationId xmlns:a16="http://schemas.microsoft.com/office/drawing/2014/main" id="{5582654F-9FB8-DC43-8FC0-0FFDDEE1E234}"/>
+                  </a:ext>
+                </a:extLst>
+              </p:cNvPr>
+              <p:cNvPicPr>
+                <a:picLocks noChangeAspect="1"/>
+              </p:cNvPicPr>
+              <p:nvPr/>
+            </p:nvPicPr>
+            <p:blipFill>
+              <a:blip r:embed="rId14"/>
+              <a:stretch>
+                <a:fillRect/>
+              </a:stretch>
+            </p:blipFill>
+            <p:spPr>
+              <a:xfrm>
+                <a:off x="1310632" y="3469666"/>
+                <a:ext cx="800274" cy="781220"/>
+              </a:xfrm>
+              <a:prstGeom prst="rect">
+                <a:avLst/>
+              </a:prstGeom>
+            </p:spPr>
+          </p:pic>
+          <p:pic>
+            <p:nvPicPr>
+              <p:cNvPr id="33" name="Picture 32">
+                <a:extLst>
+                  <a:ext uri="{FF2B5EF4-FFF2-40B4-BE49-F238E27FC236}">
+                    <a16:creationId xmlns:a16="http://schemas.microsoft.com/office/drawing/2014/main" id="{A0A3658B-3714-3A4C-8C99-EDEBEC670EE0}"/>
+                  </a:ext>
+                </a:extLst>
+              </p:cNvPr>
+              <p:cNvPicPr>
+                <a:picLocks noChangeAspect="1"/>
+              </p:cNvPicPr>
+              <p:nvPr/>
+            </p:nvPicPr>
+            <p:blipFill>
+              <a:blip r:embed="rId15"/>
+              <a:stretch>
+                <a:fillRect/>
+              </a:stretch>
+            </p:blipFill>
+            <p:spPr>
+              <a:xfrm>
+                <a:off x="6065015" y="3583620"/>
+                <a:ext cx="619522" cy="650498"/>
+              </a:xfrm>
+              <a:prstGeom prst="rect">
+                <a:avLst/>
+              </a:prstGeom>
+            </p:spPr>
+          </p:pic>
+          <p:pic>
+            <p:nvPicPr>
+              <p:cNvPr id="35" name="Picture 34">
+                <a:extLst>
+                  <a:ext uri="{FF2B5EF4-FFF2-40B4-BE49-F238E27FC236}">
+                    <a16:creationId xmlns:a16="http://schemas.microsoft.com/office/drawing/2014/main" id="{B62B0DC6-4B6C-1C45-A49C-B4BF2C39A491}"/>
+                  </a:ext>
+                </a:extLst>
+              </p:cNvPr>
+              <p:cNvPicPr>
+                <a:picLocks noChangeAspect="1"/>
+              </p:cNvPicPr>
+              <p:nvPr/>
+            </p:nvPicPr>
+            <p:blipFill>
+              <a:blip r:embed="rId16"/>
+              <a:stretch>
+                <a:fillRect/>
+              </a:stretch>
+            </p:blipFill>
+            <p:spPr>
+              <a:xfrm>
+                <a:off x="4060307" y="3576428"/>
+                <a:ext cx="673100" cy="533400"/>
+              </a:xfrm>
+              <a:prstGeom prst="rect">
+                <a:avLst/>
+              </a:prstGeom>
+            </p:spPr>
+          </p:pic>
+          <p:pic>
+            <p:nvPicPr>
+              <p:cNvPr id="37" name="Picture 36">
+                <a:extLst>
+                  <a:ext uri="{FF2B5EF4-FFF2-40B4-BE49-F238E27FC236}">
+                    <a16:creationId xmlns:a16="http://schemas.microsoft.com/office/drawing/2014/main" id="{E6FFF338-02A9-F74D-AF17-7F0BFFF4DDF2}"/>
+                  </a:ext>
+                </a:extLst>
+              </p:cNvPr>
+              <p:cNvPicPr>
+                <a:picLocks noChangeAspect="1"/>
+              </p:cNvPicPr>
+              <p:nvPr/>
+            </p:nvPicPr>
+            <p:blipFill>
+              <a:blip r:embed="rId17"/>
+              <a:stretch>
+                <a:fillRect/>
+              </a:stretch>
+            </p:blipFill>
+            <p:spPr>
+              <a:xfrm>
+                <a:off x="8704852" y="3666269"/>
+                <a:ext cx="812800" cy="419100"/>
+              </a:xfrm>
+              <a:prstGeom prst="rect">
+                <a:avLst/>
+              </a:prstGeom>
+            </p:spPr>
+          </p:pic>
+          <p:pic>
+            <p:nvPicPr>
+              <p:cNvPr id="41" name="Picture 40">
+                <a:extLst>
+                  <a:ext uri="{FF2B5EF4-FFF2-40B4-BE49-F238E27FC236}">
+                    <a16:creationId xmlns:a16="http://schemas.microsoft.com/office/drawing/2014/main" id="{F60FD476-54D4-8D40-8DDF-9DD28E9CD916}"/>
+                  </a:ext>
+                </a:extLst>
+              </p:cNvPr>
+              <p:cNvPicPr>
+                <a:picLocks noChangeAspect="1"/>
+              </p:cNvPicPr>
+              <p:nvPr/>
+            </p:nvPicPr>
+            <p:blipFill>
+              <a:blip r:embed="rId18"/>
+              <a:stretch>
+                <a:fillRect/>
+              </a:stretch>
+            </p:blipFill>
+            <p:spPr>
+              <a:xfrm>
+                <a:off x="7870966" y="3380452"/>
+                <a:ext cx="774700" cy="977900"/>
+              </a:xfrm>
+              <a:prstGeom prst="rect">
+                <a:avLst/>
+              </a:prstGeom>
+            </p:spPr>
+          </p:pic>
+          <p:pic>
+            <p:nvPicPr>
+              <p:cNvPr id="43" name="Picture 42">
+                <a:extLst>
+                  <a:ext uri="{FF2B5EF4-FFF2-40B4-BE49-F238E27FC236}">
+                    <a16:creationId xmlns:a16="http://schemas.microsoft.com/office/drawing/2014/main" id="{7ECA23A6-A3C9-9840-BE73-B370C26DD949}"/>
+                  </a:ext>
+                </a:extLst>
+              </p:cNvPr>
+              <p:cNvPicPr>
+                <a:picLocks noChangeAspect="1"/>
+              </p:cNvPicPr>
+              <p:nvPr/>
+            </p:nvPicPr>
+            <p:blipFill>
+              <a:blip r:embed="rId19"/>
+              <a:stretch>
+                <a:fillRect/>
+              </a:stretch>
+            </p:blipFill>
+            <p:spPr>
+              <a:xfrm>
+                <a:off x="6840264" y="3723352"/>
+                <a:ext cx="901700" cy="292100"/>
+              </a:xfrm>
+              <a:prstGeom prst="rect">
+                <a:avLst/>
+              </a:prstGeom>
+            </p:spPr>
+          </p:pic>
+          <p:pic>
+            <p:nvPicPr>
+              <p:cNvPr id="45" name="Picture 44">
+                <a:extLst>
+                  <a:ext uri="{FF2B5EF4-FFF2-40B4-BE49-F238E27FC236}">
+                    <a16:creationId xmlns:a16="http://schemas.microsoft.com/office/drawing/2014/main" id="{0AF7A219-6424-414C-84E6-D2CA550AB3D9}"/>
+                  </a:ext>
+                </a:extLst>
+              </p:cNvPr>
+              <p:cNvPicPr>
+                <a:picLocks noChangeAspect="1"/>
+              </p:cNvPicPr>
+              <p:nvPr/>
+            </p:nvPicPr>
+            <p:blipFill>
+              <a:blip r:embed="rId20"/>
+              <a:stretch>
+                <a:fillRect/>
+              </a:stretch>
+            </p:blipFill>
+            <p:spPr>
+              <a:xfrm>
+                <a:off x="4854708" y="3638786"/>
+                <a:ext cx="1051186" cy="511388"/>
+              </a:xfrm>
+              <a:prstGeom prst="rect">
+                <a:avLst/>
+              </a:prstGeom>
+            </p:spPr>
+          </p:pic>
+        </p:grpSp>
+        <p:sp>
+          <p:nvSpPr>
+            <p:cNvPr id="47" name="TextBox 46">
+              <a:extLst>
+                <a:ext uri="{FF2B5EF4-FFF2-40B4-BE49-F238E27FC236}">
+                  <a16:creationId xmlns:a16="http://schemas.microsoft.com/office/drawing/2014/main" id="{7589E411-867D-524B-B044-47B72AE30224}"/>
+                </a:ext>
+              </a:extLst>
+            </p:cNvPr>
+            <p:cNvSpPr txBox="1"/>
+            <p:nvPr/>
+          </p:nvSpPr>
           <p:spPr>
             <a:xfrm>
-              <a:off x="3220376" y="3466160"/>
-              <a:ext cx="679145" cy="806485"/>
+              <a:off x="1164771" y="3174177"/>
+              <a:ext cx="10189028" cy="369332"/>
             </a:xfrm>
             <a:prstGeom prst="rect">
               <a:avLst/>
             </a:prstGeom>
+            <a:solidFill>
+              <a:schemeClr val="accent1"/>
+            </a:solidFill>
+            <a:ln>
+              <a:noFill/>
+            </a:ln>
           </p:spPr>
-        </p:pic>
-        <p:pic>
-          <p:nvPicPr>
-            <p:cNvPr id="29" name="Picture 28">
-              <a:extLst>
-                <a:ext uri="{FF2B5EF4-FFF2-40B4-BE49-F238E27FC236}">
-                  <a16:creationId xmlns:a16="http://schemas.microsoft.com/office/drawing/2014/main" id="{3EF45225-7D33-4947-BFD1-AFF74F8F9D3E}"/>
-                </a:ext>
-              </a:extLst>
-            </p:cNvPr>
-            <p:cNvPicPr>
-              <a:picLocks noChangeAspect="1"/>
-            </p:cNvPicPr>
-            <p:nvPr/>
-          </p:nvPicPr>
-          <p:blipFill>
-            <a:blip r:embed="rId13"/>
-            <a:stretch>
-              <a:fillRect/>
-            </a:stretch>
-          </p:blipFill>
-          <p:spPr>
-            <a:xfrm>
-              <a:off x="9662682" y="3659309"/>
-              <a:ext cx="1127813" cy="393700"/>
-            </a:xfrm>
-            <a:prstGeom prst="rect">
-              <a:avLst/>
-            </a:prstGeom>
-          </p:spPr>
-        </p:pic>
-        <p:pic>
-          <p:nvPicPr>
-            <p:cNvPr id="31" name="Picture 30">
-              <a:extLst>
-                <a:ext uri="{FF2B5EF4-FFF2-40B4-BE49-F238E27FC236}">
-                  <a16:creationId xmlns:a16="http://schemas.microsoft.com/office/drawing/2014/main" id="{5582654F-9FB8-DC43-8FC0-0FFDDEE1E234}"/>
-                </a:ext>
-              </a:extLst>
-            </p:cNvPr>
-            <p:cNvPicPr>
-              <a:picLocks noChangeAspect="1"/>
-            </p:cNvPicPr>
-            <p:nvPr/>
-          </p:nvPicPr>
-          <p:blipFill>
-            <a:blip r:embed="rId14"/>
-            <a:stretch>
-              <a:fillRect/>
-            </a:stretch>
-          </p:blipFill>
-          <p:spPr>
-            <a:xfrm>
-              <a:off x="1310632" y="3469666"/>
-              <a:ext cx="800274" cy="781220"/>
-            </a:xfrm>
-            <a:prstGeom prst="rect">
-              <a:avLst/>
-            </a:prstGeom>
-          </p:spPr>
-        </p:pic>
-        <p:pic>
-          <p:nvPicPr>
-            <p:cNvPr id="33" name="Picture 32">
-              <a:extLst>
-                <a:ext uri="{FF2B5EF4-FFF2-40B4-BE49-F238E27FC236}">
-                  <a16:creationId xmlns:a16="http://schemas.microsoft.com/office/drawing/2014/main" id="{A0A3658B-3714-3A4C-8C99-EDEBEC670EE0}"/>
-                </a:ext>
-              </a:extLst>
-            </p:cNvPr>
-            <p:cNvPicPr>
-              <a:picLocks noChangeAspect="1"/>
-            </p:cNvPicPr>
-            <p:nvPr/>
-          </p:nvPicPr>
-          <p:blipFill>
-            <a:blip r:embed="rId15"/>
-            <a:stretch>
-              <a:fillRect/>
-            </a:stretch>
-          </p:blipFill>
-          <p:spPr>
-            <a:xfrm>
-              <a:off x="6065015" y="3583620"/>
-              <a:ext cx="619522" cy="650498"/>
-            </a:xfrm>
-            <a:prstGeom prst="rect">
-              <a:avLst/>
-            </a:prstGeom>
-          </p:spPr>
-        </p:pic>
-        <p:pic>
-          <p:nvPicPr>
-            <p:cNvPr id="35" name="Picture 34">
-              <a:extLst>
-                <a:ext uri="{FF2B5EF4-FFF2-40B4-BE49-F238E27FC236}">
-                  <a16:creationId xmlns:a16="http://schemas.microsoft.com/office/drawing/2014/main" id="{B62B0DC6-4B6C-1C45-A49C-B4BF2C39A491}"/>
-                </a:ext>
-              </a:extLst>
-            </p:cNvPr>
-            <p:cNvPicPr>
-              <a:picLocks noChangeAspect="1"/>
-            </p:cNvPicPr>
-            <p:nvPr/>
-          </p:nvPicPr>
-          <p:blipFill>
-            <a:blip r:embed="rId16"/>
-            <a:stretch>
-              <a:fillRect/>
-            </a:stretch>
-          </p:blipFill>
-          <p:spPr>
-            <a:xfrm>
-              <a:off x="4060307" y="3576428"/>
-              <a:ext cx="673100" cy="533400"/>
-            </a:xfrm>
-            <a:prstGeom prst="rect">
-              <a:avLst/>
-            </a:prstGeom>
-          </p:spPr>
-        </p:pic>
-        <p:pic>
-          <p:nvPicPr>
-            <p:cNvPr id="37" name="Picture 36">
-              <a:extLst>
-                <a:ext uri="{FF2B5EF4-FFF2-40B4-BE49-F238E27FC236}">
-                  <a16:creationId xmlns:a16="http://schemas.microsoft.com/office/drawing/2014/main" id="{E6FFF338-02A9-F74D-AF17-7F0BFFF4DDF2}"/>
-                </a:ext>
-              </a:extLst>
-            </p:cNvPr>
-            <p:cNvPicPr>
-              <a:picLocks noChangeAspect="1"/>
-            </p:cNvPicPr>
-            <p:nvPr/>
-          </p:nvPicPr>
-          <p:blipFill>
-            <a:blip r:embed="rId17"/>
-            <a:stretch>
-              <a:fillRect/>
-            </a:stretch>
-          </p:blipFill>
-          <p:spPr>
-            <a:xfrm>
-              <a:off x="8704852" y="3666269"/>
-              <a:ext cx="812800" cy="419100"/>
-            </a:xfrm>
-            <a:prstGeom prst="rect">
-              <a:avLst/>
-            </a:prstGeom>
-          </p:spPr>
-        </p:pic>
-        <p:pic>
-          <p:nvPicPr>
-            <p:cNvPr id="41" name="Picture 40">
-              <a:extLst>
-                <a:ext uri="{FF2B5EF4-FFF2-40B4-BE49-F238E27FC236}">
-                  <a16:creationId xmlns:a16="http://schemas.microsoft.com/office/drawing/2014/main" id="{F60FD476-54D4-8D40-8DDF-9DD28E9CD916}"/>
-                </a:ext>
-              </a:extLst>
-            </p:cNvPr>
-            <p:cNvPicPr>
-              <a:picLocks noChangeAspect="1"/>
-            </p:cNvPicPr>
-            <p:nvPr/>
-          </p:nvPicPr>
-          <p:blipFill>
-            <a:blip r:embed="rId18"/>
-            <a:stretch>
-              <a:fillRect/>
-            </a:stretch>
-          </p:blipFill>
-          <p:spPr>
-            <a:xfrm>
-              <a:off x="7870966" y="3380452"/>
-              <a:ext cx="774700" cy="977900"/>
-            </a:xfrm>
-            <a:prstGeom prst="rect">
-              <a:avLst/>
-            </a:prstGeom>
-          </p:spPr>
-        </p:pic>
-        <p:pic>
-          <p:nvPicPr>
-            <p:cNvPr id="43" name="Picture 42">
-              <a:extLst>
-                <a:ext uri="{FF2B5EF4-FFF2-40B4-BE49-F238E27FC236}">
-                  <a16:creationId xmlns:a16="http://schemas.microsoft.com/office/drawing/2014/main" id="{7ECA23A6-A3C9-9840-BE73-B370C26DD949}"/>
-                </a:ext>
-              </a:extLst>
-            </p:cNvPr>
-            <p:cNvPicPr>
-              <a:picLocks noChangeAspect="1"/>
-            </p:cNvPicPr>
-            <p:nvPr/>
-          </p:nvPicPr>
-          <p:blipFill>
-            <a:blip r:embed="rId19"/>
-            <a:stretch>
-              <a:fillRect/>
-            </a:stretch>
-          </p:blipFill>
-          <p:spPr>
-            <a:xfrm>
-              <a:off x="6840264" y="3723352"/>
-              <a:ext cx="901700" cy="292100"/>
-            </a:xfrm>
-            <a:prstGeom prst="rect">
-              <a:avLst/>
-            </a:prstGeom>
-          </p:spPr>
-        </p:pic>
-        <p:pic>
-          <p:nvPicPr>
-            <p:cNvPr id="45" name="Picture 44">
-              <a:extLst>
-                <a:ext uri="{FF2B5EF4-FFF2-40B4-BE49-F238E27FC236}">
-                  <a16:creationId xmlns:a16="http://schemas.microsoft.com/office/drawing/2014/main" id="{0AF7A219-6424-414C-84E6-D2CA550AB3D9}"/>
-                </a:ext>
-              </a:extLst>
-            </p:cNvPr>
-            <p:cNvPicPr>
-              <a:picLocks noChangeAspect="1"/>
-            </p:cNvPicPr>
-            <p:nvPr/>
-          </p:nvPicPr>
-          <p:blipFill>
-            <a:blip r:embed="rId20"/>
-            <a:stretch>
-              <a:fillRect/>
-            </a:stretch>
-          </p:blipFill>
-          <p:spPr>
-            <a:xfrm>
-              <a:off x="4854708" y="3638786"/>
-              <a:ext cx="1051186" cy="511388"/>
-            </a:xfrm>
-            <a:prstGeom prst="rect">
-              <a:avLst/>
-            </a:prstGeom>
-          </p:spPr>
-        </p:pic>
+          <p:style>
+            <a:lnRef idx="0">
+              <a:scrgbClr r="0" g="0" b="0"/>
+            </a:lnRef>
+            <a:fillRef idx="0">
+              <a:scrgbClr r="0" g="0" b="0"/>
+            </a:fillRef>
+            <a:effectRef idx="0">
+              <a:scrgbClr r="0" g="0" b="0"/>
+            </a:effectRef>
+            <a:fontRef idx="minor">
+              <a:schemeClr val="lt1"/>
+            </a:fontRef>
+          </p:style>
+          <p:txBody>
+            <a:bodyPr wrap="square" rtlCol="0">
+              <a:spAutoFit/>
+            </a:bodyPr>
+            <a:lstStyle/>
+            <a:p>
+              <a:pPr algn="ctr"/>
+              <a:r>
+                <a:rPr lang="en-BO"/>
+                <a:t>LENGUAJES DE PROGRAMACIÓN</a:t>
+              </a:r>
+            </a:p>
+          </p:txBody>
+        </p:sp>
       </p:grpSp>
-      <p:sp>
-        <p:nvSpPr>
-          <p:cNvPr id="47" name="TextBox 46">
-            <a:extLst>
-              <a:ext uri="{FF2B5EF4-FFF2-40B4-BE49-F238E27FC236}">
-                <a16:creationId xmlns:a16="http://schemas.microsoft.com/office/drawing/2014/main" id="{7589E411-867D-524B-B044-47B72AE30224}"/>
-              </a:ext>
-            </a:extLst>
-          </p:cNvPr>
-          <p:cNvSpPr txBox="1"/>
-          <p:nvPr/>
-        </p:nvSpPr>
-        <p:spPr>
-          <a:xfrm>
-            <a:off x="1164771" y="3174177"/>
-            <a:ext cx="10189028" cy="369332"/>
-          </a:xfrm>
-          <a:prstGeom prst="rect">
-            <a:avLst/>
-          </a:prstGeom>
-          <a:solidFill>
-            <a:schemeClr val="accent1"/>
-          </a:solidFill>
-          <a:ln>
-            <a:noFill/>
-          </a:ln>
-        </p:spPr>
-        <p:style>
-          <a:lnRef idx="0">
-            <a:scrgbClr r="0" g="0" b="0"/>
-          </a:lnRef>
-          <a:fillRef idx="0">
-            <a:scrgbClr r="0" g="0" b="0"/>
-          </a:fillRef>
-          <a:effectRef idx="0">
-            <a:scrgbClr r="0" g="0" b="0"/>
-          </a:effectRef>
-          <a:fontRef idx="minor">
-            <a:schemeClr val="lt1"/>
-          </a:fontRef>
-        </p:style>
-        <p:txBody>
-          <a:bodyPr wrap="square" rtlCol="0">
-            <a:spAutoFit/>
-          </a:bodyPr>
-          <a:lstStyle/>
-          <a:p>
-            <a:pPr algn="ctr"/>
-            <a:r>
-              <a:rPr lang="en-BO"/>
-              <a:t>LENGUAJES DE PROGRAMACIÓN</a:t>
-            </a:r>
-          </a:p>
-        </p:txBody>
-      </p:sp>
       <p:sp>
         <p:nvSpPr>
           <p:cNvPr id="3" name="Down Arrow 2">
@@ -12134,7 +12514,7 @@
           <a:p>
             <a:r>
               <a:rPr lang="en-BO"/>
-              <a:t>Pseudo código</a:t>
+              <a:t>Pseudo-código</a:t>
             </a:r>
           </a:p>
         </p:txBody>
@@ -12272,13 +12652,13 @@
         </p:spPr>
         <p:style>
           <a:lnRef idx="1">
-            <a:schemeClr val="accent1"/>
+            <a:schemeClr val="accent6"/>
           </a:lnRef>
           <a:fillRef idx="3">
-            <a:schemeClr val="accent1"/>
+            <a:schemeClr val="accent6"/>
           </a:fillRef>
           <a:effectRef idx="2">
-            <a:schemeClr val="accent1"/>
+            <a:schemeClr val="accent6"/>
           </a:effectRef>
           <a:fontRef idx="minor">
             <a:schemeClr val="lt1"/>
@@ -12291,22 +12671,22 @@
           <a:lstStyle/>
           <a:p>
             <a:r>
-              <a:rPr lang="en-BO"/>
+              <a:rPr lang="en-BO" b="1"/>
               <a:t>// Programa: Barre Archivo de texto y devuelve número de lineas no blancas y el número de palabras.</a:t>
             </a:r>
           </a:p>
           <a:p>
-            <a:endParaRPr lang="en-BO"/>
-          </a:p>
-          <a:p>
-            <a:r>
-              <a:rPr lang="en-BO"/>
+            <a:endParaRPr lang="en-BO" b="1"/>
+          </a:p>
+          <a:p>
+            <a:r>
+              <a:rPr lang="en-BO" b="1"/>
               <a:t>// Conseguir nombre del archivo</a:t>
             </a:r>
           </a:p>
           <a:p>
             <a:r>
-              <a:rPr lang="en-BO"/>
+              <a:rPr lang="en-BO" b="1"/>
               <a:t>// Abrir el archivo</a:t>
             </a:r>
           </a:p>
@@ -12314,12 +12694,12 @@
             <a:r>
               <a:rPr lang="en-BO" b="1">
                 <a:solidFill>
-                  <a:schemeClr val="accent2">
-                    <a:lumMod val="75000"/>
+                  <a:schemeClr val="bg2">
+                    <a:lumMod val="50000"/>
                   </a:schemeClr>
                 </a:solidFill>
                 <a:highlight>
-                  <a:srgbClr val="C0C0C0"/>
+                  <a:srgbClr val="FFFF00"/>
                 </a:highlight>
               </a:rPr>
               <a:t>// Si no existe archivo</a:t>
@@ -12329,12 +12709,12 @@
             <a:r>
               <a:rPr lang="en-BO" b="1">
                 <a:solidFill>
-                  <a:schemeClr val="accent2">
-                    <a:lumMod val="75000"/>
+                  <a:schemeClr val="bg2">
+                    <a:lumMod val="50000"/>
                   </a:schemeClr>
                 </a:solidFill>
                 <a:highlight>
-                  <a:srgbClr val="C0C0C0"/>
+                  <a:srgbClr val="FFFF00"/>
                 </a:highlight>
               </a:rPr>
               <a:t>	// terminar</a:t>
@@ -12342,19 +12722,19 @@
           </a:p>
           <a:p>
             <a:r>
-              <a:rPr lang="en-BO"/>
+              <a:rPr lang="en-BO" b="1"/>
               <a:t>// Leer todo el archivo en colección de lineas</a:t>
             </a:r>
           </a:p>
           <a:p>
             <a:r>
-              <a:rPr lang="en-BO"/>
+              <a:rPr lang="en-BO" b="1"/>
               <a:t>// inicializar contadores de lineas y palabras en cero</a:t>
             </a:r>
           </a:p>
           <a:p>
             <a:r>
-              <a:rPr lang="en-BO"/>
+              <a:rPr lang="en-BO" b="1"/>
               <a:t>// tomar primera linea</a:t>
             </a:r>
           </a:p>
@@ -12362,12 +12742,12 @@
             <a:r>
               <a:rPr lang="en-BO" b="1">
                 <a:solidFill>
-                  <a:schemeClr val="accent2">
-                    <a:lumMod val="75000"/>
+                  <a:schemeClr val="bg2">
+                    <a:lumMod val="50000"/>
                   </a:schemeClr>
                 </a:solidFill>
                 <a:highlight>
-                  <a:srgbClr val="C0C0C0"/>
+                  <a:srgbClr val="FFFF00"/>
                 </a:highlight>
               </a:rPr>
               <a:t>// Mientras haya lineas en la colección</a:t>
@@ -12377,12 +12757,12 @@
             <a:r>
               <a:rPr lang="en-BO" b="1">
                 <a:solidFill>
-                  <a:schemeClr val="accent2">
-                    <a:lumMod val="75000"/>
+                  <a:schemeClr val="bg2">
+                    <a:lumMod val="50000"/>
                   </a:schemeClr>
                 </a:solidFill>
                 <a:highlight>
-                  <a:srgbClr val="C0C0C0"/>
+                  <a:srgbClr val="FFFF00"/>
                 </a:highlight>
               </a:rPr>
               <a:t>// 	agregar 1 al contador de líneas</a:t>
@@ -12392,12 +12772,12 @@
             <a:r>
               <a:rPr lang="en-BO" b="1">
                 <a:solidFill>
-                  <a:schemeClr val="accent2">
-                    <a:lumMod val="75000"/>
+                  <a:schemeClr val="bg2">
+                    <a:lumMod val="50000"/>
                   </a:schemeClr>
                 </a:solidFill>
                 <a:highlight>
-                  <a:srgbClr val="C0C0C0"/>
+                  <a:srgbClr val="FFFF00"/>
                 </a:highlight>
               </a:rPr>
               <a:t>//	buscar nro de palabras de la línea</a:t>
@@ -12407,12 +12787,12 @@
             <a:r>
               <a:rPr lang="en-BO" b="1">
                 <a:solidFill>
-                  <a:schemeClr val="accent2">
-                    <a:lumMod val="75000"/>
+                  <a:schemeClr val="bg2">
+                    <a:lumMod val="50000"/>
                   </a:schemeClr>
                 </a:solidFill>
                 <a:highlight>
-                  <a:srgbClr val="C0C0C0"/>
+                  <a:srgbClr val="FFFF00"/>
                 </a:highlight>
               </a:rPr>
               <a:t>// 	agregar nro de palabras al contador de palabras</a:t>
@@ -12422,12 +12802,12 @@
             <a:r>
               <a:rPr lang="en-BO" b="1">
                 <a:solidFill>
-                  <a:schemeClr val="accent2">
-                    <a:lumMod val="75000"/>
+                  <a:schemeClr val="bg2">
+                    <a:lumMod val="50000"/>
                   </a:schemeClr>
                 </a:solidFill>
                 <a:highlight>
-                  <a:srgbClr val="C0C0C0"/>
+                  <a:srgbClr val="FFFF00"/>
                 </a:highlight>
               </a:rPr>
               <a:t>//	tomar la siguiente linea</a:t>
@@ -12435,19 +12815,19 @@
           </a:p>
           <a:p>
             <a:r>
-              <a:rPr lang="en-BO"/>
+              <a:rPr lang="en-BO" b="1"/>
               <a:t>// Desplegar nro de lineas y nro de palabras encontrados</a:t>
             </a:r>
           </a:p>
           <a:p>
             <a:r>
-              <a:rPr lang="en-BO"/>
+              <a:rPr lang="en-BO" b="1"/>
               <a:t>// Cerrar el archivo</a:t>
             </a:r>
           </a:p>
           <a:p>
             <a:r>
-              <a:rPr lang="en-BO"/>
+              <a:rPr lang="en-BO" b="1"/>
               <a:t>// Terminar </a:t>
             </a:r>
           </a:p>
@@ -12488,7 +12868,7 @@
           <p:cNvPr id="2" name="Title 1">
             <a:extLst>
               <a:ext uri="{FF2B5EF4-FFF2-40B4-BE49-F238E27FC236}">
-                <a16:creationId xmlns:a16="http://schemas.microsoft.com/office/drawing/2014/main" id="{0E193251-3AD7-D24B-A173-2549279A25C6}"/>
+                <a16:creationId xmlns:a16="http://schemas.microsoft.com/office/drawing/2014/main" id="{1A664023-99DE-AD43-A07B-8E4F9A81EC3F}"/>
               </a:ext>
             </a:extLst>
           </p:cNvPr>
@@ -12506,7 +12886,7 @@
           <a:p>
             <a:r>
               <a:rPr lang="en-BO"/>
-              <a:t>Sumario</a:t>
+              <a:t>Del pseudo-código al código</a:t>
             </a:r>
           </a:p>
         </p:txBody>
@@ -12516,7 +12896,7 @@
           <p:cNvPr id="3" name="Content Placeholder 2">
             <a:extLst>
               <a:ext uri="{FF2B5EF4-FFF2-40B4-BE49-F238E27FC236}">
-                <a16:creationId xmlns:a16="http://schemas.microsoft.com/office/drawing/2014/main" id="{5824992E-1085-1A47-B0E1-03035880D487}"/>
+                <a16:creationId xmlns:a16="http://schemas.microsoft.com/office/drawing/2014/main" id="{C29176E2-6BEB-6C49-ADA5-628D00E85674}"/>
               </a:ext>
             </a:extLst>
           </p:cNvPr>
@@ -12527,10 +12907,29 @@
             <p:ph idx="1"/>
           </p:nvPr>
         </p:nvSpPr>
-        <p:spPr/>
+        <p:spPr>
+          <a:xfrm>
+            <a:off x="367938" y="1522806"/>
+            <a:ext cx="3968930" cy="4351338"/>
+          </a:xfrm>
+        </p:spPr>
+        <p:style>
+          <a:lnRef idx="1">
+            <a:schemeClr val="accent6"/>
+          </a:lnRef>
+          <a:fillRef idx="2">
+            <a:schemeClr val="accent6"/>
+          </a:fillRef>
+          <a:effectRef idx="1">
+            <a:schemeClr val="accent6"/>
+          </a:effectRef>
+          <a:fontRef idx="minor">
+            <a:schemeClr val="dk1"/>
+          </a:fontRef>
+        </p:style>
         <p:txBody>
           <a:bodyPr>
-            <a:normAutofit lnSpcReduction="10000"/>
+            <a:normAutofit fontScale="47500" lnSpcReduction="20000"/>
           </a:bodyPr>
           <a:lstStyle/>
           <a:p>
@@ -12538,22 +12937,8 @@
               <a:buNone/>
             </a:pPr>
             <a:r>
-              <a:rPr lang="en-BO"/>
-              <a:t>En este capítulo se ha hecho una breve </a:t>
-            </a:r>
-            <a:r>
-              <a:rPr lang="en-BO" b="1">
-                <a:solidFill>
-                  <a:schemeClr val="accent6">
-                    <a:lumMod val="75000"/>
-                  </a:schemeClr>
-                </a:solidFill>
-              </a:rPr>
-              <a:t>introducción a la programación</a:t>
-            </a:r>
-            <a:r>
-              <a:rPr lang="en-BO"/>
-              <a:t>, tratando de explicar en que consiste la tarea de hacer un programa.</a:t>
+              <a:rPr lang="en-US" sz="2900"/>
+              <a:t>// Conseguir nombre del archivo</a:t>
             </a:r>
           </a:p>
           <a:p>
@@ -12561,22 +12946,14 @@
               <a:buNone/>
             </a:pPr>
             <a:r>
-              <a:rPr lang="en-BO"/>
-              <a:t>Se revisarón conceptos que ayudan a los estudiantes de este curso a entender lo que es una </a:t>
-            </a:r>
-            <a:r>
-              <a:rPr lang="en-BO" b="1">
-                <a:solidFill>
-                  <a:schemeClr val="accent6">
-                    <a:lumMod val="75000"/>
-                  </a:schemeClr>
-                </a:solidFill>
-              </a:rPr>
-              <a:t>computadora ó dispositivo inteligente</a:t>
-            </a:r>
-            <a:r>
-              <a:rPr lang="en-BO"/>
-              <a:t>.</a:t>
+              <a:rPr lang="en-US" sz="2900" b="1">
+                <a:solidFill>
+                  <a:schemeClr val="accent2">
+                    <a:lumMod val="50000"/>
+                  </a:schemeClr>
+                </a:solidFill>
+              </a:rPr>
+              <a:t>Write("Archivo: "); var archivo = ReadLine(); </a:t>
             </a:r>
           </a:p>
           <a:p>
@@ -12584,91 +12961,512 @@
               <a:buNone/>
             </a:pPr>
             <a:r>
-              <a:rPr lang="en-BO"/>
-              <a:t>Se revisaron los principales componentes de hardware, explicando la importancia de la </a:t>
-            </a:r>
-            <a:r>
-              <a:rPr lang="en-BO" b="1">
-                <a:solidFill>
-                  <a:schemeClr val="accent6">
-                    <a:lumMod val="75000"/>
-                  </a:schemeClr>
-                </a:solidFill>
-              </a:rPr>
-              <a:t>CPU y la memoria</a:t>
-            </a:r>
-            <a:r>
-              <a:rPr lang="en-BO"/>
-              <a:t>.</a:t>
+              <a:rPr lang="en-US" sz="2900"/>
+              <a:t>// Si no existe archivo</a:t>
+            </a:r>
+          </a:p>
+          <a:p>
+            <a:pPr marL="0" indent="0">
+              <a:buNone/>
+            </a:pPr>
+            <a:r>
+              <a:rPr lang="en-US" sz="2900" b="1">
+                <a:solidFill>
+                  <a:schemeClr val="accent2">
+                    <a:lumMod val="50000"/>
+                  </a:schemeClr>
+                </a:solidFill>
+              </a:rPr>
+              <a:t>if(!File.Exists(archivo)) {</a:t>
+            </a:r>
+          </a:p>
+          <a:p>
+            <a:pPr marL="0" indent="0">
+              <a:buNone/>
+            </a:pPr>
+            <a:r>
+              <a:rPr lang="en-US" sz="2900" b="1">
+                <a:solidFill>
+                  <a:schemeClr val="accent2">
+                    <a:lumMod val="50000"/>
+                  </a:schemeClr>
+                </a:solidFill>
+              </a:rPr>
+              <a:t>	// terminar</a:t>
+            </a:r>
+          </a:p>
+          <a:p>
+            <a:pPr marL="0" indent="0">
+              <a:buNone/>
+            </a:pPr>
+            <a:r>
+              <a:rPr lang="en-US" sz="2900" b="1">
+                <a:solidFill>
+                  <a:schemeClr val="accent2">
+                    <a:lumMod val="50000"/>
+                  </a:schemeClr>
+                </a:solidFill>
+              </a:rPr>
+              <a:t>	WriteLine("Archivo no existe!");</a:t>
+            </a:r>
+          </a:p>
+          <a:p>
+            <a:pPr marL="0" indent="0">
+              <a:buNone/>
+            </a:pPr>
+            <a:r>
+              <a:rPr lang="en-US" sz="2900" b="1">
+                <a:solidFill>
+                  <a:schemeClr val="accent2">
+                    <a:lumMod val="50000"/>
+                  </a:schemeClr>
+                </a:solidFill>
+              </a:rPr>
+              <a:t>	return;</a:t>
+            </a:r>
+          </a:p>
+          <a:p>
+            <a:pPr marL="0" indent="0">
+              <a:buNone/>
+            </a:pPr>
+            <a:r>
+              <a:rPr lang="en-US" sz="2900" b="1">
+                <a:solidFill>
+                  <a:schemeClr val="accent2">
+                    <a:lumMod val="50000"/>
+                  </a:schemeClr>
+                </a:solidFill>
+              </a:rPr>
+              <a:t>} </a:t>
+            </a:r>
+          </a:p>
+          <a:p>
+            <a:pPr marL="0" indent="0">
+              <a:buNone/>
+            </a:pPr>
+            <a:r>
+              <a:rPr lang="en-US" sz="2900"/>
+              <a:t>// Abrir el archivo</a:t>
+            </a:r>
+          </a:p>
+          <a:p>
+            <a:pPr marL="0" indent="0">
+              <a:buNone/>
+            </a:pPr>
+            <a:r>
+              <a:rPr lang="en-US" sz="2900"/>
+              <a:t>// Leer todo el archivo en colección de lineas</a:t>
+            </a:r>
+          </a:p>
+          <a:p>
+            <a:pPr marL="0" indent="0">
+              <a:buNone/>
+            </a:pPr>
+            <a:r>
+              <a:rPr lang="en-US" sz="2900" b="1">
+                <a:solidFill>
+                  <a:schemeClr val="accent2">
+                    <a:lumMod val="50000"/>
+                  </a:schemeClr>
+                </a:solidFill>
+              </a:rPr>
+              <a:t>var lineas = File.ReadAllLines(archivo);</a:t>
+            </a:r>
+          </a:p>
+          <a:p>
+            <a:pPr marL="0" indent="0">
+              <a:buNone/>
+            </a:pPr>
+            <a:r>
+              <a:rPr lang="en-US" sz="2900"/>
+              <a:t>// inicializar contadores de lineas y palabras en cero</a:t>
+            </a:r>
+          </a:p>
+          <a:p>
+            <a:pPr marL="0" indent="0">
+              <a:buNone/>
+            </a:pPr>
+            <a:r>
+              <a:rPr lang="en-US" sz="2900" b="1">
+                <a:solidFill>
+                  <a:schemeClr val="accent2">
+                    <a:lumMod val="50000"/>
+                  </a:schemeClr>
+                </a:solidFill>
+              </a:rPr>
+              <a:t>var nroLineas = 0; var nroPalabras = 0;</a:t>
+            </a:r>
+          </a:p>
+          <a:p>
+            <a:pPr marL="0" indent="0">
+              <a:buNone/>
+            </a:pPr>
+            <a:r>
+              <a:rPr lang="en-US" sz="3200"/>
+              <a:t>// tomar primera linea</a:t>
+            </a:r>
+          </a:p>
+          <a:p>
+            <a:pPr marL="0" indent="0">
+              <a:buNone/>
+            </a:pPr>
+            <a:r>
+              <a:rPr lang="en-US" sz="3200" b="1">
+                <a:solidFill>
+                  <a:schemeClr val="accent2">
+                    <a:lumMod val="50000"/>
+                  </a:schemeClr>
+                </a:solidFill>
+              </a:rPr>
+              <a:t>var lin = 0;</a:t>
+            </a:r>
+          </a:p>
+          <a:p>
+            <a:pPr marL="0" indent="0">
+              <a:buNone/>
+            </a:pPr>
+            <a:endParaRPr lang="en-US" sz="2900"/>
+          </a:p>
+          <a:p>
+            <a:pPr marL="0" indent="0">
+              <a:buNone/>
+            </a:pPr>
+            <a:endParaRPr lang="en-US" sz="3500"/>
+          </a:p>
+          <a:p>
+            <a:endParaRPr lang="en-BO"/>
+          </a:p>
+        </p:txBody>
+      </p:sp>
+      <p:sp>
+        <p:nvSpPr>
+          <p:cNvPr id="4" name="TextBox 3">
+            <a:extLst>
+              <a:ext uri="{FF2B5EF4-FFF2-40B4-BE49-F238E27FC236}">
+                <a16:creationId xmlns:a16="http://schemas.microsoft.com/office/drawing/2014/main" id="{8A5C3A8E-06E2-D344-9702-5D3A21B1281D}"/>
+              </a:ext>
+            </a:extLst>
+          </p:cNvPr>
+          <p:cNvSpPr txBox="1"/>
+          <p:nvPr/>
+        </p:nvSpPr>
+        <p:spPr>
+          <a:xfrm>
+            <a:off x="4336867" y="1522806"/>
+            <a:ext cx="5094515" cy="5047536"/>
+          </a:xfrm>
+          <a:prstGeom prst="rect">
+            <a:avLst/>
+          </a:prstGeom>
+        </p:spPr>
+        <p:style>
+          <a:lnRef idx="1">
+            <a:schemeClr val="accent6"/>
+          </a:lnRef>
+          <a:fillRef idx="2">
+            <a:schemeClr val="accent6"/>
+          </a:fillRef>
+          <a:effectRef idx="1">
+            <a:schemeClr val="accent6"/>
+          </a:effectRef>
+          <a:fontRef idx="minor">
+            <a:schemeClr val="dk1"/>
+          </a:fontRef>
+        </p:style>
+        <p:txBody>
+          <a:bodyPr wrap="square" rtlCol="0">
+            <a:spAutoFit/>
+          </a:bodyPr>
+          <a:lstStyle/>
+          <a:p>
+            <a:r>
+              <a:rPr lang="en-US" sz="1400"/>
+              <a:t>// Mientras haya lineas en la colección</a:t>
+            </a:r>
+          </a:p>
+          <a:p>
+            <a:r>
+              <a:rPr lang="en-US" sz="1400" b="1">
+                <a:solidFill>
+                  <a:schemeClr val="accent2">
+                    <a:lumMod val="50000"/>
+                  </a:schemeClr>
+                </a:solidFill>
+              </a:rPr>
+              <a:t>while(lin &lt; lineas.Length) {</a:t>
+            </a:r>
+          </a:p>
+          <a:p>
+            <a:pPr lvl="1"/>
+            <a:r>
+              <a:rPr lang="en-US" sz="1400"/>
+              <a:t>// agregar 1 al contador de líneas</a:t>
+            </a:r>
+          </a:p>
+          <a:p>
+            <a:pPr lvl="1"/>
+            <a:r>
+              <a:rPr lang="en-US" sz="1400" b="1">
+                <a:solidFill>
+                  <a:schemeClr val="accent2">
+                    <a:lumMod val="50000"/>
+                  </a:schemeClr>
+                </a:solidFill>
+              </a:rPr>
+              <a:t>nroLineas += 1;</a:t>
+            </a:r>
+          </a:p>
+          <a:p>
+            <a:pPr lvl="1"/>
+            <a:r>
+              <a:rPr lang="en-US" sz="1400"/>
+              <a:t>// buscar nro de palabras de la línea</a:t>
+            </a:r>
+          </a:p>
+          <a:p>
+            <a:pPr lvl="1"/>
+            <a:r>
+              <a:rPr lang="en-US" sz="1400" b="1">
+                <a:solidFill>
+                  <a:schemeClr val="accent2">
+                    <a:lumMod val="50000"/>
+                  </a:schemeClr>
+                </a:solidFill>
+              </a:rPr>
+              <a:t>var palabras = lineas[lin].Split(' ‘, '.’, ',', ';’, ':');</a:t>
+            </a:r>
+          </a:p>
+          <a:p>
+            <a:pPr lvl="1"/>
+            <a:r>
+              <a:rPr lang="en-US" sz="1400"/>
+              <a:t>// agregar nro de palabras al contador de palabras</a:t>
+            </a:r>
+          </a:p>
+          <a:p>
+            <a:pPr lvl="1"/>
+            <a:r>
+              <a:rPr lang="en-US" sz="1400" b="1">
+                <a:solidFill>
+                  <a:schemeClr val="accent2">
+                    <a:lumMod val="50000"/>
+                  </a:schemeClr>
+                </a:solidFill>
+              </a:rPr>
+              <a:t>foreach (var palabra in palabras) {</a:t>
+            </a:r>
+          </a:p>
+          <a:p>
+            <a:pPr lvl="2"/>
+            <a:r>
+              <a:rPr lang="en-US" sz="1400" b="1">
+                <a:solidFill>
+                  <a:schemeClr val="accent2">
+                    <a:lumMod val="50000"/>
+                  </a:schemeClr>
+                </a:solidFill>
+              </a:rPr>
+              <a:t>if(palabra.Contains(' ') || palabra.Contains('.') </a:t>
+            </a:r>
+          </a:p>
+          <a:p>
+            <a:pPr lvl="3"/>
+            <a:r>
+              <a:rPr lang="en-US" sz="1400" b="1">
+                <a:solidFill>
+                  <a:schemeClr val="accent2">
+                    <a:lumMod val="50000"/>
+                  </a:schemeClr>
+                </a:solidFill>
+              </a:rPr>
+              <a:t>|| palabra.Contains(',') || palabra.Contains(';')</a:t>
+            </a:r>
+          </a:p>
+          <a:p>
+            <a:pPr lvl="3"/>
+            <a:r>
+              <a:rPr lang="en-US" sz="1400" b="1">
+                <a:solidFill>
+                  <a:schemeClr val="accent2">
+                    <a:lumMod val="50000"/>
+                  </a:schemeClr>
+                </a:solidFill>
+              </a:rPr>
+              <a:t>|| palabra.Contains(':’))</a:t>
+            </a:r>
+          </a:p>
+          <a:p>
+            <a:pPr lvl="2"/>
+            <a:r>
+              <a:rPr lang="en-US" sz="1400" b="1">
+                <a:solidFill>
+                  <a:schemeClr val="accent2">
+                    <a:lumMod val="50000"/>
+                  </a:schemeClr>
+                </a:solidFill>
+              </a:rPr>
+              <a:t>	continue;</a:t>
+            </a:r>
+          </a:p>
+          <a:p>
+            <a:pPr lvl="2"/>
+            <a:r>
+              <a:rPr lang="en-US" sz="1400" b="1">
+                <a:solidFill>
+                  <a:schemeClr val="accent2">
+                    <a:lumMod val="50000"/>
+                  </a:schemeClr>
+                </a:solidFill>
+              </a:rPr>
+              <a:t>nroPalabras += 1; </a:t>
+            </a:r>
+          </a:p>
+          <a:p>
+            <a:pPr lvl="1"/>
+            <a:r>
+              <a:rPr lang="en-US" sz="1400" b="1">
+                <a:solidFill>
+                  <a:schemeClr val="accent2">
+                    <a:lumMod val="50000"/>
+                  </a:schemeClr>
+                </a:solidFill>
+              </a:rPr>
+              <a:t>}</a:t>
+            </a:r>
+          </a:p>
+          <a:p>
+            <a:pPr lvl="1"/>
+            <a:r>
+              <a:rPr lang="en-US" sz="1400"/>
+              <a:t>// tomar la siguiente linea</a:t>
+            </a:r>
+          </a:p>
+          <a:p>
+            <a:pPr lvl="1"/>
+            <a:r>
+              <a:rPr lang="en-US" sz="1400" b="1">
+                <a:solidFill>
+                  <a:schemeClr val="accent2">
+                    <a:lumMod val="50000"/>
+                  </a:schemeClr>
+                </a:solidFill>
+              </a:rPr>
+              <a:t>lin++;</a:t>
+            </a:r>
+          </a:p>
+          <a:p>
+            <a:r>
+              <a:rPr lang="en-US" sz="1400"/>
+              <a:t>}</a:t>
+            </a:r>
+          </a:p>
+          <a:p>
+            <a:r>
+              <a:rPr lang="en-US" sz="1400"/>
+              <a:t>// Desplegar nro de lineas y nro de palabras encontrados</a:t>
+            </a:r>
+          </a:p>
+          <a:p>
+            <a:r>
+              <a:rPr lang="en-US" sz="1400" b="1">
+                <a:solidFill>
+                  <a:schemeClr val="accent2">
+                    <a:lumMod val="50000"/>
+                  </a:schemeClr>
+                </a:solidFill>
+              </a:rPr>
+              <a:t>WriteLine($"Nro de líneas: {nroLineas}");</a:t>
+            </a:r>
+          </a:p>
+          <a:p>
+            <a:r>
+              <a:rPr lang="en-US" sz="1400" b="1">
+                <a:solidFill>
+                  <a:schemeClr val="accent2">
+                    <a:lumMod val="50000"/>
+                  </a:schemeClr>
+                </a:solidFill>
+              </a:rPr>
+              <a:t>WriteLine($"Nro de palabras: {nroPalabras}");</a:t>
+            </a:r>
+          </a:p>
+          <a:p>
+            <a:r>
+              <a:rPr lang="en-US" sz="1400"/>
+              <a:t>// Cerrar el archivo</a:t>
+            </a:r>
+          </a:p>
+          <a:p>
+            <a:r>
+              <a:rPr lang="en-US" sz="1400"/>
+              <a:t>// Terminar</a:t>
+            </a:r>
+          </a:p>
+          <a:p>
+            <a:r>
+              <a:rPr lang="en-US" sz="1400" b="1">
+                <a:solidFill>
+                  <a:schemeClr val="accent2">
+                    <a:lumMod val="50000"/>
+                  </a:schemeClr>
+                </a:solidFill>
+              </a:rPr>
+              <a:t>return;</a:t>
+            </a:r>
+            <a:r>
+              <a:rPr lang="en-US" sz="1400" b="1">
+                <a:solidFill>
+                  <a:schemeClr val="accent1">
+                    <a:lumMod val="50000"/>
+                  </a:schemeClr>
+                </a:solidFill>
+              </a:rPr>
+              <a:t> </a:t>
             </a:r>
             <a:endParaRPr lang="en-BO" b="1">
               <a:solidFill>
-                <a:schemeClr val="accent6">
-                  <a:lumMod val="75000"/>
+                <a:schemeClr val="accent1">
+                  <a:lumMod val="50000"/>
                 </a:schemeClr>
               </a:solidFill>
             </a:endParaRPr>
           </a:p>
-          <a:p>
-            <a:pPr marL="0" indent="0">
-              <a:buNone/>
-            </a:pPr>
-            <a:r>
-              <a:rPr lang="en-BO"/>
-              <a:t>Se revisaron tambien los principales aspectos del software, revisando lo que son los </a:t>
-            </a:r>
-            <a:r>
-              <a:rPr lang="en-BO" b="1">
-                <a:solidFill>
-                  <a:schemeClr val="accent6">
-                    <a:lumMod val="75000"/>
-                  </a:schemeClr>
-                </a:solidFill>
-              </a:rPr>
-              <a:t>sistemas operativos </a:t>
-            </a:r>
-            <a:r>
-              <a:rPr lang="en-BO"/>
-              <a:t>y como los programas, escritos en diversos </a:t>
-            </a:r>
-            <a:r>
-              <a:rPr lang="en-BO" b="1">
-                <a:solidFill>
-                  <a:schemeClr val="accent6">
-                    <a:lumMod val="75000"/>
-                  </a:schemeClr>
-                </a:solidFill>
-              </a:rPr>
-              <a:t>lenguajes de programación</a:t>
-            </a:r>
-            <a:r>
-              <a:rPr lang="en-BO"/>
-              <a:t>, son ejecutados por este software de base, después de ser </a:t>
-            </a:r>
-            <a:r>
-              <a:rPr lang="en-BO" b="1">
-                <a:solidFill>
-                  <a:schemeClr val="accent6">
-                    <a:lumMod val="75000"/>
-                  </a:schemeClr>
-                </a:solidFill>
-              </a:rPr>
-              <a:t>compilados</a:t>
-            </a:r>
-            <a:r>
-              <a:rPr lang="en-BO"/>
-              <a:t> y cargados en la memoria.</a:t>
-            </a:r>
-          </a:p>
-          <a:p>
-            <a:endParaRPr lang="en-BO"/>
-          </a:p>
         </p:txBody>
       </p:sp>
+      <p:pic>
+        <p:nvPicPr>
+          <p:cNvPr id="6" name="Picture 5" descr="A close up of a logo&#10;&#10;Description automatically generated">
+            <a:extLst>
+              <a:ext uri="{FF2B5EF4-FFF2-40B4-BE49-F238E27FC236}">
+                <a16:creationId xmlns:a16="http://schemas.microsoft.com/office/drawing/2014/main" id="{C90DF79E-102F-EB49-B7C7-B786E7B13916}"/>
+              </a:ext>
+            </a:extLst>
+          </p:cNvPr>
+          <p:cNvPicPr>
+            <a:picLocks noChangeAspect="1"/>
+          </p:cNvPicPr>
+          <p:nvPr/>
+        </p:nvPicPr>
+        <p:blipFill>
+          <a:blip r:embed="rId2"/>
+          <a:stretch>
+            <a:fillRect/>
+          </a:stretch>
+        </p:blipFill>
+        <p:spPr>
+          <a:xfrm>
+            <a:off x="7963535" y="5564777"/>
+            <a:ext cx="3943439" cy="1132581"/>
+          </a:xfrm>
+          <a:prstGeom prst="rect">
+            <a:avLst/>
+          </a:prstGeom>
+        </p:spPr>
+      </p:pic>
     </p:spTree>
     <p:extLst>
       <p:ext uri="{BB962C8B-B14F-4D97-AF65-F5344CB8AC3E}">
-        <p14:creationId xmlns:p14="http://schemas.microsoft.com/office/powerpoint/2010/main" val="1977941954"/>
+        <p14:creationId xmlns:p14="http://schemas.microsoft.com/office/powerpoint/2010/main" val="361208803"/>
       </p:ext>
     </p:extLst>
   </p:cSld>
@@ -12928,6 +13726,3345 @@
 </p:sld>
 </file>
 
+<file path=ppt/slides/slide30.xml><?xml version="1.0" encoding="utf-8"?>
+<p:sld xmlns:a="http://schemas.openxmlformats.org/drawingml/2006/main" xmlns:r="http://schemas.openxmlformats.org/officeDocument/2006/relationships" xmlns:p="http://schemas.openxmlformats.org/presentationml/2006/main">
+  <p:cSld>
+    <p:spTree>
+      <p:nvGrpSpPr>
+        <p:cNvPr id="1" name=""/>
+        <p:cNvGrpSpPr/>
+        <p:nvPr/>
+      </p:nvGrpSpPr>
+      <p:grpSpPr>
+        <a:xfrm>
+          <a:off x="0" y="0"/>
+          <a:ext cx="0" cy="0"/>
+          <a:chOff x="0" y="0"/>
+          <a:chExt cx="0" cy="0"/>
+        </a:xfrm>
+      </p:grpSpPr>
+      <p:sp>
+        <p:nvSpPr>
+          <p:cNvPr id="2" name="Title 1">
+            <a:extLst>
+              <a:ext uri="{FF2B5EF4-FFF2-40B4-BE49-F238E27FC236}">
+                <a16:creationId xmlns:a16="http://schemas.microsoft.com/office/drawing/2014/main" id="{0E193251-3AD7-D24B-A173-2549279A25C6}"/>
+              </a:ext>
+            </a:extLst>
+          </p:cNvPr>
+          <p:cNvSpPr>
+            <a:spLocks noGrp="1"/>
+          </p:cNvSpPr>
+          <p:nvPr>
+            <p:ph type="title"/>
+          </p:nvPr>
+        </p:nvSpPr>
+        <p:spPr/>
+        <p:txBody>
+          <a:bodyPr/>
+          <a:lstStyle/>
+          <a:p>
+            <a:r>
+              <a:rPr lang="en-BO"/>
+              <a:t>Sumario</a:t>
+            </a:r>
+          </a:p>
+        </p:txBody>
+      </p:sp>
+      <p:sp>
+        <p:nvSpPr>
+          <p:cNvPr id="3" name="Content Placeholder 2">
+            <a:extLst>
+              <a:ext uri="{FF2B5EF4-FFF2-40B4-BE49-F238E27FC236}">
+                <a16:creationId xmlns:a16="http://schemas.microsoft.com/office/drawing/2014/main" id="{5824992E-1085-1A47-B0E1-03035880D487}"/>
+              </a:ext>
+            </a:extLst>
+          </p:cNvPr>
+          <p:cNvSpPr>
+            <a:spLocks noGrp="1"/>
+          </p:cNvSpPr>
+          <p:nvPr>
+            <p:ph idx="1"/>
+          </p:nvPr>
+        </p:nvSpPr>
+        <p:spPr/>
+        <p:txBody>
+          <a:bodyPr>
+            <a:normAutofit lnSpcReduction="10000"/>
+          </a:bodyPr>
+          <a:lstStyle/>
+          <a:p>
+            <a:pPr marL="0" indent="0">
+              <a:buNone/>
+            </a:pPr>
+            <a:r>
+              <a:rPr lang="en-BO"/>
+              <a:t>En este capítulo se ha hecho una breve </a:t>
+            </a:r>
+            <a:r>
+              <a:rPr lang="en-BO" b="1">
+                <a:solidFill>
+                  <a:schemeClr val="accent6">
+                    <a:lumMod val="75000"/>
+                  </a:schemeClr>
+                </a:solidFill>
+              </a:rPr>
+              <a:t>introducción a la programación</a:t>
+            </a:r>
+            <a:r>
+              <a:rPr lang="en-BO"/>
+              <a:t>, tratando de explicar en que consiste la tarea de hacer un programa.</a:t>
+            </a:r>
+          </a:p>
+          <a:p>
+            <a:pPr marL="0" indent="0">
+              <a:buNone/>
+            </a:pPr>
+            <a:r>
+              <a:rPr lang="en-BO"/>
+              <a:t>Se revisarón conceptos que ayudan a los estudiantes de este curso a entender lo que es una </a:t>
+            </a:r>
+            <a:r>
+              <a:rPr lang="en-BO" b="1">
+                <a:solidFill>
+                  <a:schemeClr val="accent6">
+                    <a:lumMod val="75000"/>
+                  </a:schemeClr>
+                </a:solidFill>
+              </a:rPr>
+              <a:t>computadora ó dispositivo inteligente</a:t>
+            </a:r>
+            <a:r>
+              <a:rPr lang="en-BO"/>
+              <a:t>.</a:t>
+            </a:r>
+          </a:p>
+          <a:p>
+            <a:pPr marL="0" indent="0">
+              <a:buNone/>
+            </a:pPr>
+            <a:r>
+              <a:rPr lang="en-BO"/>
+              <a:t>Se revisaron los principales componentes de hardware, explicando la importancia de la </a:t>
+            </a:r>
+            <a:r>
+              <a:rPr lang="en-BO" b="1">
+                <a:solidFill>
+                  <a:schemeClr val="accent6">
+                    <a:lumMod val="75000"/>
+                  </a:schemeClr>
+                </a:solidFill>
+              </a:rPr>
+              <a:t>CPU y la memoria</a:t>
+            </a:r>
+            <a:r>
+              <a:rPr lang="en-BO"/>
+              <a:t>.</a:t>
+            </a:r>
+            <a:endParaRPr lang="en-BO" b="1">
+              <a:solidFill>
+                <a:schemeClr val="accent6">
+                  <a:lumMod val="75000"/>
+                </a:schemeClr>
+              </a:solidFill>
+            </a:endParaRPr>
+          </a:p>
+          <a:p>
+            <a:pPr marL="0" indent="0">
+              <a:buNone/>
+            </a:pPr>
+            <a:r>
+              <a:rPr lang="en-BO"/>
+              <a:t>Se revisaron tambien los principales aspectos del software, revisando lo que son los </a:t>
+            </a:r>
+            <a:r>
+              <a:rPr lang="en-BO" b="1">
+                <a:solidFill>
+                  <a:schemeClr val="accent6">
+                    <a:lumMod val="75000"/>
+                  </a:schemeClr>
+                </a:solidFill>
+              </a:rPr>
+              <a:t>sistemas operativos </a:t>
+            </a:r>
+            <a:r>
+              <a:rPr lang="en-BO"/>
+              <a:t>y como los programas, escritos en diversos </a:t>
+            </a:r>
+            <a:r>
+              <a:rPr lang="en-BO" b="1">
+                <a:solidFill>
+                  <a:schemeClr val="accent6">
+                    <a:lumMod val="75000"/>
+                  </a:schemeClr>
+                </a:solidFill>
+              </a:rPr>
+              <a:t>lenguajes de programación</a:t>
+            </a:r>
+            <a:r>
+              <a:rPr lang="en-BO"/>
+              <a:t>, son ejecutados por este software de base, después de ser </a:t>
+            </a:r>
+            <a:r>
+              <a:rPr lang="en-BO" b="1">
+                <a:solidFill>
+                  <a:schemeClr val="accent6">
+                    <a:lumMod val="75000"/>
+                  </a:schemeClr>
+                </a:solidFill>
+              </a:rPr>
+              <a:t>compilados</a:t>
+            </a:r>
+            <a:r>
+              <a:rPr lang="en-BO"/>
+              <a:t> y cargados en la memoria.</a:t>
+            </a:r>
+          </a:p>
+          <a:p>
+            <a:endParaRPr lang="en-BO"/>
+          </a:p>
+        </p:txBody>
+      </p:sp>
+    </p:spTree>
+    <p:extLst>
+      <p:ext uri="{BB962C8B-B14F-4D97-AF65-F5344CB8AC3E}">
+        <p14:creationId xmlns:p14="http://schemas.microsoft.com/office/powerpoint/2010/main" val="1977941954"/>
+      </p:ext>
+    </p:extLst>
+  </p:cSld>
+  <p:clrMapOvr>
+    <a:masterClrMapping/>
+  </p:clrMapOvr>
+</p:sld>
+</file>
+
+<file path=ppt/slides/slide31.xml><?xml version="1.0" encoding="utf-8"?>
+<p:sld xmlns:a="http://schemas.openxmlformats.org/drawingml/2006/main" xmlns:r="http://schemas.openxmlformats.org/officeDocument/2006/relationships" xmlns:p="http://schemas.openxmlformats.org/presentationml/2006/main">
+  <p:cSld>
+    <p:spTree>
+      <p:nvGrpSpPr>
+        <p:cNvPr id="1" name=""/>
+        <p:cNvGrpSpPr/>
+        <p:nvPr/>
+      </p:nvGrpSpPr>
+      <p:grpSpPr>
+        <a:xfrm>
+          <a:off x="0" y="0"/>
+          <a:ext cx="0" cy="0"/>
+          <a:chOff x="0" y="0"/>
+          <a:chExt cx="0" cy="0"/>
+        </a:xfrm>
+      </p:grpSpPr>
+      <p:sp>
+        <p:nvSpPr>
+          <p:cNvPr id="2" name="Title 1">
+            <a:extLst>
+              <a:ext uri="{FF2B5EF4-FFF2-40B4-BE49-F238E27FC236}">
+                <a16:creationId xmlns:a16="http://schemas.microsoft.com/office/drawing/2014/main" id="{3F316274-0775-2745-9FA3-6F22FADFF80E}"/>
+              </a:ext>
+            </a:extLst>
+          </p:cNvPr>
+          <p:cNvSpPr>
+            <a:spLocks noGrp="1"/>
+          </p:cNvSpPr>
+          <p:nvPr>
+            <p:ph type="title"/>
+          </p:nvPr>
+        </p:nvSpPr>
+        <p:spPr/>
+        <p:txBody>
+          <a:bodyPr/>
+          <a:lstStyle/>
+          <a:p>
+            <a:r>
+              <a:rPr lang="en-BO"/>
+              <a:t>Capítulo 2</a:t>
+            </a:r>
+          </a:p>
+        </p:txBody>
+      </p:sp>
+      <p:sp>
+        <p:nvSpPr>
+          <p:cNvPr id="3" name="Content Placeholder 2">
+            <a:extLst>
+              <a:ext uri="{FF2B5EF4-FFF2-40B4-BE49-F238E27FC236}">
+                <a16:creationId xmlns:a16="http://schemas.microsoft.com/office/drawing/2014/main" id="{04A28009-4766-7441-9176-EFA9C6F6E844}"/>
+              </a:ext>
+            </a:extLst>
+          </p:cNvPr>
+          <p:cNvSpPr>
+            <a:spLocks noGrp="1"/>
+          </p:cNvSpPr>
+          <p:nvPr>
+            <p:ph idx="1"/>
+          </p:nvPr>
+        </p:nvSpPr>
+        <p:spPr/>
+        <p:txBody>
+          <a:bodyPr>
+            <a:normAutofit/>
+          </a:bodyPr>
+          <a:lstStyle/>
+          <a:p>
+            <a:pPr marL="0" indent="0">
+              <a:buNone/>
+            </a:pPr>
+            <a:r>
+              <a:rPr lang="en-BO" sz="4000" b="1"/>
+              <a:t>C# 8, .Net core 3.1 y Visual Studio</a:t>
+            </a:r>
+          </a:p>
+        </p:txBody>
+      </p:sp>
+    </p:spTree>
+    <p:extLst>
+      <p:ext uri="{BB962C8B-B14F-4D97-AF65-F5344CB8AC3E}">
+        <p14:creationId xmlns:p14="http://schemas.microsoft.com/office/powerpoint/2010/main" val="856799350"/>
+      </p:ext>
+    </p:extLst>
+  </p:cSld>
+  <p:clrMapOvr>
+    <a:masterClrMapping/>
+  </p:clrMapOvr>
+</p:sld>
+</file>
+
+<file path=ppt/slides/slide32.xml><?xml version="1.0" encoding="utf-8"?>
+<p:sld xmlns:a="http://schemas.openxmlformats.org/drawingml/2006/main" xmlns:r="http://schemas.openxmlformats.org/officeDocument/2006/relationships" xmlns:p="http://schemas.openxmlformats.org/presentationml/2006/main">
+  <p:cSld>
+    <p:spTree>
+      <p:nvGrpSpPr>
+        <p:cNvPr id="1" name=""/>
+        <p:cNvGrpSpPr/>
+        <p:nvPr/>
+      </p:nvGrpSpPr>
+      <p:grpSpPr>
+        <a:xfrm>
+          <a:off x="0" y="0"/>
+          <a:ext cx="0" cy="0"/>
+          <a:chOff x="0" y="0"/>
+          <a:chExt cx="0" cy="0"/>
+        </a:xfrm>
+      </p:grpSpPr>
+      <p:sp>
+        <p:nvSpPr>
+          <p:cNvPr id="45" name="Rectangle 44">
+            <a:extLst>
+              <a:ext uri="{FF2B5EF4-FFF2-40B4-BE49-F238E27FC236}">
+                <a16:creationId xmlns:a16="http://schemas.microsoft.com/office/drawing/2014/main" id="{06226225-A5B9-4E4D-9FCB-614C00F3CE3B}"/>
+              </a:ext>
+            </a:extLst>
+          </p:cNvPr>
+          <p:cNvSpPr/>
+          <p:nvPr/>
+        </p:nvSpPr>
+        <p:spPr>
+          <a:xfrm>
+            <a:off x="1240646" y="1961444"/>
+            <a:ext cx="4080291" cy="698127"/>
+          </a:xfrm>
+          <a:prstGeom prst="rect">
+            <a:avLst/>
+          </a:prstGeom>
+          <a:solidFill>
+            <a:schemeClr val="accent4">
+              <a:lumMod val="20000"/>
+              <a:lumOff val="80000"/>
+            </a:schemeClr>
+          </a:solidFill>
+        </p:spPr>
+        <p:style>
+          <a:lnRef idx="2">
+            <a:schemeClr val="accent1">
+              <a:shade val="50000"/>
+            </a:schemeClr>
+          </a:lnRef>
+          <a:fillRef idx="1">
+            <a:schemeClr val="accent1"/>
+          </a:fillRef>
+          <a:effectRef idx="0">
+            <a:schemeClr val="accent1"/>
+          </a:effectRef>
+          <a:fontRef idx="minor">
+            <a:schemeClr val="lt1"/>
+          </a:fontRef>
+        </p:style>
+        <p:txBody>
+          <a:bodyPr rtlCol="0" anchor="ctr"/>
+          <a:lstStyle/>
+          <a:p>
+            <a:pPr algn="ctr"/>
+            <a:r>
+              <a:rPr lang="en-BO">
+                <a:solidFill>
+                  <a:schemeClr val="tx1"/>
+                </a:solidFill>
+              </a:rPr>
+              <a:t>              // Mi código C# { } </a:t>
+            </a:r>
+          </a:p>
+        </p:txBody>
+      </p:sp>
+      <p:sp>
+        <p:nvSpPr>
+          <p:cNvPr id="43" name="Rectangle 42">
+            <a:extLst>
+              <a:ext uri="{FF2B5EF4-FFF2-40B4-BE49-F238E27FC236}">
+                <a16:creationId xmlns:a16="http://schemas.microsoft.com/office/drawing/2014/main" id="{B14B02FC-8015-BD4A-9EF9-50BA3870DAE4}"/>
+              </a:ext>
+            </a:extLst>
+          </p:cNvPr>
+          <p:cNvSpPr/>
+          <p:nvPr/>
+        </p:nvSpPr>
+        <p:spPr>
+          <a:xfrm>
+            <a:off x="1203725" y="5586824"/>
+            <a:ext cx="4117212" cy="1005565"/>
+          </a:xfrm>
+          <a:prstGeom prst="rect">
+            <a:avLst/>
+          </a:prstGeom>
+          <a:solidFill>
+            <a:schemeClr val="accent6">
+              <a:lumMod val="20000"/>
+              <a:lumOff val="80000"/>
+            </a:schemeClr>
+          </a:solidFill>
+        </p:spPr>
+        <p:style>
+          <a:lnRef idx="2">
+            <a:schemeClr val="accent1">
+              <a:shade val="50000"/>
+            </a:schemeClr>
+          </a:lnRef>
+          <a:fillRef idx="1">
+            <a:schemeClr val="accent1"/>
+          </a:fillRef>
+          <a:effectRef idx="0">
+            <a:schemeClr val="accent1"/>
+          </a:effectRef>
+          <a:fontRef idx="minor">
+            <a:schemeClr val="lt1"/>
+          </a:fontRef>
+        </p:style>
+        <p:txBody>
+          <a:bodyPr rtlCol="0" anchor="ctr"/>
+          <a:lstStyle/>
+          <a:p>
+            <a:pPr algn="ctr"/>
+            <a:endParaRPr lang="en-BO"/>
+          </a:p>
+        </p:txBody>
+      </p:sp>
+      <p:sp>
+        <p:nvSpPr>
+          <p:cNvPr id="2" name="Title 1">
+            <a:extLst>
+              <a:ext uri="{FF2B5EF4-FFF2-40B4-BE49-F238E27FC236}">
+                <a16:creationId xmlns:a16="http://schemas.microsoft.com/office/drawing/2014/main" id="{8492DC0A-3A61-684B-A243-634EE54D5A13}"/>
+              </a:ext>
+            </a:extLst>
+          </p:cNvPr>
+          <p:cNvSpPr>
+            <a:spLocks noGrp="1"/>
+          </p:cNvSpPr>
+          <p:nvPr>
+            <p:ph type="title"/>
+          </p:nvPr>
+        </p:nvSpPr>
+        <p:spPr/>
+        <p:txBody>
+          <a:bodyPr/>
+          <a:lstStyle/>
+          <a:p>
+            <a:r>
+              <a:rPr lang="en-BO"/>
+              <a:t>C# en el mundo de los lenguajes	</a:t>
+            </a:r>
+          </a:p>
+        </p:txBody>
+      </p:sp>
+      <p:sp>
+        <p:nvSpPr>
+          <p:cNvPr id="3" name="Content Placeholder 2">
+            <a:extLst>
+              <a:ext uri="{FF2B5EF4-FFF2-40B4-BE49-F238E27FC236}">
+                <a16:creationId xmlns:a16="http://schemas.microsoft.com/office/drawing/2014/main" id="{A3A86B23-6D76-A644-8902-C142ACC23144}"/>
+              </a:ext>
+            </a:extLst>
+          </p:cNvPr>
+          <p:cNvSpPr>
+            <a:spLocks noGrp="1"/>
+          </p:cNvSpPr>
+          <p:nvPr>
+            <p:ph idx="1"/>
+          </p:nvPr>
+        </p:nvSpPr>
+        <p:spPr>
+          <a:xfrm>
+            <a:off x="5589084" y="1584569"/>
+            <a:ext cx="5764715" cy="5007820"/>
+          </a:xfrm>
+        </p:spPr>
+        <p:txBody>
+          <a:bodyPr>
+            <a:normAutofit fontScale="55000" lnSpcReduction="20000"/>
+          </a:bodyPr>
+          <a:lstStyle/>
+          <a:p>
+            <a:pPr marL="0" indent="0" algn="just">
+              <a:buNone/>
+            </a:pPr>
+            <a:r>
+              <a:rPr lang="en-BO"/>
+              <a:t>Según ranking de algunas encuestas, </a:t>
+            </a:r>
+            <a:r>
+              <a:rPr lang="en-BO" b="1">
+                <a:solidFill>
+                  <a:schemeClr val="accent6">
+                    <a:lumMod val="75000"/>
+                  </a:schemeClr>
+                </a:solidFill>
+              </a:rPr>
+              <a:t>C# ocupa el cuarto lugar</a:t>
+            </a:r>
+            <a:r>
+              <a:rPr lang="en-BO"/>
+              <a:t> entre los lenguajes más populares después de JavaScript, Python y Java.</a:t>
+            </a:r>
+          </a:p>
+          <a:p>
+            <a:pPr marL="0" indent="0" algn="just">
+              <a:buNone/>
+            </a:pPr>
+            <a:endParaRPr lang="en-BO"/>
+          </a:p>
+          <a:p>
+            <a:pPr marL="0" indent="0" algn="just">
+              <a:buNone/>
+            </a:pPr>
+            <a:r>
+              <a:rPr lang="en-BO" b="1">
+                <a:solidFill>
+                  <a:schemeClr val="accent6">
+                    <a:lumMod val="75000"/>
+                  </a:schemeClr>
+                </a:solidFill>
+              </a:rPr>
+              <a:t>C# es el lenguaje creado y promovido por Microsoft</a:t>
+            </a:r>
+            <a:r>
+              <a:rPr lang="en-BO"/>
+              <a:t>, para ser usado en todas las aplicaciones y herramientas de su sistema operativo Windows, y estrechamente unido a su plataforma de ejecución (runtime) .Net Core. Actualmente C# es open source, del mismo modo que Java es un producto open source de Oracle.</a:t>
+            </a:r>
+          </a:p>
+          <a:p>
+            <a:pPr marL="0" indent="0" algn="just">
+              <a:buNone/>
+            </a:pPr>
+            <a:endParaRPr lang="en-BO"/>
+          </a:p>
+          <a:p>
+            <a:pPr marL="0" indent="0" algn="just">
+              <a:buNone/>
+            </a:pPr>
+            <a:r>
+              <a:rPr lang="en-BO" b="1">
+                <a:solidFill>
+                  <a:schemeClr val="accent6">
+                    <a:lumMod val="75000"/>
+                  </a:schemeClr>
+                </a:solidFill>
+              </a:rPr>
+              <a:t>.Net Core </a:t>
+            </a:r>
+            <a:r>
+              <a:rPr lang="en-BO"/>
+              <a:t>es el “framework” o </a:t>
+            </a:r>
+            <a:r>
+              <a:rPr lang="en-BO" b="1">
+                <a:solidFill>
+                  <a:schemeClr val="accent6">
+                    <a:lumMod val="75000"/>
+                  </a:schemeClr>
+                </a:solidFill>
+              </a:rPr>
+              <a:t>plataforma</a:t>
+            </a:r>
+            <a:r>
+              <a:rPr lang="en-BO"/>
+              <a:t> que se encarga de ejecutar los programas escritos en un lenguaje intermedio </a:t>
+            </a:r>
+            <a:r>
+              <a:rPr lang="en-BO" b="1">
+                <a:solidFill>
+                  <a:schemeClr val="accent6">
+                    <a:lumMod val="75000"/>
+                  </a:schemeClr>
+                </a:solidFill>
+              </a:rPr>
+              <a:t>(IL)</a:t>
+            </a:r>
+            <a:r>
+              <a:rPr lang="en-BO"/>
+              <a:t> que es lo que finalmente .Net puede compilar y ejecutar. DotNet (.Net) Core es el rediseño de .Net Framework de Windows, para que pueda ejecutarse en </a:t>
+            </a:r>
+            <a:r>
+              <a:rPr lang="en-BO" b="1">
+                <a:solidFill>
+                  <a:schemeClr val="accent6">
+                    <a:lumMod val="75000"/>
+                  </a:schemeClr>
+                </a:solidFill>
+              </a:rPr>
+              <a:t>macOS, Linux </a:t>
+            </a:r>
+            <a:r>
+              <a:rPr lang="en-BO"/>
+              <a:t>y </a:t>
+            </a:r>
+            <a:r>
+              <a:rPr lang="en-BO" b="1">
+                <a:solidFill>
+                  <a:schemeClr val="accent6">
+                    <a:lumMod val="75000"/>
+                  </a:schemeClr>
+                </a:solidFill>
+              </a:rPr>
+              <a:t>Windows</a:t>
+            </a:r>
+            <a:r>
+              <a:rPr lang="en-BO"/>
+              <a:t>. </a:t>
+            </a:r>
+          </a:p>
+          <a:p>
+            <a:pPr marL="0" indent="0" algn="just">
+              <a:buNone/>
+            </a:pPr>
+            <a:r>
+              <a:rPr lang="en-BO"/>
+              <a:t>Microsoft mantiene principalmente cuatro lenguajes de alto nivel que compilan a IL para .Net Core.</a:t>
+            </a:r>
+          </a:p>
+          <a:p>
+            <a:pPr marL="0" indent="0" algn="just">
+              <a:buNone/>
+            </a:pPr>
+            <a:r>
+              <a:rPr lang="en-BO" b="1">
+                <a:solidFill>
+                  <a:schemeClr val="accent6">
+                    <a:lumMod val="75000"/>
+                  </a:schemeClr>
+                </a:solidFill>
+              </a:rPr>
+              <a:t>C#, F#, C++ y VB.Net</a:t>
+            </a:r>
+            <a:r>
+              <a:rPr lang="en-BO"/>
+              <a:t>.</a:t>
+            </a:r>
+          </a:p>
+          <a:p>
+            <a:pPr marL="0" indent="0" algn="just">
+              <a:buNone/>
+            </a:pPr>
+            <a:endParaRPr lang="en-BO"/>
+          </a:p>
+          <a:p>
+            <a:pPr marL="0" indent="0" algn="just">
+              <a:buNone/>
+            </a:pPr>
+            <a:r>
+              <a:rPr lang="en-BO" b="1">
+                <a:solidFill>
+                  <a:schemeClr val="accent6">
+                    <a:lumMod val="75000"/>
+                  </a:schemeClr>
+                </a:solidFill>
+              </a:rPr>
+              <a:t>C# es un lenguaje Orientado a Objetos </a:t>
+            </a:r>
+            <a:r>
+              <a:rPr lang="en-BO"/>
+              <a:t>(OOP), estático, fuertemente tipeado y para todo propósito, muy parecido a Java con el que comparte sus orígenes, evolucionó desde su primera versión de 2001 hasta la actual versión </a:t>
+            </a:r>
+            <a:r>
+              <a:rPr lang="en-BO" b="1">
+                <a:solidFill>
+                  <a:schemeClr val="accent6">
+                    <a:lumMod val="75000"/>
+                  </a:schemeClr>
+                </a:solidFill>
+              </a:rPr>
+              <a:t>C# 8.0 de 2020 </a:t>
+            </a:r>
+            <a:r>
+              <a:rPr lang="en-BO"/>
+              <a:t>que incluye muchas de las características de un </a:t>
+            </a:r>
+            <a:r>
+              <a:rPr lang="en-BO" b="1">
+                <a:solidFill>
+                  <a:schemeClr val="accent6">
+                    <a:lumMod val="75000"/>
+                  </a:schemeClr>
+                </a:solidFill>
+              </a:rPr>
+              <a:t>lenguaje moderno</a:t>
+            </a:r>
+            <a:r>
+              <a:rPr lang="en-BO"/>
+              <a:t>. </a:t>
+            </a:r>
+          </a:p>
+          <a:p>
+            <a:pPr marL="0" indent="0" algn="just">
+              <a:buNone/>
+            </a:pPr>
+            <a:endParaRPr lang="en-BO"/>
+          </a:p>
+          <a:p>
+            <a:endParaRPr lang="en-BO"/>
+          </a:p>
+        </p:txBody>
+      </p:sp>
+      <p:sp>
+        <p:nvSpPr>
+          <p:cNvPr id="5" name="Rectangle 4">
+            <a:extLst>
+              <a:ext uri="{FF2B5EF4-FFF2-40B4-BE49-F238E27FC236}">
+                <a16:creationId xmlns:a16="http://schemas.microsoft.com/office/drawing/2014/main" id="{75DC95FD-33AB-EC42-9F2A-7A8665371EAD}"/>
+              </a:ext>
+            </a:extLst>
+          </p:cNvPr>
+          <p:cNvSpPr/>
+          <p:nvPr/>
+        </p:nvSpPr>
+        <p:spPr>
+          <a:xfrm>
+            <a:off x="1180011" y="5365029"/>
+            <a:ext cx="4628606" cy="1005565"/>
+          </a:xfrm>
+          <a:prstGeom prst="rect">
+            <a:avLst/>
+          </a:prstGeom>
+          <a:noFill/>
+          <a:ln>
+            <a:noFill/>
+          </a:ln>
+        </p:spPr>
+        <p:style>
+          <a:lnRef idx="2">
+            <a:schemeClr val="accent1">
+              <a:shade val="50000"/>
+            </a:schemeClr>
+          </a:lnRef>
+          <a:fillRef idx="1">
+            <a:schemeClr val="accent1"/>
+          </a:fillRef>
+          <a:effectRef idx="0">
+            <a:schemeClr val="accent1"/>
+          </a:effectRef>
+          <a:fontRef idx="minor">
+            <a:schemeClr val="lt1"/>
+          </a:fontRef>
+        </p:style>
+        <p:txBody>
+          <a:bodyPr rtlCol="0" anchor="ctr"/>
+          <a:lstStyle/>
+          <a:p>
+            <a:pPr algn="ctr"/>
+            <a:endParaRPr lang="en-BO"/>
+          </a:p>
+        </p:txBody>
+      </p:sp>
+      <p:pic>
+        <p:nvPicPr>
+          <p:cNvPr id="8" name="Picture 7">
+            <a:extLst>
+              <a:ext uri="{FF2B5EF4-FFF2-40B4-BE49-F238E27FC236}">
+                <a16:creationId xmlns:a16="http://schemas.microsoft.com/office/drawing/2014/main" id="{FC1F6CAE-4E4B-5144-B33F-5C0E15050214}"/>
+              </a:ext>
+            </a:extLst>
+          </p:cNvPr>
+          <p:cNvPicPr>
+            <a:picLocks noChangeAspect="1"/>
+          </p:cNvPicPr>
+          <p:nvPr/>
+        </p:nvPicPr>
+        <p:blipFill>
+          <a:blip r:embed="rId2"/>
+          <a:stretch>
+            <a:fillRect/>
+          </a:stretch>
+        </p:blipFill>
+        <p:spPr>
+          <a:xfrm>
+            <a:off x="1284189" y="5887401"/>
+            <a:ext cx="1561583" cy="455301"/>
+          </a:xfrm>
+          <a:prstGeom prst="rect">
+            <a:avLst/>
+          </a:prstGeom>
+          <a:ln/>
+        </p:spPr>
+        <p:style>
+          <a:lnRef idx="1">
+            <a:schemeClr val="accent6"/>
+          </a:lnRef>
+          <a:fillRef idx="2">
+            <a:schemeClr val="accent6"/>
+          </a:fillRef>
+          <a:effectRef idx="1">
+            <a:schemeClr val="accent6"/>
+          </a:effectRef>
+          <a:fontRef idx="minor">
+            <a:schemeClr val="dk1"/>
+          </a:fontRef>
+        </p:style>
+      </p:pic>
+      <p:pic>
+        <p:nvPicPr>
+          <p:cNvPr id="9" name="Picture 8">
+            <a:extLst>
+              <a:ext uri="{FF2B5EF4-FFF2-40B4-BE49-F238E27FC236}">
+                <a16:creationId xmlns:a16="http://schemas.microsoft.com/office/drawing/2014/main" id="{E0B46A82-A0FF-254F-9256-6625A621BBC2}"/>
+              </a:ext>
+            </a:extLst>
+          </p:cNvPr>
+          <p:cNvPicPr>
+            <a:picLocks noChangeAspect="1"/>
+          </p:cNvPicPr>
+          <p:nvPr/>
+        </p:nvPicPr>
+        <p:blipFill>
+          <a:blip r:embed="rId3"/>
+          <a:stretch>
+            <a:fillRect/>
+          </a:stretch>
+        </p:blipFill>
+        <p:spPr>
+          <a:xfrm>
+            <a:off x="2966317" y="5734361"/>
+            <a:ext cx="849125" cy="769856"/>
+          </a:xfrm>
+          <a:prstGeom prst="rect">
+            <a:avLst/>
+          </a:prstGeom>
+          <a:ln/>
+        </p:spPr>
+        <p:style>
+          <a:lnRef idx="1">
+            <a:schemeClr val="accent6"/>
+          </a:lnRef>
+          <a:fillRef idx="2">
+            <a:schemeClr val="accent6"/>
+          </a:fillRef>
+          <a:effectRef idx="1">
+            <a:schemeClr val="accent6"/>
+          </a:effectRef>
+          <a:fontRef idx="minor">
+            <a:schemeClr val="dk1"/>
+          </a:fontRef>
+        </p:style>
+      </p:pic>
+      <p:pic>
+        <p:nvPicPr>
+          <p:cNvPr id="10" name="Picture 9">
+            <a:extLst>
+              <a:ext uri="{FF2B5EF4-FFF2-40B4-BE49-F238E27FC236}">
+                <a16:creationId xmlns:a16="http://schemas.microsoft.com/office/drawing/2014/main" id="{43383049-8718-E540-8F4E-2E6B814CA1E5}"/>
+              </a:ext>
+            </a:extLst>
+          </p:cNvPr>
+          <p:cNvPicPr>
+            <a:picLocks noChangeAspect="1"/>
+          </p:cNvPicPr>
+          <p:nvPr/>
+        </p:nvPicPr>
+        <p:blipFill>
+          <a:blip r:embed="rId4"/>
+          <a:stretch>
+            <a:fillRect/>
+          </a:stretch>
+        </p:blipFill>
+        <p:spPr>
+          <a:xfrm>
+            <a:off x="3958018" y="5841491"/>
+            <a:ext cx="1255220" cy="561564"/>
+          </a:xfrm>
+          <a:prstGeom prst="rect">
+            <a:avLst/>
+          </a:prstGeom>
+          <a:ln/>
+        </p:spPr>
+        <p:style>
+          <a:lnRef idx="1">
+            <a:schemeClr val="accent6"/>
+          </a:lnRef>
+          <a:fillRef idx="2">
+            <a:schemeClr val="accent6"/>
+          </a:fillRef>
+          <a:effectRef idx="1">
+            <a:schemeClr val="accent6"/>
+          </a:effectRef>
+          <a:fontRef idx="minor">
+            <a:schemeClr val="dk1"/>
+          </a:fontRef>
+        </p:style>
+      </p:pic>
+      <p:sp>
+        <p:nvSpPr>
+          <p:cNvPr id="7" name="TextBox 6">
+            <a:extLst>
+              <a:ext uri="{FF2B5EF4-FFF2-40B4-BE49-F238E27FC236}">
+                <a16:creationId xmlns:a16="http://schemas.microsoft.com/office/drawing/2014/main" id="{9D16C315-22DA-804E-B066-86BB8D61505E}"/>
+              </a:ext>
+            </a:extLst>
+          </p:cNvPr>
+          <p:cNvSpPr txBox="1"/>
+          <p:nvPr/>
+        </p:nvSpPr>
+        <p:spPr>
+          <a:xfrm>
+            <a:off x="1203725" y="5237696"/>
+            <a:ext cx="4117212" cy="369332"/>
+          </a:xfrm>
+          <a:prstGeom prst="rect">
+            <a:avLst/>
+          </a:prstGeom>
+          <a:solidFill>
+            <a:schemeClr val="accent1"/>
+          </a:solidFill>
+          <a:ln>
+            <a:noFill/>
+          </a:ln>
+        </p:spPr>
+        <p:style>
+          <a:lnRef idx="0">
+            <a:scrgbClr r="0" g="0" b="0"/>
+          </a:lnRef>
+          <a:fillRef idx="0">
+            <a:scrgbClr r="0" g="0" b="0"/>
+          </a:fillRef>
+          <a:effectRef idx="0">
+            <a:scrgbClr r="0" g="0" b="0"/>
+          </a:effectRef>
+          <a:fontRef idx="minor">
+            <a:schemeClr val="lt1"/>
+          </a:fontRef>
+        </p:style>
+        <p:txBody>
+          <a:bodyPr wrap="square" rtlCol="0">
+            <a:spAutoFit/>
+          </a:bodyPr>
+          <a:lstStyle/>
+          <a:p>
+            <a:pPr algn="ctr"/>
+            <a:r>
+              <a:rPr lang="en-BO"/>
+              <a:t>SISTEMAS OPERATIVOS</a:t>
+            </a:r>
+          </a:p>
+        </p:txBody>
+      </p:sp>
+      <p:sp>
+        <p:nvSpPr>
+          <p:cNvPr id="17" name="Rectangle 16">
+            <a:extLst>
+              <a:ext uri="{FF2B5EF4-FFF2-40B4-BE49-F238E27FC236}">
+                <a16:creationId xmlns:a16="http://schemas.microsoft.com/office/drawing/2014/main" id="{4C9487F6-DF09-5B43-BA4B-43AD431E0D0A}"/>
+              </a:ext>
+            </a:extLst>
+          </p:cNvPr>
+          <p:cNvSpPr/>
+          <p:nvPr/>
+        </p:nvSpPr>
+        <p:spPr>
+          <a:xfrm>
+            <a:off x="1180011" y="1855308"/>
+            <a:ext cx="5196841" cy="943659"/>
+          </a:xfrm>
+          <a:prstGeom prst="rect">
+            <a:avLst/>
+          </a:prstGeom>
+          <a:noFill/>
+          <a:ln>
+            <a:noFill/>
+          </a:ln>
+        </p:spPr>
+        <p:style>
+          <a:lnRef idx="2">
+            <a:schemeClr val="accent1">
+              <a:shade val="50000"/>
+            </a:schemeClr>
+          </a:lnRef>
+          <a:fillRef idx="1">
+            <a:schemeClr val="accent1"/>
+          </a:fillRef>
+          <a:effectRef idx="0">
+            <a:schemeClr val="accent1"/>
+          </a:effectRef>
+          <a:fontRef idx="minor">
+            <a:schemeClr val="lt1"/>
+          </a:fontRef>
+        </p:style>
+        <p:txBody>
+          <a:bodyPr rtlCol="0" anchor="ctr"/>
+          <a:lstStyle/>
+          <a:p>
+            <a:pPr algn="ctr"/>
+            <a:endParaRPr lang="en-BO"/>
+          </a:p>
+        </p:txBody>
+      </p:sp>
+      <p:grpSp>
+        <p:nvGrpSpPr>
+          <p:cNvPr id="22" name="Group 21">
+            <a:extLst>
+              <a:ext uri="{FF2B5EF4-FFF2-40B4-BE49-F238E27FC236}">
+                <a16:creationId xmlns:a16="http://schemas.microsoft.com/office/drawing/2014/main" id="{A55F1BA4-AF82-354D-A514-D590E987DA61}"/>
+              </a:ext>
+            </a:extLst>
+          </p:cNvPr>
+          <p:cNvGrpSpPr/>
+          <p:nvPr/>
+        </p:nvGrpSpPr>
+        <p:grpSpPr>
+          <a:xfrm>
+            <a:off x="1508793" y="2003613"/>
+            <a:ext cx="1112373" cy="573979"/>
+            <a:chOff x="9747165" y="2250091"/>
+            <a:chExt cx="1275456" cy="863062"/>
+          </a:xfrm>
+        </p:grpSpPr>
+        <p:sp>
+          <p:nvSpPr>
+            <p:cNvPr id="23" name="Oval 22">
+              <a:extLst>
+                <a:ext uri="{FF2B5EF4-FFF2-40B4-BE49-F238E27FC236}">
+                  <a16:creationId xmlns:a16="http://schemas.microsoft.com/office/drawing/2014/main" id="{1C621514-39A2-B54F-B4BE-9B924624CA90}"/>
+                </a:ext>
+              </a:extLst>
+            </p:cNvPr>
+            <p:cNvSpPr/>
+            <p:nvPr/>
+          </p:nvSpPr>
+          <p:spPr>
+            <a:xfrm>
+              <a:off x="9747165" y="2250091"/>
+              <a:ext cx="1275456" cy="863062"/>
+            </a:xfrm>
+            <a:prstGeom prst="ellipse">
+              <a:avLst/>
+            </a:prstGeom>
+            <a:solidFill>
+              <a:schemeClr val="accent4">
+                <a:lumMod val="40000"/>
+                <a:lumOff val="60000"/>
+              </a:schemeClr>
+            </a:solidFill>
+          </p:spPr>
+          <p:style>
+            <a:lnRef idx="2">
+              <a:schemeClr val="accent1">
+                <a:shade val="50000"/>
+              </a:schemeClr>
+            </a:lnRef>
+            <a:fillRef idx="1">
+              <a:schemeClr val="accent1"/>
+            </a:fillRef>
+            <a:effectRef idx="0">
+              <a:schemeClr val="accent1"/>
+            </a:effectRef>
+            <a:fontRef idx="minor">
+              <a:schemeClr val="lt1"/>
+            </a:fontRef>
+          </p:style>
+          <p:txBody>
+            <a:bodyPr rtlCol="0" anchor="ctr"/>
+            <a:lstStyle/>
+            <a:p>
+              <a:pPr algn="ctr"/>
+              <a:endParaRPr lang="en-BO"/>
+            </a:p>
+          </p:txBody>
+        </p:sp>
+        <p:pic>
+          <p:nvPicPr>
+            <p:cNvPr id="24" name="Picture 23">
+              <a:extLst>
+                <a:ext uri="{FF2B5EF4-FFF2-40B4-BE49-F238E27FC236}">
+                  <a16:creationId xmlns:a16="http://schemas.microsoft.com/office/drawing/2014/main" id="{4EF15FCF-0F20-114D-856D-25C6B81110C2}"/>
+                </a:ext>
+              </a:extLst>
+            </p:cNvPr>
+            <p:cNvPicPr>
+              <a:picLocks noChangeAspect="1"/>
+            </p:cNvPicPr>
+            <p:nvPr/>
+          </p:nvPicPr>
+          <p:blipFill>
+            <a:blip r:embed="rId5"/>
+            <a:stretch>
+              <a:fillRect/>
+            </a:stretch>
+          </p:blipFill>
+          <p:spPr>
+            <a:xfrm>
+              <a:off x="10061384" y="2368289"/>
+              <a:ext cx="685909" cy="572523"/>
+            </a:xfrm>
+            <a:prstGeom prst="rect">
+              <a:avLst/>
+            </a:prstGeom>
+          </p:spPr>
+        </p:pic>
+      </p:grpSp>
+      <p:sp>
+        <p:nvSpPr>
+          <p:cNvPr id="19" name="TextBox 18">
+            <a:extLst>
+              <a:ext uri="{FF2B5EF4-FFF2-40B4-BE49-F238E27FC236}">
+                <a16:creationId xmlns:a16="http://schemas.microsoft.com/office/drawing/2014/main" id="{1251B38F-7E09-2D45-ADB2-CF54236E3351}"/>
+              </a:ext>
+            </a:extLst>
+          </p:cNvPr>
+          <p:cNvSpPr txBox="1"/>
+          <p:nvPr/>
+        </p:nvSpPr>
+        <p:spPr>
+          <a:xfrm>
+            <a:off x="1240646" y="1584569"/>
+            <a:ext cx="4080291" cy="369332"/>
+          </a:xfrm>
+          <a:prstGeom prst="rect">
+            <a:avLst/>
+          </a:prstGeom>
+          <a:solidFill>
+            <a:schemeClr val="accent1"/>
+          </a:solidFill>
+          <a:ln>
+            <a:noFill/>
+          </a:ln>
+        </p:spPr>
+        <p:style>
+          <a:lnRef idx="0">
+            <a:scrgbClr r="0" g="0" b="0"/>
+          </a:lnRef>
+          <a:fillRef idx="0">
+            <a:scrgbClr r="0" g="0" b="0"/>
+          </a:fillRef>
+          <a:effectRef idx="0">
+            <a:scrgbClr r="0" g="0" b="0"/>
+          </a:effectRef>
+          <a:fontRef idx="minor">
+            <a:schemeClr val="lt1"/>
+          </a:fontRef>
+        </p:style>
+        <p:txBody>
+          <a:bodyPr wrap="square" rtlCol="0">
+            <a:spAutoFit/>
+          </a:bodyPr>
+          <a:lstStyle/>
+          <a:p>
+            <a:pPr algn="ctr"/>
+            <a:r>
+              <a:rPr lang="en-BO"/>
+              <a:t>APLICACIONES</a:t>
+            </a:r>
+          </a:p>
+        </p:txBody>
+      </p:sp>
+      <p:sp>
+        <p:nvSpPr>
+          <p:cNvPr id="26" name="Rectangle 25">
+            <a:extLst>
+              <a:ext uri="{FF2B5EF4-FFF2-40B4-BE49-F238E27FC236}">
+                <a16:creationId xmlns:a16="http://schemas.microsoft.com/office/drawing/2014/main" id="{6B56B43A-DB10-0B46-8381-FAB23103CE63}"/>
+              </a:ext>
+            </a:extLst>
+          </p:cNvPr>
+          <p:cNvSpPr/>
+          <p:nvPr/>
+        </p:nvSpPr>
+        <p:spPr>
+          <a:xfrm>
+            <a:off x="1240646" y="3048522"/>
+            <a:ext cx="4103915" cy="795848"/>
+          </a:xfrm>
+          <a:prstGeom prst="rect">
+            <a:avLst/>
+          </a:prstGeom>
+          <a:solidFill>
+            <a:schemeClr val="accent1">
+              <a:lumMod val="40000"/>
+              <a:lumOff val="60000"/>
+            </a:schemeClr>
+          </a:solidFill>
+        </p:spPr>
+        <p:style>
+          <a:lnRef idx="2">
+            <a:schemeClr val="accent1">
+              <a:shade val="50000"/>
+            </a:schemeClr>
+          </a:lnRef>
+          <a:fillRef idx="1">
+            <a:schemeClr val="accent1"/>
+          </a:fillRef>
+          <a:effectRef idx="0">
+            <a:schemeClr val="accent1"/>
+          </a:effectRef>
+          <a:fontRef idx="minor">
+            <a:schemeClr val="lt1"/>
+          </a:fontRef>
+        </p:style>
+        <p:txBody>
+          <a:bodyPr rtlCol="0" anchor="ctr"/>
+          <a:lstStyle/>
+          <a:p>
+            <a:pPr algn="ctr"/>
+            <a:endParaRPr lang="en-BO">
+              <a:solidFill>
+                <a:schemeClr val="tx1"/>
+              </a:solidFill>
+            </a:endParaRPr>
+          </a:p>
+        </p:txBody>
+      </p:sp>
+      <p:sp>
+        <p:nvSpPr>
+          <p:cNvPr id="39" name="Rectangle 38">
+            <a:extLst>
+              <a:ext uri="{FF2B5EF4-FFF2-40B4-BE49-F238E27FC236}">
+                <a16:creationId xmlns:a16="http://schemas.microsoft.com/office/drawing/2014/main" id="{14845263-041A-5F48-A6CE-917DD9EAF5BF}"/>
+              </a:ext>
+            </a:extLst>
+          </p:cNvPr>
+          <p:cNvSpPr/>
+          <p:nvPr/>
+        </p:nvSpPr>
+        <p:spPr>
+          <a:xfrm>
+            <a:off x="1217022" y="4514756"/>
+            <a:ext cx="4103916" cy="719121"/>
+          </a:xfrm>
+          <a:prstGeom prst="rect">
+            <a:avLst/>
+          </a:prstGeom>
+          <a:solidFill>
+            <a:srgbClr val="7030A0"/>
+          </a:solidFill>
+          <a:ln>
+            <a:solidFill>
+              <a:schemeClr val="accent1">
+                <a:lumMod val="60000"/>
+                <a:lumOff val="40000"/>
+              </a:schemeClr>
+            </a:solidFill>
+          </a:ln>
+        </p:spPr>
+        <p:style>
+          <a:lnRef idx="2">
+            <a:schemeClr val="accent1">
+              <a:shade val="50000"/>
+            </a:schemeClr>
+          </a:lnRef>
+          <a:fillRef idx="1">
+            <a:schemeClr val="accent1"/>
+          </a:fillRef>
+          <a:effectRef idx="0">
+            <a:schemeClr val="accent1"/>
+          </a:effectRef>
+          <a:fontRef idx="minor">
+            <a:schemeClr val="lt1"/>
+          </a:fontRef>
+        </p:style>
+        <p:txBody>
+          <a:bodyPr rtlCol="0" anchor="ctr"/>
+          <a:lstStyle/>
+          <a:p>
+            <a:pPr algn="ctr"/>
+            <a:endParaRPr lang="en-BO"/>
+          </a:p>
+        </p:txBody>
+      </p:sp>
+      <p:sp>
+        <p:nvSpPr>
+          <p:cNvPr id="42" name="TextBox 41">
+            <a:extLst>
+              <a:ext uri="{FF2B5EF4-FFF2-40B4-BE49-F238E27FC236}">
+                <a16:creationId xmlns:a16="http://schemas.microsoft.com/office/drawing/2014/main" id="{DF6A2B7A-74DD-4F49-B97D-6FAFBB27B347}"/>
+              </a:ext>
+            </a:extLst>
+          </p:cNvPr>
+          <p:cNvSpPr txBox="1"/>
+          <p:nvPr/>
+        </p:nvSpPr>
+        <p:spPr>
+          <a:xfrm>
+            <a:off x="1217022" y="4127546"/>
+            <a:ext cx="4103915" cy="369332"/>
+          </a:xfrm>
+          <a:prstGeom prst="rect">
+            <a:avLst/>
+          </a:prstGeom>
+          <a:solidFill>
+            <a:schemeClr val="accent1"/>
+          </a:solidFill>
+          <a:ln>
+            <a:noFill/>
+          </a:ln>
+        </p:spPr>
+        <p:style>
+          <a:lnRef idx="0">
+            <a:scrgbClr r="0" g="0" b="0"/>
+          </a:lnRef>
+          <a:fillRef idx="0">
+            <a:scrgbClr r="0" g="0" b="0"/>
+          </a:fillRef>
+          <a:effectRef idx="0">
+            <a:scrgbClr r="0" g="0" b="0"/>
+          </a:effectRef>
+          <a:fontRef idx="minor">
+            <a:schemeClr val="lt1"/>
+          </a:fontRef>
+        </p:style>
+        <p:txBody>
+          <a:bodyPr wrap="square" rtlCol="0">
+            <a:spAutoFit/>
+          </a:bodyPr>
+          <a:lstStyle/>
+          <a:p>
+            <a:pPr algn="ctr"/>
+            <a:r>
+              <a:rPr lang="en-BO"/>
+              <a:t>RUNTIME</a:t>
+            </a:r>
+          </a:p>
+        </p:txBody>
+      </p:sp>
+      <p:sp>
+        <p:nvSpPr>
+          <p:cNvPr id="44" name="TextBox 43">
+            <a:extLst>
+              <a:ext uri="{FF2B5EF4-FFF2-40B4-BE49-F238E27FC236}">
+                <a16:creationId xmlns:a16="http://schemas.microsoft.com/office/drawing/2014/main" id="{95A4728A-C6A1-A343-B3A7-E586D48B1CF3}"/>
+              </a:ext>
+            </a:extLst>
+          </p:cNvPr>
+          <p:cNvSpPr txBox="1"/>
+          <p:nvPr/>
+        </p:nvSpPr>
+        <p:spPr>
+          <a:xfrm>
+            <a:off x="3699498" y="4700134"/>
+            <a:ext cx="1522917" cy="369332"/>
+          </a:xfrm>
+          <a:prstGeom prst="rect">
+            <a:avLst/>
+          </a:prstGeom>
+          <a:noFill/>
+        </p:spPr>
+        <p:txBody>
+          <a:bodyPr wrap="none" rtlCol="0">
+            <a:spAutoFit/>
+          </a:bodyPr>
+          <a:lstStyle/>
+          <a:p>
+            <a:r>
+              <a:rPr lang="en-BO">
+                <a:solidFill>
+                  <a:schemeClr val="bg1"/>
+                </a:solidFill>
+              </a:rPr>
+              <a:t>DOTNET CORE</a:t>
+            </a:r>
+          </a:p>
+        </p:txBody>
+      </p:sp>
+      <p:pic>
+        <p:nvPicPr>
+          <p:cNvPr id="47" name="Picture 46" descr="A picture containing drawing&#10;&#10;Description automatically generated">
+            <a:extLst>
+              <a:ext uri="{FF2B5EF4-FFF2-40B4-BE49-F238E27FC236}">
+                <a16:creationId xmlns:a16="http://schemas.microsoft.com/office/drawing/2014/main" id="{204CFADC-788A-E14B-AF57-CD202B5E9473}"/>
+              </a:ext>
+            </a:extLst>
+          </p:cNvPr>
+          <p:cNvPicPr>
+            <a:picLocks noChangeAspect="1"/>
+          </p:cNvPicPr>
+          <p:nvPr/>
+        </p:nvPicPr>
+        <p:blipFill>
+          <a:blip r:embed="rId6"/>
+          <a:stretch>
+            <a:fillRect/>
+          </a:stretch>
+        </p:blipFill>
+        <p:spPr>
+          <a:xfrm>
+            <a:off x="1581319" y="4547173"/>
+            <a:ext cx="635653" cy="630801"/>
+          </a:xfrm>
+          <a:prstGeom prst="rect">
+            <a:avLst/>
+          </a:prstGeom>
+        </p:spPr>
+      </p:pic>
+      <p:pic>
+        <p:nvPicPr>
+          <p:cNvPr id="49" name="Picture 48" descr="A picture containing plate, drawing&#10;&#10;Description automatically generated">
+            <a:extLst>
+              <a:ext uri="{FF2B5EF4-FFF2-40B4-BE49-F238E27FC236}">
+                <a16:creationId xmlns:a16="http://schemas.microsoft.com/office/drawing/2014/main" id="{C1DE1554-6200-7046-AF42-DA287AB06731}"/>
+              </a:ext>
+            </a:extLst>
+          </p:cNvPr>
+          <p:cNvPicPr>
+            <a:picLocks noChangeAspect="1"/>
+          </p:cNvPicPr>
+          <p:nvPr/>
+        </p:nvPicPr>
+        <p:blipFill>
+          <a:blip r:embed="rId7"/>
+          <a:stretch>
+            <a:fillRect/>
+          </a:stretch>
+        </p:blipFill>
+        <p:spPr>
+          <a:xfrm>
+            <a:off x="4284366" y="3120908"/>
+            <a:ext cx="949485" cy="651075"/>
+          </a:xfrm>
+          <a:prstGeom prst="rect">
+            <a:avLst/>
+          </a:prstGeom>
+        </p:spPr>
+      </p:pic>
+      <p:pic>
+        <p:nvPicPr>
+          <p:cNvPr id="51" name="Picture 50" descr="A close up of a sign&#10;&#10;Description automatically generated">
+            <a:extLst>
+              <a:ext uri="{FF2B5EF4-FFF2-40B4-BE49-F238E27FC236}">
+                <a16:creationId xmlns:a16="http://schemas.microsoft.com/office/drawing/2014/main" id="{669BCAC0-0E28-DC43-A760-EA309045B529}"/>
+              </a:ext>
+            </a:extLst>
+          </p:cNvPr>
+          <p:cNvPicPr>
+            <a:picLocks noChangeAspect="1"/>
+          </p:cNvPicPr>
+          <p:nvPr/>
+        </p:nvPicPr>
+        <p:blipFill>
+          <a:blip r:embed="rId8"/>
+          <a:stretch>
+            <a:fillRect/>
+          </a:stretch>
+        </p:blipFill>
+        <p:spPr>
+          <a:xfrm>
+            <a:off x="2088182" y="3118282"/>
+            <a:ext cx="655738" cy="680025"/>
+          </a:xfrm>
+          <a:prstGeom prst="rect">
+            <a:avLst/>
+          </a:prstGeom>
+        </p:spPr>
+      </p:pic>
+      <p:pic>
+        <p:nvPicPr>
+          <p:cNvPr id="53" name="Picture 52" descr="A picture containing object, clock, drawing&#10;&#10;Description automatically generated">
+            <a:extLst>
+              <a:ext uri="{FF2B5EF4-FFF2-40B4-BE49-F238E27FC236}">
+                <a16:creationId xmlns:a16="http://schemas.microsoft.com/office/drawing/2014/main" id="{8A4BB4F3-D122-A34E-80D7-CC4A8E8A36A4}"/>
+              </a:ext>
+            </a:extLst>
+          </p:cNvPr>
+          <p:cNvPicPr>
+            <a:picLocks noChangeAspect="1"/>
+          </p:cNvPicPr>
+          <p:nvPr/>
+        </p:nvPicPr>
+        <p:blipFill>
+          <a:blip r:embed="rId9"/>
+          <a:stretch>
+            <a:fillRect/>
+          </a:stretch>
+        </p:blipFill>
+        <p:spPr>
+          <a:xfrm>
+            <a:off x="1394544" y="3141954"/>
+            <a:ext cx="584817" cy="580353"/>
+          </a:xfrm>
+          <a:prstGeom prst="rect">
+            <a:avLst/>
+          </a:prstGeom>
+        </p:spPr>
+      </p:pic>
+      <p:pic>
+        <p:nvPicPr>
+          <p:cNvPr id="55" name="Picture 54" descr="A picture containing drawing&#10;&#10;Description automatically generated">
+            <a:extLst>
+              <a:ext uri="{FF2B5EF4-FFF2-40B4-BE49-F238E27FC236}">
+                <a16:creationId xmlns:a16="http://schemas.microsoft.com/office/drawing/2014/main" id="{AD4BE89B-B9C4-6241-9248-74A88EA119FD}"/>
+              </a:ext>
+            </a:extLst>
+          </p:cNvPr>
+          <p:cNvPicPr>
+            <a:picLocks noChangeAspect="1"/>
+          </p:cNvPicPr>
+          <p:nvPr/>
+        </p:nvPicPr>
+        <p:blipFill>
+          <a:blip r:embed="rId10"/>
+          <a:stretch>
+            <a:fillRect/>
+          </a:stretch>
+        </p:blipFill>
+        <p:spPr>
+          <a:xfrm>
+            <a:off x="3070916" y="3082143"/>
+            <a:ext cx="744526" cy="738617"/>
+          </a:xfrm>
+          <a:prstGeom prst="rect">
+            <a:avLst/>
+          </a:prstGeom>
+        </p:spPr>
+      </p:pic>
+      <p:sp>
+        <p:nvSpPr>
+          <p:cNvPr id="56" name="Down Arrow 55">
+            <a:extLst>
+              <a:ext uri="{FF2B5EF4-FFF2-40B4-BE49-F238E27FC236}">
+                <a16:creationId xmlns:a16="http://schemas.microsoft.com/office/drawing/2014/main" id="{5E868A6F-0F47-9345-9DA0-A66C87839A3D}"/>
+              </a:ext>
+            </a:extLst>
+          </p:cNvPr>
+          <p:cNvSpPr/>
+          <p:nvPr/>
+        </p:nvSpPr>
+        <p:spPr>
+          <a:xfrm>
+            <a:off x="3268979" y="2659571"/>
+            <a:ext cx="414747" cy="382475"/>
+          </a:xfrm>
+          <a:prstGeom prst="downArrow">
+            <a:avLst/>
+          </a:prstGeom>
+        </p:spPr>
+        <p:style>
+          <a:lnRef idx="2">
+            <a:schemeClr val="accent1">
+              <a:shade val="50000"/>
+            </a:schemeClr>
+          </a:lnRef>
+          <a:fillRef idx="1">
+            <a:schemeClr val="accent1"/>
+          </a:fillRef>
+          <a:effectRef idx="0">
+            <a:schemeClr val="accent1"/>
+          </a:effectRef>
+          <a:fontRef idx="minor">
+            <a:schemeClr val="lt1"/>
+          </a:fontRef>
+        </p:style>
+        <p:txBody>
+          <a:bodyPr rtlCol="0" anchor="ctr"/>
+          <a:lstStyle/>
+          <a:p>
+            <a:pPr algn="ctr"/>
+            <a:endParaRPr lang="en-BO"/>
+          </a:p>
+        </p:txBody>
+      </p:sp>
+      <p:sp>
+        <p:nvSpPr>
+          <p:cNvPr id="57" name="Down Arrow 56">
+            <a:extLst>
+              <a:ext uri="{FF2B5EF4-FFF2-40B4-BE49-F238E27FC236}">
+                <a16:creationId xmlns:a16="http://schemas.microsoft.com/office/drawing/2014/main" id="{469D37FD-9054-7C4B-A6C9-96853AB46B96}"/>
+              </a:ext>
+            </a:extLst>
+          </p:cNvPr>
+          <p:cNvSpPr/>
+          <p:nvPr/>
+        </p:nvSpPr>
+        <p:spPr>
+          <a:xfrm>
+            <a:off x="3235805" y="3830146"/>
+            <a:ext cx="414747" cy="293581"/>
+          </a:xfrm>
+          <a:prstGeom prst="downArrow">
+            <a:avLst/>
+          </a:prstGeom>
+        </p:spPr>
+        <p:style>
+          <a:lnRef idx="2">
+            <a:schemeClr val="accent1">
+              <a:shade val="50000"/>
+            </a:schemeClr>
+          </a:lnRef>
+          <a:fillRef idx="1">
+            <a:schemeClr val="accent1"/>
+          </a:fillRef>
+          <a:effectRef idx="0">
+            <a:schemeClr val="accent1"/>
+          </a:effectRef>
+          <a:fontRef idx="minor">
+            <a:schemeClr val="lt1"/>
+          </a:fontRef>
+        </p:style>
+        <p:txBody>
+          <a:bodyPr rtlCol="0" anchor="ctr"/>
+          <a:lstStyle/>
+          <a:p>
+            <a:pPr algn="ctr"/>
+            <a:endParaRPr lang="en-BO"/>
+          </a:p>
+        </p:txBody>
+      </p:sp>
+      <p:sp>
+        <p:nvSpPr>
+          <p:cNvPr id="58" name="TextBox 57">
+            <a:extLst>
+              <a:ext uri="{FF2B5EF4-FFF2-40B4-BE49-F238E27FC236}">
+                <a16:creationId xmlns:a16="http://schemas.microsoft.com/office/drawing/2014/main" id="{9EE17830-4072-9240-AF2B-AE936670CC44}"/>
+              </a:ext>
+            </a:extLst>
+          </p:cNvPr>
+          <p:cNvSpPr txBox="1"/>
+          <p:nvPr/>
+        </p:nvSpPr>
+        <p:spPr>
+          <a:xfrm>
+            <a:off x="3033624" y="4658611"/>
+            <a:ext cx="409554" cy="461665"/>
+          </a:xfrm>
+          <a:prstGeom prst="rect">
+            <a:avLst/>
+          </a:prstGeom>
+          <a:solidFill>
+            <a:schemeClr val="accent3">
+              <a:lumMod val="75000"/>
+            </a:schemeClr>
+          </a:solidFill>
+        </p:spPr>
+        <p:txBody>
+          <a:bodyPr wrap="square" rtlCol="0">
+            <a:spAutoFit/>
+          </a:bodyPr>
+          <a:lstStyle/>
+          <a:p>
+            <a:r>
+              <a:rPr lang="en-BO" sz="2400" b="1">
+                <a:solidFill>
+                  <a:schemeClr val="bg1"/>
+                </a:solidFill>
+              </a:rPr>
+              <a:t>IL</a:t>
+            </a:r>
+          </a:p>
+        </p:txBody>
+      </p:sp>
+    </p:spTree>
+    <p:extLst>
+      <p:ext uri="{BB962C8B-B14F-4D97-AF65-F5344CB8AC3E}">
+        <p14:creationId xmlns:p14="http://schemas.microsoft.com/office/powerpoint/2010/main" val="4242786814"/>
+      </p:ext>
+    </p:extLst>
+  </p:cSld>
+  <p:clrMapOvr>
+    <a:masterClrMapping/>
+  </p:clrMapOvr>
+</p:sld>
+</file>
+
+<file path=ppt/slides/slide33.xml><?xml version="1.0" encoding="utf-8"?>
+<p:sld xmlns:a="http://schemas.openxmlformats.org/drawingml/2006/main" xmlns:r="http://schemas.openxmlformats.org/officeDocument/2006/relationships" xmlns:p="http://schemas.openxmlformats.org/presentationml/2006/main">
+  <p:cSld>
+    <p:spTree>
+      <p:nvGrpSpPr>
+        <p:cNvPr id="1" name=""/>
+        <p:cNvGrpSpPr/>
+        <p:nvPr/>
+      </p:nvGrpSpPr>
+      <p:grpSpPr>
+        <a:xfrm>
+          <a:off x="0" y="0"/>
+          <a:ext cx="0" cy="0"/>
+          <a:chOff x="0" y="0"/>
+          <a:chExt cx="0" cy="0"/>
+        </a:xfrm>
+      </p:grpSpPr>
+      <p:sp>
+        <p:nvSpPr>
+          <p:cNvPr id="2" name="Title 1">
+            <a:extLst>
+              <a:ext uri="{FF2B5EF4-FFF2-40B4-BE49-F238E27FC236}">
+                <a16:creationId xmlns:a16="http://schemas.microsoft.com/office/drawing/2014/main" id="{4D9C4202-B905-2945-9038-878411EBCCC1}"/>
+              </a:ext>
+            </a:extLst>
+          </p:cNvPr>
+          <p:cNvSpPr>
+            <a:spLocks noGrp="1"/>
+          </p:cNvSpPr>
+          <p:nvPr>
+            <p:ph type="title"/>
+          </p:nvPr>
+        </p:nvSpPr>
+        <p:spPr/>
+        <p:txBody>
+          <a:bodyPr/>
+          <a:lstStyle/>
+          <a:p>
+            <a:r>
+              <a:rPr lang="en-BO" dirty="0"/>
+              <a:t>.Net Core </a:t>
+            </a:r>
+            <a:endParaRPr lang="en-BO"/>
+          </a:p>
+        </p:txBody>
+      </p:sp>
+      <p:sp>
+        <p:nvSpPr>
+          <p:cNvPr id="3" name="Content Placeholder 2">
+            <a:extLst>
+              <a:ext uri="{FF2B5EF4-FFF2-40B4-BE49-F238E27FC236}">
+                <a16:creationId xmlns:a16="http://schemas.microsoft.com/office/drawing/2014/main" id="{B396D3BC-672F-964E-8DEA-FBF378EF735A}"/>
+              </a:ext>
+            </a:extLst>
+          </p:cNvPr>
+          <p:cNvSpPr>
+            <a:spLocks noGrp="1"/>
+          </p:cNvSpPr>
+          <p:nvPr>
+            <p:ph idx="1"/>
+          </p:nvPr>
+        </p:nvSpPr>
+        <p:spPr/>
+        <p:txBody>
+          <a:bodyPr>
+            <a:normAutofit fontScale="77500" lnSpcReduction="20000"/>
+          </a:bodyPr>
+          <a:lstStyle/>
+          <a:p>
+            <a:pPr marL="0" indent="0">
+              <a:buNone/>
+            </a:pPr>
+            <a:r>
+              <a:rPr lang="en-US" dirty="0"/>
+              <a:t>La última implementación de .Net de Microsoft es </a:t>
+            </a:r>
+            <a:r>
+              <a:rPr lang="en-US" b="1" dirty="0">
+                <a:solidFill>
+                  <a:schemeClr val="accent6">
+                    <a:lumMod val="75000"/>
+                  </a:schemeClr>
+                </a:solidFill>
+              </a:rPr>
+              <a:t>.Net Core</a:t>
+            </a:r>
+            <a:r>
+              <a:rPr lang="en-US" dirty="0"/>
+              <a:t>, lanzada en su primera versión en 2016.</a:t>
+            </a:r>
+          </a:p>
+          <a:p>
+            <a:pPr marL="0" indent="0">
+              <a:buNone/>
+            </a:pPr>
+            <a:endParaRPr lang="en-US" dirty="0"/>
+          </a:p>
+          <a:p>
+            <a:pPr marL="0" indent="0">
+              <a:buNone/>
+            </a:pPr>
+            <a:r>
+              <a:rPr lang="en-US" b="1" dirty="0">
+                <a:solidFill>
+                  <a:schemeClr val="accent6">
+                    <a:lumMod val="75000"/>
+                  </a:schemeClr>
+                </a:solidFill>
+              </a:rPr>
+              <a:t>.Net Core </a:t>
+            </a:r>
+            <a:r>
+              <a:rPr lang="en-US" dirty="0"/>
+              <a:t>es una reimplementación </a:t>
+            </a:r>
+            <a:r>
+              <a:rPr lang="en-US" b="1" dirty="0">
+                <a:solidFill>
+                  <a:schemeClr val="accent6">
+                    <a:lumMod val="75000"/>
+                  </a:schemeClr>
+                </a:solidFill>
+              </a:rPr>
+              <a:t>en código abierto</a:t>
+            </a:r>
+            <a:r>
+              <a:rPr lang="en-US" dirty="0"/>
+              <a:t> de parte del full .NET Framework 4.7.2 solo para Windows.</a:t>
+            </a:r>
+          </a:p>
+          <a:p>
+            <a:pPr marL="0" indent="0">
+              <a:buNone/>
+            </a:pPr>
+            <a:endParaRPr lang="en-US" dirty="0"/>
+          </a:p>
+          <a:p>
+            <a:pPr marL="0" indent="0">
+              <a:buNone/>
+            </a:pPr>
+            <a:r>
+              <a:rPr lang="en-US" b="1" dirty="0">
+                <a:solidFill>
+                  <a:schemeClr val="accent6">
+                    <a:lumMod val="75000"/>
+                  </a:schemeClr>
+                </a:solidFill>
+              </a:rPr>
+              <a:t>.Net Core </a:t>
+            </a:r>
+            <a:r>
+              <a:rPr lang="en-US" dirty="0"/>
+              <a:t>está actualmente disponible para los sistemas operativos </a:t>
+            </a:r>
+            <a:r>
+              <a:rPr lang="en-US" b="1" dirty="0">
+                <a:solidFill>
+                  <a:schemeClr val="accent6">
+                    <a:lumMod val="75000"/>
+                  </a:schemeClr>
+                </a:solidFill>
+              </a:rPr>
+              <a:t>Windows</a:t>
+            </a:r>
+            <a:r>
+              <a:rPr lang="en-US" dirty="0"/>
+              <a:t>, </a:t>
+            </a:r>
+            <a:r>
+              <a:rPr lang="en-US" b="1" dirty="0">
+                <a:solidFill>
+                  <a:schemeClr val="accent6">
+                    <a:lumMod val="75000"/>
+                  </a:schemeClr>
+                </a:solidFill>
+              </a:rPr>
+              <a:t>macOS</a:t>
+            </a:r>
+            <a:r>
+              <a:rPr lang="en-US" dirty="0"/>
+              <a:t> y </a:t>
+            </a:r>
+            <a:r>
+              <a:rPr lang="en-US" b="1" dirty="0">
+                <a:solidFill>
+                  <a:schemeClr val="accent6">
+                    <a:lumMod val="75000"/>
+                  </a:schemeClr>
+                </a:solidFill>
+              </a:rPr>
+              <a:t>Linux</a:t>
+            </a:r>
+            <a:r>
+              <a:rPr lang="en-US" dirty="0"/>
+              <a:t>. Proporciona un subconjunto de las librerias de clases del full .Net Framework.</a:t>
+            </a:r>
+          </a:p>
+          <a:p>
+            <a:pPr marL="0" indent="0">
+              <a:buNone/>
+            </a:pPr>
+            <a:endParaRPr lang="en-US" dirty="0"/>
+          </a:p>
+          <a:p>
+            <a:pPr marL="0" indent="0">
+              <a:buNone/>
+            </a:pPr>
+            <a:r>
+              <a:rPr lang="en-US" b="1" dirty="0">
+                <a:solidFill>
+                  <a:schemeClr val="accent6">
+                    <a:lumMod val="75000"/>
+                  </a:schemeClr>
+                </a:solidFill>
+              </a:rPr>
+              <a:t>.Net Core 3.1 </a:t>
+            </a:r>
+            <a:r>
+              <a:rPr lang="en-US" dirty="0"/>
+              <a:t>es la última versión de este runtime y posibilita el desarrollo de </a:t>
+            </a:r>
+            <a:r>
+              <a:rPr lang="en-US" b="1" dirty="0">
+                <a:solidFill>
+                  <a:schemeClr val="accent6">
+                    <a:lumMod val="75000"/>
+                  </a:schemeClr>
+                </a:solidFill>
+              </a:rPr>
+              <a:t>programas para terminal (consola)</a:t>
+            </a:r>
+            <a:r>
+              <a:rPr lang="en-US" dirty="0"/>
+              <a:t>, y </a:t>
+            </a:r>
+            <a:r>
+              <a:rPr lang="en-US" b="1" dirty="0">
+                <a:solidFill>
+                  <a:schemeClr val="accent6">
+                    <a:lumMod val="75000"/>
+                  </a:schemeClr>
+                </a:solidFill>
+              </a:rPr>
+              <a:t>aplicaciones web</a:t>
+            </a:r>
+            <a:r>
+              <a:rPr lang="en-US" dirty="0"/>
+              <a:t> basadas en </a:t>
+            </a:r>
+            <a:r>
+              <a:rPr lang="en-US" b="1" dirty="0">
+                <a:solidFill>
+                  <a:schemeClr val="accent6">
+                    <a:lumMod val="75000"/>
+                  </a:schemeClr>
+                </a:solidFill>
+              </a:rPr>
+              <a:t>ASP.Net Core</a:t>
+            </a:r>
+            <a:r>
+              <a:rPr lang="en-US" dirty="0"/>
+              <a:t> para todos los sistemas operativos compatibles. Además de poder desarrollar aplicaciones </a:t>
+            </a:r>
+            <a:r>
+              <a:rPr lang="en-US" b="1" dirty="0">
+                <a:solidFill>
+                  <a:schemeClr val="accent6">
+                    <a:lumMod val="75000"/>
+                  </a:schemeClr>
+                </a:solidFill>
+              </a:rPr>
+              <a:t>Windows Forms </a:t>
+            </a:r>
+            <a:r>
+              <a:rPr lang="en-US" dirty="0"/>
+              <a:t>y </a:t>
+            </a:r>
+            <a:r>
+              <a:rPr lang="en-US" b="1" dirty="0">
+                <a:solidFill>
+                  <a:schemeClr val="accent6">
+                    <a:lumMod val="75000"/>
+                  </a:schemeClr>
+                </a:solidFill>
+              </a:rPr>
+              <a:t>WPF</a:t>
+            </a:r>
+            <a:r>
+              <a:rPr lang="en-US" dirty="0"/>
+              <a:t> en el sistema operativo </a:t>
+            </a:r>
+            <a:r>
+              <a:rPr lang="en-US" b="1" dirty="0">
+                <a:solidFill>
+                  <a:schemeClr val="accent6">
+                    <a:lumMod val="75000"/>
+                  </a:schemeClr>
+                </a:solidFill>
+              </a:rPr>
+              <a:t>Windows</a:t>
+            </a:r>
+            <a:r>
+              <a:rPr lang="en-US" dirty="0"/>
+              <a:t>.</a:t>
+            </a:r>
+            <a:endParaRPr lang="en-BO"/>
+          </a:p>
+        </p:txBody>
+      </p:sp>
+    </p:spTree>
+    <p:extLst>
+      <p:ext uri="{BB962C8B-B14F-4D97-AF65-F5344CB8AC3E}">
+        <p14:creationId xmlns:p14="http://schemas.microsoft.com/office/powerpoint/2010/main" val="3262674064"/>
+      </p:ext>
+    </p:extLst>
+  </p:cSld>
+  <p:clrMapOvr>
+    <a:masterClrMapping/>
+  </p:clrMapOvr>
+</p:sld>
+</file>
+
+<file path=ppt/slides/slide34.xml><?xml version="1.0" encoding="utf-8"?>
+<p:sld xmlns:a="http://schemas.openxmlformats.org/drawingml/2006/main" xmlns:r="http://schemas.openxmlformats.org/officeDocument/2006/relationships" xmlns:p="http://schemas.openxmlformats.org/presentationml/2006/main">
+  <p:cSld>
+    <p:spTree>
+      <p:nvGrpSpPr>
+        <p:cNvPr id="1" name=""/>
+        <p:cNvGrpSpPr/>
+        <p:nvPr/>
+      </p:nvGrpSpPr>
+      <p:grpSpPr>
+        <a:xfrm>
+          <a:off x="0" y="0"/>
+          <a:ext cx="0" cy="0"/>
+          <a:chOff x="0" y="0"/>
+          <a:chExt cx="0" cy="0"/>
+        </a:xfrm>
+      </p:grpSpPr>
+      <p:sp>
+        <p:nvSpPr>
+          <p:cNvPr id="2" name="Title 1">
+            <a:extLst>
+              <a:ext uri="{FF2B5EF4-FFF2-40B4-BE49-F238E27FC236}">
+                <a16:creationId xmlns:a16="http://schemas.microsoft.com/office/drawing/2014/main" id="{56B5956A-1132-6849-8BA6-1B68D691F399}"/>
+              </a:ext>
+            </a:extLst>
+          </p:cNvPr>
+          <p:cNvSpPr>
+            <a:spLocks noGrp="1"/>
+          </p:cNvSpPr>
+          <p:nvPr>
+            <p:ph type="title"/>
+          </p:nvPr>
+        </p:nvSpPr>
+        <p:spPr/>
+        <p:txBody>
+          <a:bodyPr/>
+          <a:lstStyle/>
+          <a:p>
+            <a:r>
+              <a:rPr lang="en-BO"/>
+              <a:t>¿Por qué vale la pena aprender C#?</a:t>
+            </a:r>
+          </a:p>
+        </p:txBody>
+      </p:sp>
+      <p:sp>
+        <p:nvSpPr>
+          <p:cNvPr id="3" name="Content Placeholder 2">
+            <a:extLst>
+              <a:ext uri="{FF2B5EF4-FFF2-40B4-BE49-F238E27FC236}">
+                <a16:creationId xmlns:a16="http://schemas.microsoft.com/office/drawing/2014/main" id="{CF32A3D3-99CA-9E46-A983-57FB7CAB1EA2}"/>
+              </a:ext>
+            </a:extLst>
+          </p:cNvPr>
+          <p:cNvSpPr>
+            <a:spLocks noGrp="1"/>
+          </p:cNvSpPr>
+          <p:nvPr>
+            <p:ph idx="1"/>
+          </p:nvPr>
+        </p:nvSpPr>
+        <p:spPr>
+          <a:xfrm>
+            <a:off x="838200" y="1584960"/>
+            <a:ext cx="10515600" cy="5155474"/>
+          </a:xfrm>
+        </p:spPr>
+        <p:txBody>
+          <a:bodyPr>
+            <a:normAutofit/>
+          </a:bodyPr>
+          <a:lstStyle/>
+          <a:p>
+            <a:pPr marL="0" indent="0" algn="just">
+              <a:buNone/>
+            </a:pPr>
+            <a:r>
+              <a:rPr lang="en-BO" b="1">
+                <a:solidFill>
+                  <a:schemeClr val="accent6">
+                    <a:lumMod val="75000"/>
+                  </a:schemeClr>
+                </a:solidFill>
+              </a:rPr>
+              <a:t>C# es un lenguaje moderno</a:t>
+            </a:r>
+            <a:r>
+              <a:rPr lang="en-BO"/>
+              <a:t> que permite </a:t>
+            </a:r>
+            <a:r>
+              <a:rPr lang="en-BO" b="1">
+                <a:solidFill>
+                  <a:schemeClr val="accent6">
+                    <a:lumMod val="75000"/>
+                  </a:schemeClr>
+                </a:solidFill>
+              </a:rPr>
+              <a:t>trabajar con todas las herramientas Windows de Microsoft </a:t>
+            </a:r>
+            <a:r>
+              <a:rPr lang="en-BO"/>
+              <a:t>y desarrollar todo tipo de aplicaciones profesionales de escritorio y web (internet) para Windows.</a:t>
+            </a:r>
+          </a:p>
+          <a:p>
+            <a:pPr marL="0" indent="0" algn="just">
+              <a:buNone/>
+            </a:pPr>
+            <a:endParaRPr lang="en-BO"/>
+          </a:p>
+          <a:p>
+            <a:pPr marL="0" indent="0" algn="just">
+              <a:buNone/>
+            </a:pPr>
+            <a:r>
+              <a:rPr lang="en-BO"/>
+              <a:t>Con </a:t>
+            </a:r>
+            <a:r>
+              <a:rPr lang="en-BO" b="1">
+                <a:solidFill>
+                  <a:schemeClr val="accent6">
+                    <a:lumMod val="75000"/>
+                  </a:schemeClr>
+                </a:solidFill>
+              </a:rPr>
+              <a:t>.Net Core</a:t>
+            </a:r>
+            <a:r>
+              <a:rPr lang="en-BO"/>
+              <a:t> ahora es posible desarrollar aplicaciones batch, librerias y aplicaciones web  para </a:t>
+            </a:r>
+            <a:r>
+              <a:rPr lang="en-BO" b="1">
+                <a:solidFill>
+                  <a:schemeClr val="accent6">
+                    <a:lumMod val="75000"/>
+                  </a:schemeClr>
+                </a:solidFill>
+              </a:rPr>
+              <a:t>Windows MacOS y Linux</a:t>
+            </a:r>
+            <a:r>
+              <a:rPr lang="en-BO"/>
+              <a:t>, lo que hace a </a:t>
+            </a:r>
+            <a:r>
+              <a:rPr lang="en-BO" b="1">
+                <a:solidFill>
+                  <a:schemeClr val="accent6">
+                    <a:lumMod val="75000"/>
+                  </a:schemeClr>
+                </a:solidFill>
+              </a:rPr>
+              <a:t>C# </a:t>
+            </a:r>
+            <a:r>
+              <a:rPr lang="en-BO"/>
+              <a:t>muy atractivo para desarrollar </a:t>
+            </a:r>
+            <a:r>
+              <a:rPr lang="en-BO" b="1">
+                <a:solidFill>
+                  <a:schemeClr val="accent6">
+                    <a:lumMod val="75000"/>
+                  </a:schemeClr>
+                </a:solidFill>
+              </a:rPr>
+              <a:t>servicios en cualquier plataforma</a:t>
+            </a:r>
+            <a:r>
+              <a:rPr lang="en-BO"/>
+              <a:t>. Si hablamos de aplicaciones de negocios, Microsoft cuenta con una enorme plataforma como </a:t>
+            </a:r>
+            <a:r>
+              <a:rPr lang="en-BO" b="1">
+                <a:solidFill>
+                  <a:schemeClr val="accent6">
+                    <a:lumMod val="75000"/>
+                  </a:schemeClr>
+                </a:solidFill>
+              </a:rPr>
+              <a:t>Microsoft 365</a:t>
+            </a:r>
+            <a:r>
+              <a:rPr lang="en-BO"/>
+              <a:t> (antes Office 365) y una gran infraestructura de servicios en la nube llamada </a:t>
+            </a:r>
+            <a:r>
+              <a:rPr lang="en-BO" b="1">
+                <a:solidFill>
+                  <a:schemeClr val="accent6">
+                    <a:lumMod val="75000"/>
+                  </a:schemeClr>
+                </a:solidFill>
+              </a:rPr>
+              <a:t>Azure</a:t>
+            </a:r>
+            <a:r>
+              <a:rPr lang="en-BO"/>
+              <a:t>.</a:t>
+            </a:r>
+          </a:p>
+          <a:p>
+            <a:pPr marL="0" indent="0" algn="just">
+              <a:buNone/>
+            </a:pPr>
+            <a:endParaRPr lang="en-BO"/>
+          </a:p>
+          <a:p>
+            <a:pPr marL="0" indent="0" algn="just">
+              <a:buNone/>
+            </a:pPr>
+            <a:endParaRPr lang="en-BO"/>
+          </a:p>
+          <a:p>
+            <a:pPr marL="0" indent="0" algn="just">
+              <a:buNone/>
+            </a:pPr>
+            <a:endParaRPr lang="en-BO"/>
+          </a:p>
+          <a:p>
+            <a:endParaRPr lang="en-BO"/>
+          </a:p>
+          <a:p>
+            <a:endParaRPr lang="en-BO"/>
+          </a:p>
+        </p:txBody>
+      </p:sp>
+    </p:spTree>
+    <p:extLst>
+      <p:ext uri="{BB962C8B-B14F-4D97-AF65-F5344CB8AC3E}">
+        <p14:creationId xmlns:p14="http://schemas.microsoft.com/office/powerpoint/2010/main" val="3507104647"/>
+      </p:ext>
+    </p:extLst>
+  </p:cSld>
+  <p:clrMapOvr>
+    <a:masterClrMapping/>
+  </p:clrMapOvr>
+</p:sld>
+</file>
+
+<file path=ppt/slides/slide35.xml><?xml version="1.0" encoding="utf-8"?>
+<p:sld xmlns:a="http://schemas.openxmlformats.org/drawingml/2006/main" xmlns:r="http://schemas.openxmlformats.org/officeDocument/2006/relationships" xmlns:p="http://schemas.openxmlformats.org/presentationml/2006/main">
+  <p:cSld>
+    <p:spTree>
+      <p:nvGrpSpPr>
+        <p:cNvPr id="1" name=""/>
+        <p:cNvGrpSpPr/>
+        <p:nvPr/>
+      </p:nvGrpSpPr>
+      <p:grpSpPr>
+        <a:xfrm>
+          <a:off x="0" y="0"/>
+          <a:ext cx="0" cy="0"/>
+          <a:chOff x="0" y="0"/>
+          <a:chExt cx="0" cy="0"/>
+        </a:xfrm>
+      </p:grpSpPr>
+      <p:sp>
+        <p:nvSpPr>
+          <p:cNvPr id="2" name="Title 1">
+            <a:extLst>
+              <a:ext uri="{FF2B5EF4-FFF2-40B4-BE49-F238E27FC236}">
+                <a16:creationId xmlns:a16="http://schemas.microsoft.com/office/drawing/2014/main" id="{2F37BD57-D447-EE43-93D1-1AC528D307EA}"/>
+              </a:ext>
+            </a:extLst>
+          </p:cNvPr>
+          <p:cNvSpPr>
+            <a:spLocks noGrp="1"/>
+          </p:cNvSpPr>
+          <p:nvPr>
+            <p:ph type="title"/>
+          </p:nvPr>
+        </p:nvSpPr>
+        <p:spPr/>
+        <p:txBody>
+          <a:bodyPr/>
+          <a:lstStyle/>
+          <a:p>
+            <a:r>
+              <a:rPr lang="en-BO"/>
+              <a:t>¿C# posibilita desarrollo para la Web?</a:t>
+            </a:r>
+          </a:p>
+        </p:txBody>
+      </p:sp>
+      <p:sp>
+        <p:nvSpPr>
+          <p:cNvPr id="3" name="Content Placeholder 2">
+            <a:extLst>
+              <a:ext uri="{FF2B5EF4-FFF2-40B4-BE49-F238E27FC236}">
+                <a16:creationId xmlns:a16="http://schemas.microsoft.com/office/drawing/2014/main" id="{FA6D2F1A-D435-D847-A7F2-1F4FB590B59D}"/>
+              </a:ext>
+            </a:extLst>
+          </p:cNvPr>
+          <p:cNvSpPr>
+            <a:spLocks noGrp="1"/>
+          </p:cNvSpPr>
+          <p:nvPr>
+            <p:ph idx="1"/>
+          </p:nvPr>
+        </p:nvSpPr>
+        <p:spPr/>
+        <p:txBody>
+          <a:bodyPr>
+            <a:normAutofit fontScale="85000" lnSpcReduction="20000"/>
+          </a:bodyPr>
+          <a:lstStyle/>
+          <a:p>
+            <a:pPr marL="0" indent="0">
+              <a:buNone/>
+            </a:pPr>
+            <a:r>
+              <a:rPr lang="en-BO"/>
+              <a:t>Para desarrollo en web .Net Core presenta varias posibilidades, entre la que destaca </a:t>
+            </a:r>
+            <a:r>
+              <a:rPr lang="en-BO" b="1">
+                <a:solidFill>
+                  <a:schemeClr val="accent6">
+                    <a:lumMod val="75000"/>
+                  </a:schemeClr>
+                </a:solidFill>
+              </a:rPr>
+              <a:t>Blazor</a:t>
+            </a:r>
+            <a:r>
+              <a:rPr lang="en-BO"/>
+              <a:t> como una plataforma de desarrollo de páginas Web completamente en C# (sin usar directamente JavaScript) del lado del cliente y sin usar ningún “plugin” tipo Flash.</a:t>
+            </a:r>
+          </a:p>
+          <a:p>
+            <a:pPr marL="0" indent="0">
+              <a:buNone/>
+            </a:pPr>
+            <a:r>
+              <a:rPr lang="en-BO"/>
+              <a:t>Tenemos dos enfoques de esta nueva tecnología: </a:t>
+            </a:r>
+            <a:r>
+              <a:rPr lang="en-BO" b="1">
+                <a:solidFill>
+                  <a:schemeClr val="accent6">
+                    <a:lumMod val="75000"/>
+                  </a:schemeClr>
+                </a:solidFill>
+              </a:rPr>
+              <a:t>Blazor Server </a:t>
+            </a:r>
+            <a:r>
+              <a:rPr lang="en-BO"/>
+              <a:t>y  </a:t>
+            </a:r>
+            <a:r>
+              <a:rPr lang="en-BO" b="1">
+                <a:solidFill>
+                  <a:schemeClr val="accent6">
+                    <a:lumMod val="75000"/>
+                  </a:schemeClr>
+                </a:solidFill>
+              </a:rPr>
+              <a:t>Blazor Webassembly Client</a:t>
+            </a:r>
+            <a:r>
+              <a:rPr lang="en-BO"/>
+              <a:t>.</a:t>
+            </a:r>
+          </a:p>
+          <a:p>
+            <a:pPr marL="0" indent="0">
+              <a:buNone/>
+            </a:pPr>
+            <a:endParaRPr lang="en-BO"/>
+          </a:p>
+          <a:p>
+            <a:pPr marL="0" indent="0">
+              <a:buNone/>
+            </a:pPr>
+            <a:r>
+              <a:rPr lang="en-BO"/>
+              <a:t>Pero si queremos todavía mantener nuestro cliente en </a:t>
+            </a:r>
+            <a:r>
+              <a:rPr lang="en-BO" b="1">
+                <a:solidFill>
+                  <a:schemeClr val="accent6">
+                    <a:lumMod val="75000"/>
+                  </a:schemeClr>
+                </a:solidFill>
+              </a:rPr>
+              <a:t>HTML/JavaScript</a:t>
+            </a:r>
+            <a:r>
+              <a:rPr lang="en-BO"/>
+              <a:t>, para el desarrollo web server tenemos </a:t>
+            </a:r>
+            <a:r>
+              <a:rPr lang="en-BO" b="1">
+                <a:solidFill>
+                  <a:schemeClr val="accent6">
+                    <a:lumMod val="75000"/>
+                  </a:schemeClr>
+                </a:solidFill>
+              </a:rPr>
+              <a:t>ASP.Net MVC</a:t>
+            </a:r>
+            <a:r>
+              <a:rPr lang="en-BO"/>
+              <a:t>, </a:t>
+            </a:r>
+            <a:r>
+              <a:rPr lang="en-BO" b="1">
+                <a:solidFill>
+                  <a:schemeClr val="accent6">
+                    <a:lumMod val="75000"/>
+                  </a:schemeClr>
+                </a:solidFill>
+              </a:rPr>
+              <a:t>ASP.Net API </a:t>
+            </a:r>
+            <a:r>
+              <a:rPr lang="en-BO"/>
+              <a:t>y </a:t>
+            </a:r>
+            <a:r>
+              <a:rPr lang="en-BO" b="1">
+                <a:solidFill>
+                  <a:schemeClr val="accent6">
+                    <a:lumMod val="75000"/>
+                  </a:schemeClr>
+                </a:solidFill>
+              </a:rPr>
+              <a:t>Razor Pages</a:t>
+            </a:r>
+            <a:r>
+              <a:rPr lang="en-BO"/>
+              <a:t>. Todo en </a:t>
+            </a:r>
+            <a:r>
+              <a:rPr lang="en-BO" b="1">
+                <a:solidFill>
+                  <a:schemeClr val="accent6">
+                    <a:lumMod val="75000"/>
+                  </a:schemeClr>
+                </a:solidFill>
+              </a:rPr>
+              <a:t>C# con .Net Core </a:t>
+            </a:r>
+            <a:r>
+              <a:rPr lang="en-BO"/>
+              <a:t>y</a:t>
+            </a:r>
+            <a:r>
+              <a:rPr lang="en-BO" b="1">
+                <a:solidFill>
+                  <a:schemeClr val="accent6">
+                    <a:lumMod val="75000"/>
+                  </a:schemeClr>
+                </a:solidFill>
+              </a:rPr>
+              <a:t> </a:t>
+            </a:r>
+            <a:r>
+              <a:rPr lang="en-BO"/>
+              <a:t>con la posibilidad de usar </a:t>
+            </a:r>
+            <a:r>
+              <a:rPr lang="en-BO" b="1">
+                <a:solidFill>
+                  <a:schemeClr val="accent6">
+                    <a:lumMod val="75000"/>
+                  </a:schemeClr>
+                </a:solidFill>
+              </a:rPr>
+              <a:t>Docker y Kubernets </a:t>
+            </a:r>
+            <a:r>
+              <a:rPr lang="en-BO"/>
+              <a:t>para encapsular y repartir nuestros productos.</a:t>
+            </a:r>
+          </a:p>
+          <a:p>
+            <a:pPr marL="0" indent="0">
+              <a:buNone/>
+            </a:pPr>
+            <a:endParaRPr lang="en-BO"/>
+          </a:p>
+          <a:p>
+            <a:pPr marL="0" indent="0">
+              <a:buNone/>
+            </a:pPr>
+            <a:r>
+              <a:rPr lang="en-BO"/>
+              <a:t>Otra gran ventaja es que ahora es muy fácil instalar estos servicios en la nube </a:t>
+            </a:r>
+            <a:r>
+              <a:rPr lang="en-BO" b="1">
+                <a:solidFill>
+                  <a:schemeClr val="accent6">
+                    <a:lumMod val="75000"/>
+                  </a:schemeClr>
+                </a:solidFill>
+              </a:rPr>
+              <a:t>Azure</a:t>
+            </a:r>
+            <a:r>
+              <a:rPr lang="en-BO"/>
+              <a:t> de Microsoft.</a:t>
+            </a:r>
+          </a:p>
+        </p:txBody>
+      </p:sp>
+    </p:spTree>
+    <p:extLst>
+      <p:ext uri="{BB962C8B-B14F-4D97-AF65-F5344CB8AC3E}">
+        <p14:creationId xmlns:p14="http://schemas.microsoft.com/office/powerpoint/2010/main" val="1404739805"/>
+      </p:ext>
+    </p:extLst>
+  </p:cSld>
+  <p:clrMapOvr>
+    <a:masterClrMapping/>
+  </p:clrMapOvr>
+</p:sld>
+</file>
+
+<file path=ppt/slides/slide36.xml><?xml version="1.0" encoding="utf-8"?>
+<p:sld xmlns:a="http://schemas.openxmlformats.org/drawingml/2006/main" xmlns:r="http://schemas.openxmlformats.org/officeDocument/2006/relationships" xmlns:p="http://schemas.openxmlformats.org/presentationml/2006/main">
+  <p:cSld>
+    <p:spTree>
+      <p:nvGrpSpPr>
+        <p:cNvPr id="1" name=""/>
+        <p:cNvGrpSpPr/>
+        <p:nvPr/>
+      </p:nvGrpSpPr>
+      <p:grpSpPr>
+        <a:xfrm>
+          <a:off x="0" y="0"/>
+          <a:ext cx="0" cy="0"/>
+          <a:chOff x="0" y="0"/>
+          <a:chExt cx="0" cy="0"/>
+        </a:xfrm>
+      </p:grpSpPr>
+      <p:sp>
+        <p:nvSpPr>
+          <p:cNvPr id="2" name="Title 1">
+            <a:extLst>
+              <a:ext uri="{FF2B5EF4-FFF2-40B4-BE49-F238E27FC236}">
+                <a16:creationId xmlns:a16="http://schemas.microsoft.com/office/drawing/2014/main" id="{5ACBBC89-20C1-FA43-A7A8-5E95378D21E6}"/>
+              </a:ext>
+            </a:extLst>
+          </p:cNvPr>
+          <p:cNvSpPr>
+            <a:spLocks noGrp="1"/>
+          </p:cNvSpPr>
+          <p:nvPr>
+            <p:ph type="title"/>
+          </p:nvPr>
+        </p:nvSpPr>
+        <p:spPr/>
+        <p:txBody>
+          <a:bodyPr/>
+          <a:lstStyle/>
+          <a:p>
+            <a:r>
+              <a:rPr lang="en-BO"/>
+              <a:t>¿Teléfonos celulares y gadgets?</a:t>
+            </a:r>
+          </a:p>
+        </p:txBody>
+      </p:sp>
+      <p:sp>
+        <p:nvSpPr>
+          <p:cNvPr id="3" name="Content Placeholder 2">
+            <a:extLst>
+              <a:ext uri="{FF2B5EF4-FFF2-40B4-BE49-F238E27FC236}">
+                <a16:creationId xmlns:a16="http://schemas.microsoft.com/office/drawing/2014/main" id="{F0B07F68-7FD3-E44F-9940-A7535312B1C2}"/>
+              </a:ext>
+            </a:extLst>
+          </p:cNvPr>
+          <p:cNvSpPr>
+            <a:spLocks noGrp="1"/>
+          </p:cNvSpPr>
+          <p:nvPr>
+            <p:ph idx="1"/>
+          </p:nvPr>
+        </p:nvSpPr>
+        <p:spPr/>
+        <p:txBody>
+          <a:bodyPr/>
+          <a:lstStyle/>
+          <a:p>
+            <a:pPr marL="0" indent="0">
+              <a:buNone/>
+            </a:pPr>
+            <a:r>
+              <a:rPr lang="en-BO"/>
+              <a:t>Para aplicaciones en teléfonos móviles y tabletas, </a:t>
+            </a:r>
+            <a:r>
+              <a:rPr lang="en-BO" b="1">
+                <a:solidFill>
+                  <a:schemeClr val="accent6">
+                    <a:lumMod val="75000"/>
+                  </a:schemeClr>
+                </a:solidFill>
+              </a:rPr>
+              <a:t>Xamarin</a:t>
+            </a:r>
+            <a:r>
+              <a:rPr lang="en-BO"/>
+              <a:t>, una plataforma para desarrollo mobile con C# y .Net, ahora de propiedad de Microsoft,</a:t>
+            </a:r>
+            <a:r>
+              <a:rPr lang="en-BO" b="1">
+                <a:solidFill>
+                  <a:schemeClr val="accent6">
+                    <a:lumMod val="75000"/>
+                  </a:schemeClr>
+                </a:solidFill>
+              </a:rPr>
+              <a:t> </a:t>
+            </a:r>
+            <a:r>
+              <a:rPr lang="en-BO"/>
+              <a:t>permite desarrollar en C# y generar aplicaciones nativas para </a:t>
+            </a:r>
+            <a:r>
+              <a:rPr lang="en-BO" b="1">
+                <a:solidFill>
+                  <a:schemeClr val="accent6">
+                    <a:lumMod val="75000"/>
+                  </a:schemeClr>
+                </a:solidFill>
+              </a:rPr>
+              <a:t>Android, iOS y iPadOS</a:t>
+            </a:r>
+            <a:r>
+              <a:rPr lang="en-BO"/>
+              <a:t>.</a:t>
+            </a:r>
+          </a:p>
+          <a:p>
+            <a:pPr marL="0" indent="0">
+              <a:buNone/>
+            </a:pPr>
+            <a:endParaRPr lang="en-BO"/>
+          </a:p>
+          <a:p>
+            <a:pPr marL="0" indent="0">
+              <a:buNone/>
+            </a:pPr>
+            <a:r>
+              <a:rPr lang="en-BO"/>
+              <a:t>Samsung también ha publicado su propio runtime .Net al que ha llamado </a:t>
+            </a:r>
+            <a:r>
+              <a:rPr lang="en-BO" b="1">
+                <a:solidFill>
+                  <a:schemeClr val="accent6">
+                    <a:lumMod val="75000"/>
+                  </a:schemeClr>
+                </a:solidFill>
+              </a:rPr>
+              <a:t>Tizen.Net </a:t>
+            </a:r>
+            <a:r>
+              <a:rPr lang="en-BO"/>
+              <a:t>y para el </a:t>
+            </a:r>
+            <a:r>
+              <a:rPr lang="en-BO" b="1">
+                <a:solidFill>
+                  <a:schemeClr val="accent6">
+                    <a:lumMod val="75000"/>
+                  </a:schemeClr>
+                </a:solidFill>
+              </a:rPr>
+              <a:t>internet de las cosas (IOT) </a:t>
+            </a:r>
+            <a:r>
+              <a:rPr lang="en-BO"/>
+              <a:t>Microsoft tiene un </a:t>
+            </a:r>
+            <a:r>
+              <a:rPr lang="en-BO" b="1">
+                <a:solidFill>
+                  <a:schemeClr val="accent6">
+                    <a:lumMod val="75000"/>
+                  </a:schemeClr>
+                </a:solidFill>
+              </a:rPr>
+              <a:t>SO</a:t>
+            </a:r>
+            <a:r>
+              <a:rPr lang="en-BO"/>
+              <a:t> variante de </a:t>
+            </a:r>
+            <a:r>
+              <a:rPr lang="en-BO" b="1">
+                <a:solidFill>
+                  <a:schemeClr val="accent6">
+                    <a:lumMod val="75000"/>
+                  </a:schemeClr>
+                </a:solidFill>
+              </a:rPr>
+              <a:t>Windows 10 </a:t>
+            </a:r>
+            <a:r>
+              <a:rPr lang="en-BO"/>
+              <a:t>y un </a:t>
+            </a:r>
+            <a:r>
+              <a:rPr lang="en-BO" b="1">
+                <a:solidFill>
+                  <a:schemeClr val="accent6">
+                    <a:lumMod val="75000"/>
+                  </a:schemeClr>
+                </a:solidFill>
+              </a:rPr>
+              <a:t>runtime .Net </a:t>
+            </a:r>
+            <a:r>
+              <a:rPr lang="en-BO"/>
+              <a:t>que permite programar las minicomputadoras como el </a:t>
+            </a:r>
+            <a:r>
+              <a:rPr lang="en-BO" b="1">
+                <a:solidFill>
+                  <a:schemeClr val="accent6">
+                    <a:lumMod val="75000"/>
+                  </a:schemeClr>
+                </a:solidFill>
+              </a:rPr>
+              <a:t>Raspberry Pi</a:t>
+            </a:r>
+            <a:r>
+              <a:rPr lang="en-BO"/>
+              <a:t>.</a:t>
+            </a:r>
+          </a:p>
+          <a:p>
+            <a:endParaRPr lang="en-BO"/>
+          </a:p>
+        </p:txBody>
+      </p:sp>
+    </p:spTree>
+    <p:extLst>
+      <p:ext uri="{BB962C8B-B14F-4D97-AF65-F5344CB8AC3E}">
+        <p14:creationId xmlns:p14="http://schemas.microsoft.com/office/powerpoint/2010/main" val="4040193338"/>
+      </p:ext>
+    </p:extLst>
+  </p:cSld>
+  <p:clrMapOvr>
+    <a:masterClrMapping/>
+  </p:clrMapOvr>
+</p:sld>
+</file>
+
+<file path=ppt/slides/slide37.xml><?xml version="1.0" encoding="utf-8"?>
+<p:sld xmlns:a="http://schemas.openxmlformats.org/drawingml/2006/main" xmlns:r="http://schemas.openxmlformats.org/officeDocument/2006/relationships" xmlns:p="http://schemas.openxmlformats.org/presentationml/2006/main">
+  <p:cSld>
+    <p:spTree>
+      <p:nvGrpSpPr>
+        <p:cNvPr id="1" name=""/>
+        <p:cNvGrpSpPr/>
+        <p:nvPr/>
+      </p:nvGrpSpPr>
+      <p:grpSpPr>
+        <a:xfrm>
+          <a:off x="0" y="0"/>
+          <a:ext cx="0" cy="0"/>
+          <a:chOff x="0" y="0"/>
+          <a:chExt cx="0" cy="0"/>
+        </a:xfrm>
+      </p:grpSpPr>
+      <p:sp>
+        <p:nvSpPr>
+          <p:cNvPr id="2" name="Title 1">
+            <a:extLst>
+              <a:ext uri="{FF2B5EF4-FFF2-40B4-BE49-F238E27FC236}">
+                <a16:creationId xmlns:a16="http://schemas.microsoft.com/office/drawing/2014/main" id="{204478CD-8152-C84F-99E1-82EF8CFA1525}"/>
+              </a:ext>
+            </a:extLst>
+          </p:cNvPr>
+          <p:cNvSpPr>
+            <a:spLocks noGrp="1"/>
+          </p:cNvSpPr>
+          <p:nvPr>
+            <p:ph type="title"/>
+          </p:nvPr>
+        </p:nvSpPr>
+        <p:spPr/>
+        <p:txBody>
+          <a:bodyPr/>
+          <a:lstStyle/>
+          <a:p>
+            <a:r>
+              <a:rPr lang="en-BO"/>
+              <a:t>¿Juegos, Inteligencia Artificial?</a:t>
+            </a:r>
+          </a:p>
+        </p:txBody>
+      </p:sp>
+      <p:sp>
+        <p:nvSpPr>
+          <p:cNvPr id="3" name="Content Placeholder 2">
+            <a:extLst>
+              <a:ext uri="{FF2B5EF4-FFF2-40B4-BE49-F238E27FC236}">
+                <a16:creationId xmlns:a16="http://schemas.microsoft.com/office/drawing/2014/main" id="{EA8B8F00-E8C8-3A4C-97BA-80B26B895335}"/>
+              </a:ext>
+            </a:extLst>
+          </p:cNvPr>
+          <p:cNvSpPr>
+            <a:spLocks noGrp="1"/>
+          </p:cNvSpPr>
+          <p:nvPr>
+            <p:ph idx="1"/>
+          </p:nvPr>
+        </p:nvSpPr>
+        <p:spPr/>
+        <p:txBody>
+          <a:bodyPr/>
+          <a:lstStyle/>
+          <a:p>
+            <a:pPr marL="0" indent="0">
+              <a:buNone/>
+            </a:pPr>
+            <a:r>
+              <a:rPr lang="en-BO"/>
+              <a:t>Es posible desarrollar </a:t>
+            </a:r>
+            <a:r>
+              <a:rPr lang="en-BO" b="1">
+                <a:solidFill>
+                  <a:schemeClr val="accent6">
+                    <a:lumMod val="75000"/>
+                  </a:schemeClr>
+                </a:solidFill>
+              </a:rPr>
+              <a:t>juegos</a:t>
+            </a:r>
+            <a:r>
+              <a:rPr lang="en-BO"/>
+              <a:t> en la herramienta de desarrollo </a:t>
+            </a:r>
+            <a:r>
+              <a:rPr lang="en-BO" b="1">
+                <a:solidFill>
+                  <a:schemeClr val="accent6">
+                    <a:lumMod val="75000"/>
+                  </a:schemeClr>
+                </a:solidFill>
+              </a:rPr>
+              <a:t>Unity</a:t>
+            </a:r>
+            <a:r>
+              <a:rPr lang="en-BO"/>
+              <a:t>. Esta posibilita programar juegos para todas las plataformas de sistemas operativos de escritorio, celulares y consolas de juego como </a:t>
+            </a:r>
+            <a:r>
+              <a:rPr lang="en-BO" b="1">
+                <a:solidFill>
+                  <a:schemeClr val="accent6">
+                    <a:lumMod val="75000"/>
+                  </a:schemeClr>
+                </a:solidFill>
+              </a:rPr>
+              <a:t>XBox y PlayStation</a:t>
+            </a:r>
+            <a:r>
+              <a:rPr lang="en-BO"/>
+              <a:t>.</a:t>
+            </a:r>
+          </a:p>
+          <a:p>
+            <a:pPr marL="0" indent="0">
+              <a:buNone/>
+            </a:pPr>
+            <a:endParaRPr lang="en-BO"/>
+          </a:p>
+          <a:p>
+            <a:pPr marL="0" indent="0">
+              <a:buNone/>
+            </a:pPr>
+            <a:r>
+              <a:rPr lang="en-BO"/>
+              <a:t>En el tema de </a:t>
+            </a:r>
+            <a:r>
+              <a:rPr lang="en-BO" b="1">
+                <a:solidFill>
+                  <a:schemeClr val="accent6">
+                    <a:lumMod val="75000"/>
+                  </a:schemeClr>
+                </a:solidFill>
+              </a:rPr>
+              <a:t>Inteligencia Artificial</a:t>
+            </a:r>
+            <a:r>
+              <a:rPr lang="en-BO"/>
+              <a:t>, .Net Core cuenta con la librería </a:t>
+            </a:r>
+            <a:r>
+              <a:rPr lang="en-BO" b="1">
+                <a:solidFill>
+                  <a:schemeClr val="accent6">
+                    <a:lumMod val="75000"/>
+                  </a:schemeClr>
+                </a:solidFill>
+              </a:rPr>
+              <a:t>ML.Net (Machine Learning) </a:t>
+            </a:r>
+            <a:r>
+              <a:rPr lang="en-BO"/>
+              <a:t>que tiene mucho de la misma funcionalidad de las librerías usadas en otros lenguajes como </a:t>
+            </a:r>
+            <a:r>
+              <a:rPr lang="en-BO" b="1">
+                <a:solidFill>
+                  <a:schemeClr val="accent6">
+                    <a:lumMod val="75000"/>
+                  </a:schemeClr>
+                </a:solidFill>
+              </a:rPr>
+              <a:t>Python</a:t>
+            </a:r>
+            <a:r>
+              <a:rPr lang="en-BO"/>
+              <a:t>.</a:t>
+            </a:r>
+          </a:p>
+        </p:txBody>
+      </p:sp>
+    </p:spTree>
+    <p:extLst>
+      <p:ext uri="{BB962C8B-B14F-4D97-AF65-F5344CB8AC3E}">
+        <p14:creationId xmlns:p14="http://schemas.microsoft.com/office/powerpoint/2010/main" val="1952616445"/>
+      </p:ext>
+    </p:extLst>
+  </p:cSld>
+  <p:clrMapOvr>
+    <a:masterClrMapping/>
+  </p:clrMapOvr>
+</p:sld>
+</file>
+
+<file path=ppt/slides/slide38.xml><?xml version="1.0" encoding="utf-8"?>
+<p:sld xmlns:a="http://schemas.openxmlformats.org/drawingml/2006/main" xmlns:r="http://schemas.openxmlformats.org/officeDocument/2006/relationships" xmlns:p="http://schemas.openxmlformats.org/presentationml/2006/main">
+  <p:cSld>
+    <p:spTree>
+      <p:nvGrpSpPr>
+        <p:cNvPr id="1" name=""/>
+        <p:cNvGrpSpPr/>
+        <p:nvPr/>
+      </p:nvGrpSpPr>
+      <p:grpSpPr>
+        <a:xfrm>
+          <a:off x="0" y="0"/>
+          <a:ext cx="0" cy="0"/>
+          <a:chOff x="0" y="0"/>
+          <a:chExt cx="0" cy="0"/>
+        </a:xfrm>
+      </p:grpSpPr>
+      <p:sp>
+        <p:nvSpPr>
+          <p:cNvPr id="2" name="Title 1">
+            <a:extLst>
+              <a:ext uri="{FF2B5EF4-FFF2-40B4-BE49-F238E27FC236}">
+                <a16:creationId xmlns:a16="http://schemas.microsoft.com/office/drawing/2014/main" id="{D9A975D0-333B-4243-B3B9-6C4B2D9E1A1A}"/>
+              </a:ext>
+            </a:extLst>
+          </p:cNvPr>
+          <p:cNvSpPr>
+            <a:spLocks noGrp="1"/>
+          </p:cNvSpPr>
+          <p:nvPr>
+            <p:ph type="title"/>
+          </p:nvPr>
+        </p:nvSpPr>
+        <p:spPr/>
+        <p:txBody>
+          <a:bodyPr/>
+          <a:lstStyle/>
+          <a:p>
+            <a:r>
+              <a:rPr lang="en-BO"/>
+              <a:t>¿Propietario ú Open Source?</a:t>
+            </a:r>
+          </a:p>
+        </p:txBody>
+      </p:sp>
+      <p:sp>
+        <p:nvSpPr>
+          <p:cNvPr id="3" name="Content Placeholder 2">
+            <a:extLst>
+              <a:ext uri="{FF2B5EF4-FFF2-40B4-BE49-F238E27FC236}">
+                <a16:creationId xmlns:a16="http://schemas.microsoft.com/office/drawing/2014/main" id="{7F3FFE7A-0B3C-C542-93A3-6D07E337DBBF}"/>
+              </a:ext>
+            </a:extLst>
+          </p:cNvPr>
+          <p:cNvSpPr>
+            <a:spLocks noGrp="1"/>
+          </p:cNvSpPr>
+          <p:nvPr>
+            <p:ph idx="1"/>
+          </p:nvPr>
+        </p:nvSpPr>
+        <p:spPr/>
+        <p:txBody>
+          <a:bodyPr/>
+          <a:lstStyle/>
+          <a:p>
+            <a:pPr marL="0" indent="0">
+              <a:buNone/>
+            </a:pPr>
+            <a:r>
+              <a:rPr lang="en-BO" b="1">
+                <a:solidFill>
+                  <a:schemeClr val="accent6">
+                    <a:lumMod val="75000"/>
+                  </a:schemeClr>
+                </a:solidFill>
+              </a:rPr>
+              <a:t>Microsoft</a:t>
+            </a:r>
+            <a:r>
+              <a:rPr lang="en-BO"/>
+              <a:t> ha hecho un cambio dramático en sus políticas abriendose al mundo </a:t>
+            </a:r>
+            <a:r>
+              <a:rPr lang="en-BO" b="1">
+                <a:solidFill>
+                  <a:schemeClr val="accent6">
+                    <a:lumMod val="75000"/>
+                  </a:schemeClr>
+                </a:solidFill>
+              </a:rPr>
+              <a:t>Open Source</a:t>
+            </a:r>
+            <a:r>
+              <a:rPr lang="en-BO"/>
+              <a:t>. Tanto </a:t>
+            </a:r>
+            <a:r>
+              <a:rPr lang="en-BO" b="1">
+                <a:solidFill>
+                  <a:schemeClr val="accent6">
+                    <a:lumMod val="75000"/>
+                  </a:schemeClr>
+                </a:solidFill>
+              </a:rPr>
+              <a:t>C#</a:t>
+            </a:r>
+            <a:r>
+              <a:rPr lang="en-BO"/>
+              <a:t> como todos los productos alrededor de </a:t>
+            </a:r>
+            <a:r>
+              <a:rPr lang="en-BO" b="1">
+                <a:solidFill>
+                  <a:schemeClr val="accent6">
+                    <a:lumMod val="75000"/>
+                  </a:schemeClr>
+                </a:solidFill>
+              </a:rPr>
+              <a:t>.Net Core </a:t>
+            </a:r>
+            <a:r>
+              <a:rPr lang="en-BO"/>
+              <a:t>son ahora open source y con herramientas gratuitas que posibilitan el desarrollo sin mayores inversiones.</a:t>
+            </a:r>
+          </a:p>
+          <a:p>
+            <a:pPr marL="0" indent="0">
+              <a:buNone/>
+            </a:pPr>
+            <a:endParaRPr lang="en-BO"/>
+          </a:p>
+          <a:p>
+            <a:pPr marL="0" indent="0">
+              <a:buNone/>
+            </a:pPr>
+            <a:r>
+              <a:rPr lang="en-BO"/>
+              <a:t>Todo el código del </a:t>
+            </a:r>
+            <a:r>
+              <a:rPr lang="en-BO" b="1">
+                <a:solidFill>
+                  <a:schemeClr val="accent6">
+                    <a:lumMod val="75000"/>
+                  </a:schemeClr>
+                </a:solidFill>
+              </a:rPr>
+              <a:t>compilador C#</a:t>
+            </a:r>
+            <a:r>
+              <a:rPr lang="en-BO"/>
+              <a:t> y de las </a:t>
+            </a:r>
+            <a:r>
+              <a:rPr lang="en-BO" b="1">
+                <a:solidFill>
+                  <a:schemeClr val="accent6">
+                    <a:lumMod val="75000"/>
+                  </a:schemeClr>
+                </a:solidFill>
+              </a:rPr>
+              <a:t>librerias de .Net Core </a:t>
+            </a:r>
+            <a:r>
+              <a:rPr lang="en-BO"/>
+              <a:t>están accesibles para toda la comunidad en proyectos públicos en </a:t>
+            </a:r>
+            <a:r>
+              <a:rPr lang="en-BO" b="1">
+                <a:solidFill>
+                  <a:schemeClr val="accent6">
+                    <a:lumMod val="75000"/>
+                  </a:schemeClr>
+                </a:solidFill>
+              </a:rPr>
+              <a:t>Github</a:t>
+            </a:r>
+            <a:r>
+              <a:rPr lang="en-BO"/>
+              <a:t>.</a:t>
+            </a:r>
+          </a:p>
+        </p:txBody>
+      </p:sp>
+    </p:spTree>
+    <p:extLst>
+      <p:ext uri="{BB962C8B-B14F-4D97-AF65-F5344CB8AC3E}">
+        <p14:creationId xmlns:p14="http://schemas.microsoft.com/office/powerpoint/2010/main" val="3447413035"/>
+      </p:ext>
+    </p:extLst>
+  </p:cSld>
+  <p:clrMapOvr>
+    <a:masterClrMapping/>
+  </p:clrMapOvr>
+</p:sld>
+</file>
+
+<file path=ppt/slides/slide39.xml><?xml version="1.0" encoding="utf-8"?>
+<p:sld xmlns:a="http://schemas.openxmlformats.org/drawingml/2006/main" xmlns:r="http://schemas.openxmlformats.org/officeDocument/2006/relationships" xmlns:p="http://schemas.openxmlformats.org/presentationml/2006/main">
+  <p:cSld>
+    <p:spTree>
+      <p:nvGrpSpPr>
+        <p:cNvPr id="1" name=""/>
+        <p:cNvGrpSpPr/>
+        <p:nvPr/>
+      </p:nvGrpSpPr>
+      <p:grpSpPr>
+        <a:xfrm>
+          <a:off x="0" y="0"/>
+          <a:ext cx="0" cy="0"/>
+          <a:chOff x="0" y="0"/>
+          <a:chExt cx="0" cy="0"/>
+        </a:xfrm>
+      </p:grpSpPr>
+      <p:sp>
+        <p:nvSpPr>
+          <p:cNvPr id="2" name="Title 1">
+            <a:extLst>
+              <a:ext uri="{FF2B5EF4-FFF2-40B4-BE49-F238E27FC236}">
+                <a16:creationId xmlns:a16="http://schemas.microsoft.com/office/drawing/2014/main" id="{EEB681F9-5EDA-F341-9FD2-48631CE3565E}"/>
+              </a:ext>
+            </a:extLst>
+          </p:cNvPr>
+          <p:cNvSpPr>
+            <a:spLocks noGrp="1"/>
+          </p:cNvSpPr>
+          <p:nvPr>
+            <p:ph type="title"/>
+          </p:nvPr>
+        </p:nvSpPr>
+        <p:spPr/>
+        <p:txBody>
+          <a:bodyPr>
+            <a:normAutofit/>
+          </a:bodyPr>
+          <a:lstStyle/>
+          <a:p>
+            <a:r>
+              <a:rPr lang="en-BO"/>
+              <a:t>¿C# es </a:t>
+            </a:r>
+            <a:r>
+              <a:rPr lang="en-BO" b="1"/>
+              <a:t>difícil de aprender?</a:t>
+            </a:r>
+            <a:endParaRPr lang="en-BO"/>
+          </a:p>
+        </p:txBody>
+      </p:sp>
+      <p:sp>
+        <p:nvSpPr>
+          <p:cNvPr id="3" name="Content Placeholder 2">
+            <a:extLst>
+              <a:ext uri="{FF2B5EF4-FFF2-40B4-BE49-F238E27FC236}">
+                <a16:creationId xmlns:a16="http://schemas.microsoft.com/office/drawing/2014/main" id="{1E19251E-7CA8-B940-A211-0FBBF778B768}"/>
+              </a:ext>
+            </a:extLst>
+          </p:cNvPr>
+          <p:cNvSpPr>
+            <a:spLocks noGrp="1"/>
+          </p:cNvSpPr>
+          <p:nvPr>
+            <p:ph idx="1"/>
+          </p:nvPr>
+        </p:nvSpPr>
+        <p:spPr/>
+        <p:txBody>
+          <a:bodyPr>
+            <a:normAutofit fontScale="85000" lnSpcReduction="20000"/>
+          </a:bodyPr>
+          <a:lstStyle/>
+          <a:p>
+            <a:pPr marL="0" indent="0" algn="just">
+              <a:buNone/>
+            </a:pPr>
+            <a:r>
+              <a:rPr lang="en-BO" b="1">
+                <a:solidFill>
+                  <a:schemeClr val="accent6">
+                    <a:lumMod val="75000"/>
+                  </a:schemeClr>
+                </a:solidFill>
+              </a:rPr>
+              <a:t>C#</a:t>
+            </a:r>
+            <a:r>
+              <a:rPr lang="en-BO"/>
+              <a:t> puede no ser un lenguaje muy orientado a la simplicidad como </a:t>
+            </a:r>
+            <a:r>
+              <a:rPr lang="en-BO" b="1">
+                <a:solidFill>
+                  <a:schemeClr val="accent6">
+                    <a:lumMod val="75000"/>
+                  </a:schemeClr>
+                </a:solidFill>
+              </a:rPr>
+              <a:t>Python</a:t>
+            </a:r>
+            <a:r>
+              <a:rPr lang="en-BO"/>
+              <a:t>, y su curva de aprendizaje, como la de </a:t>
+            </a:r>
+            <a:r>
+              <a:rPr lang="en-BO" b="1">
+                <a:solidFill>
+                  <a:schemeClr val="accent6">
+                    <a:lumMod val="75000"/>
+                  </a:schemeClr>
+                </a:solidFill>
+              </a:rPr>
+              <a:t>Java</a:t>
+            </a:r>
+            <a:r>
+              <a:rPr lang="en-BO"/>
+              <a:t>, puede ser bastante abrupta para los principiantes.</a:t>
+            </a:r>
+          </a:p>
+          <a:p>
+            <a:pPr marL="0" indent="0" algn="just">
+              <a:buNone/>
+            </a:pPr>
+            <a:endParaRPr lang="en-BO"/>
+          </a:p>
+          <a:p>
+            <a:pPr marL="0" indent="0" algn="just">
+              <a:buNone/>
+            </a:pPr>
+            <a:r>
+              <a:rPr lang="en-BO"/>
+              <a:t>Pero dada la amplitud de posibilidades de desarrollo existentes para .Net Core, vale la pena el esfuerzo en iniciarse en este lenguaje completo, eficiente y moderno. </a:t>
+            </a:r>
+          </a:p>
+          <a:p>
+            <a:pPr marL="0" indent="0" algn="just">
+              <a:buNone/>
+            </a:pPr>
+            <a:endParaRPr lang="en-BO"/>
+          </a:p>
+          <a:p>
+            <a:pPr marL="0" indent="0" algn="just">
+              <a:buNone/>
+            </a:pPr>
+            <a:r>
+              <a:rPr lang="en-BO"/>
+              <a:t>Este curso se enfoca en </a:t>
+            </a:r>
+            <a:r>
+              <a:rPr lang="en-BO" b="1">
+                <a:solidFill>
+                  <a:schemeClr val="accent6">
+                    <a:lumMod val="75000"/>
+                  </a:schemeClr>
+                </a:solidFill>
+              </a:rPr>
+              <a:t>enseñar C#</a:t>
+            </a:r>
+            <a:r>
+              <a:rPr lang="en-BO"/>
+              <a:t> desde un punto de vista práctico,  </a:t>
+            </a:r>
+            <a:r>
+              <a:rPr lang="en-BO" b="1">
+                <a:solidFill>
+                  <a:schemeClr val="accent6">
+                    <a:lumMod val="75000"/>
+                  </a:schemeClr>
+                </a:solidFill>
+              </a:rPr>
+              <a:t>usando los conceptos más simples y comunes a todos los lenguajes modernos</a:t>
+            </a:r>
+            <a:r>
+              <a:rPr lang="en-BO"/>
+              <a:t>, aprovechando las carecterísticas de las últimas versiones: </a:t>
+            </a:r>
+            <a:r>
+              <a:rPr lang="en-BO" b="1">
+                <a:solidFill>
+                  <a:schemeClr val="accent6">
+                    <a:lumMod val="75000"/>
+                  </a:schemeClr>
+                </a:solidFill>
+              </a:rPr>
+              <a:t>C# 7 y C# 8</a:t>
+            </a:r>
+            <a:r>
+              <a:rPr lang="en-BO"/>
+              <a:t>. Los temas obsoletos y complicados del lenguaje no son abordados (a tratarse en cursos más avanzados) para que el principiante pueda comenzar a escribir y experimentar con el lenguaje lo más rápido posible.</a:t>
+            </a:r>
+          </a:p>
+          <a:p>
+            <a:endParaRPr lang="en-BO"/>
+          </a:p>
+        </p:txBody>
+      </p:sp>
+    </p:spTree>
+    <p:extLst>
+      <p:ext uri="{BB962C8B-B14F-4D97-AF65-F5344CB8AC3E}">
+        <p14:creationId xmlns:p14="http://schemas.microsoft.com/office/powerpoint/2010/main" val="2484984634"/>
+      </p:ext>
+    </p:extLst>
+  </p:cSld>
+  <p:clrMapOvr>
+    <a:masterClrMapping/>
+  </p:clrMapOvr>
+</p:sld>
+</file>
+
 <file path=ppt/slides/slide4.xml><?xml version="1.0" encoding="utf-8"?>
 <p:sld xmlns:a="http://schemas.openxmlformats.org/drawingml/2006/main" xmlns:r="http://schemas.openxmlformats.org/officeDocument/2006/relationships" xmlns:p="http://schemas.openxmlformats.org/presentationml/2006/main">
   <p:cSld>
@@ -13179,6 +17316,2143 @@
     <p:extLst>
       <p:ext uri="{BB962C8B-B14F-4D97-AF65-F5344CB8AC3E}">
         <p14:creationId xmlns:p14="http://schemas.microsoft.com/office/powerpoint/2010/main" val="1168909353"/>
+      </p:ext>
+    </p:extLst>
+  </p:cSld>
+  <p:clrMapOvr>
+    <a:masterClrMapping/>
+  </p:clrMapOvr>
+</p:sld>
+</file>
+
+<file path=ppt/slides/slide40.xml><?xml version="1.0" encoding="utf-8"?>
+<p:sld xmlns:a="http://schemas.openxmlformats.org/drawingml/2006/main" xmlns:r="http://schemas.openxmlformats.org/officeDocument/2006/relationships" xmlns:p="http://schemas.openxmlformats.org/presentationml/2006/main">
+  <p:cSld>
+    <p:spTree>
+      <p:nvGrpSpPr>
+        <p:cNvPr id="1" name=""/>
+        <p:cNvGrpSpPr/>
+        <p:nvPr/>
+      </p:nvGrpSpPr>
+      <p:grpSpPr>
+        <a:xfrm>
+          <a:off x="0" y="0"/>
+          <a:ext cx="0" cy="0"/>
+          <a:chOff x="0" y="0"/>
+          <a:chExt cx="0" cy="0"/>
+        </a:xfrm>
+      </p:grpSpPr>
+      <p:sp>
+        <p:nvSpPr>
+          <p:cNvPr id="2" name="Title 1">
+            <a:extLst>
+              <a:ext uri="{FF2B5EF4-FFF2-40B4-BE49-F238E27FC236}">
+                <a16:creationId xmlns:a16="http://schemas.microsoft.com/office/drawing/2014/main" id="{E057B176-2C33-D240-9C13-8076CAC12CE6}"/>
+              </a:ext>
+            </a:extLst>
+          </p:cNvPr>
+          <p:cNvSpPr>
+            <a:spLocks noGrp="1"/>
+          </p:cNvSpPr>
+          <p:nvPr>
+            <p:ph type="title"/>
+          </p:nvPr>
+        </p:nvSpPr>
+        <p:spPr/>
+        <p:txBody>
+          <a:bodyPr/>
+          <a:lstStyle/>
+          <a:p>
+            <a:r>
+              <a:rPr lang="en-BO"/>
+              <a:t>Herramientas de desarrollo</a:t>
+            </a:r>
+          </a:p>
+        </p:txBody>
+      </p:sp>
+      <p:sp>
+        <p:nvSpPr>
+          <p:cNvPr id="3" name="Content Placeholder 2">
+            <a:extLst>
+              <a:ext uri="{FF2B5EF4-FFF2-40B4-BE49-F238E27FC236}">
+                <a16:creationId xmlns:a16="http://schemas.microsoft.com/office/drawing/2014/main" id="{3744B1F9-A113-AF4A-A887-C5314B7041A1}"/>
+              </a:ext>
+            </a:extLst>
+          </p:cNvPr>
+          <p:cNvSpPr>
+            <a:spLocks noGrp="1"/>
+          </p:cNvSpPr>
+          <p:nvPr>
+            <p:ph idx="1"/>
+          </p:nvPr>
+        </p:nvSpPr>
+        <p:spPr/>
+        <p:txBody>
+          <a:bodyPr>
+            <a:normAutofit fontScale="92500" lnSpcReduction="20000"/>
+          </a:bodyPr>
+          <a:lstStyle/>
+          <a:p>
+            <a:pPr marL="0" indent="0">
+              <a:buNone/>
+            </a:pPr>
+            <a:r>
+              <a:rPr lang="en-BO"/>
+              <a:t>Para escribir y ejecutar los programas C# con .Net Core, de este curso, necesitamos mínimamente los siguientes elementos:</a:t>
+            </a:r>
+          </a:p>
+          <a:p>
+            <a:pPr marL="0" indent="0">
+              <a:buNone/>
+            </a:pPr>
+            <a:endParaRPr lang="en-BO"/>
+          </a:p>
+          <a:p>
+            <a:r>
+              <a:rPr lang="en-BO"/>
+              <a:t>Computadora</a:t>
+            </a:r>
+            <a:r>
+              <a:rPr lang="en-BO" b="1">
+                <a:solidFill>
+                  <a:schemeClr val="accent6">
+                    <a:lumMod val="75000"/>
+                  </a:schemeClr>
+                </a:solidFill>
+              </a:rPr>
+              <a:t> Windows</a:t>
+            </a:r>
+            <a:r>
+              <a:rPr lang="en-BO"/>
+              <a:t>, </a:t>
+            </a:r>
+            <a:r>
+              <a:rPr lang="en-BO" b="1">
+                <a:solidFill>
+                  <a:schemeClr val="accent6">
+                    <a:lumMod val="75000"/>
+                  </a:schemeClr>
+                </a:solidFill>
+              </a:rPr>
+              <a:t>macOS </a:t>
+            </a:r>
+            <a:r>
+              <a:rPr lang="en-BO"/>
+              <a:t>o </a:t>
+            </a:r>
+            <a:r>
+              <a:rPr lang="en-BO" b="1">
+                <a:solidFill>
+                  <a:schemeClr val="accent6">
+                    <a:lumMod val="75000"/>
+                  </a:schemeClr>
+                </a:solidFill>
+              </a:rPr>
+              <a:t>Linux</a:t>
+            </a:r>
+            <a:r>
+              <a:rPr lang="en-BO"/>
+              <a:t> (Por Ej. </a:t>
+            </a:r>
+            <a:r>
+              <a:rPr lang="en-BO" b="1">
+                <a:solidFill>
+                  <a:schemeClr val="accent6">
+                    <a:lumMod val="75000"/>
+                  </a:schemeClr>
+                </a:solidFill>
+              </a:rPr>
+              <a:t>Ubuntu</a:t>
+            </a:r>
+            <a:r>
+              <a:rPr lang="en-BO"/>
+              <a:t>).</a:t>
+            </a:r>
+          </a:p>
+          <a:p>
+            <a:r>
+              <a:rPr lang="en-BO"/>
+              <a:t>El </a:t>
+            </a:r>
+            <a:r>
+              <a:rPr lang="en-BO" b="1">
+                <a:solidFill>
+                  <a:schemeClr val="accent6">
+                    <a:lumMod val="75000"/>
+                  </a:schemeClr>
+                </a:solidFill>
+              </a:rPr>
+              <a:t>sdk de .Net Core 3.1</a:t>
+            </a:r>
+            <a:r>
+              <a:rPr lang="en-BO"/>
+              <a:t>. instalado en la computadora.</a:t>
+            </a:r>
+          </a:p>
+          <a:p>
+            <a:r>
+              <a:rPr lang="en-BO"/>
+              <a:t>Un editor de texto, com </a:t>
+            </a:r>
+            <a:r>
+              <a:rPr lang="en-BO" b="1">
+                <a:solidFill>
+                  <a:schemeClr val="accent6">
+                    <a:lumMod val="75000"/>
+                  </a:schemeClr>
+                </a:solidFill>
+              </a:rPr>
+              <a:t>Notepad</a:t>
+            </a:r>
+            <a:r>
+              <a:rPr lang="en-BO"/>
+              <a:t> en </a:t>
+            </a:r>
+            <a:r>
+              <a:rPr lang="en-BO" b="1">
+                <a:solidFill>
+                  <a:schemeClr val="accent6">
+                    <a:lumMod val="75000"/>
+                  </a:schemeClr>
+                </a:solidFill>
+              </a:rPr>
+              <a:t>Windows</a:t>
+            </a:r>
+            <a:r>
+              <a:rPr lang="en-BO"/>
+              <a:t> o </a:t>
+            </a:r>
+            <a:r>
+              <a:rPr lang="en-BO" b="1">
+                <a:solidFill>
+                  <a:schemeClr val="accent6">
+                    <a:lumMod val="75000"/>
+                  </a:schemeClr>
+                </a:solidFill>
+              </a:rPr>
+              <a:t>Sublime Text </a:t>
+            </a:r>
+            <a:r>
+              <a:rPr lang="en-BO"/>
+              <a:t>en </a:t>
+            </a:r>
+            <a:r>
+              <a:rPr lang="en-BO" b="1">
+                <a:solidFill>
+                  <a:schemeClr val="accent6">
+                    <a:lumMod val="75000"/>
+                  </a:schemeClr>
+                </a:solidFill>
+              </a:rPr>
+              <a:t>macOS</a:t>
+            </a:r>
+            <a:r>
+              <a:rPr lang="en-BO"/>
+              <a:t>.</a:t>
+            </a:r>
+          </a:p>
+          <a:p>
+            <a:endParaRPr lang="en-BO"/>
+          </a:p>
+          <a:p>
+            <a:pPr marL="0" indent="0">
+              <a:buNone/>
+            </a:pPr>
+            <a:r>
+              <a:rPr lang="en-BO"/>
+              <a:t>Si bien esto sería suficiente, para hacer más fácil la tarea necesitamos además un </a:t>
+            </a:r>
+            <a:r>
+              <a:rPr lang="en-BO" b="1">
+                <a:solidFill>
+                  <a:schemeClr val="accent6">
+                    <a:lumMod val="75000"/>
+                  </a:schemeClr>
+                </a:solidFill>
+              </a:rPr>
+              <a:t>IDE (Entorno de Desarrollo Integrado) </a:t>
+            </a:r>
+            <a:r>
+              <a:rPr lang="en-BO"/>
+              <a:t>que nos posibilite </a:t>
+            </a:r>
+            <a:r>
+              <a:rPr lang="en-BO" b="1">
+                <a:solidFill>
+                  <a:schemeClr val="accent6">
+                    <a:lumMod val="75000"/>
+                  </a:schemeClr>
+                </a:solidFill>
+              </a:rPr>
+              <a:t>escribir el código </a:t>
+            </a:r>
+            <a:r>
+              <a:rPr lang="en-BO"/>
+              <a:t>con ayuda (editor de texto mejorado), que </a:t>
+            </a:r>
+            <a:r>
+              <a:rPr lang="en-BO" b="1">
+                <a:solidFill>
+                  <a:schemeClr val="accent6">
+                    <a:lumMod val="75000"/>
+                  </a:schemeClr>
+                </a:solidFill>
+              </a:rPr>
+              <a:t>compile</a:t>
+            </a:r>
+            <a:r>
+              <a:rPr lang="en-BO"/>
+              <a:t> nuestros programas y finalmente que los </a:t>
+            </a:r>
+            <a:r>
+              <a:rPr lang="en-BO" b="1">
+                <a:solidFill>
+                  <a:schemeClr val="accent6">
+                    <a:lumMod val="75000"/>
+                  </a:schemeClr>
+                </a:solidFill>
+              </a:rPr>
+              <a:t>ejecute</a:t>
+            </a:r>
+            <a:r>
+              <a:rPr lang="en-BO"/>
+              <a:t> en modo de depuración (</a:t>
+            </a:r>
+            <a:r>
+              <a:rPr lang="en-BO" b="1">
+                <a:solidFill>
+                  <a:schemeClr val="accent6">
+                    <a:lumMod val="75000"/>
+                  </a:schemeClr>
+                </a:solidFill>
+              </a:rPr>
+              <a:t>Debug</a:t>
+            </a:r>
+            <a:r>
+              <a:rPr lang="en-BO"/>
+              <a:t>) para visualizar resultados y corregir nuestros programas.</a:t>
+            </a:r>
+          </a:p>
+        </p:txBody>
+      </p:sp>
+    </p:spTree>
+    <p:extLst>
+      <p:ext uri="{BB962C8B-B14F-4D97-AF65-F5344CB8AC3E}">
+        <p14:creationId xmlns:p14="http://schemas.microsoft.com/office/powerpoint/2010/main" val="2076225523"/>
+      </p:ext>
+    </p:extLst>
+  </p:cSld>
+  <p:clrMapOvr>
+    <a:masterClrMapping/>
+  </p:clrMapOvr>
+</p:sld>
+</file>
+
+<file path=ppt/slides/slide41.xml><?xml version="1.0" encoding="utf-8"?>
+<p:sld xmlns:a="http://schemas.openxmlformats.org/drawingml/2006/main" xmlns:r="http://schemas.openxmlformats.org/officeDocument/2006/relationships" xmlns:p="http://schemas.openxmlformats.org/presentationml/2006/main">
+  <p:cSld>
+    <p:spTree>
+      <p:nvGrpSpPr>
+        <p:cNvPr id="1" name=""/>
+        <p:cNvGrpSpPr/>
+        <p:nvPr/>
+      </p:nvGrpSpPr>
+      <p:grpSpPr>
+        <a:xfrm>
+          <a:off x="0" y="0"/>
+          <a:ext cx="0" cy="0"/>
+          <a:chOff x="0" y="0"/>
+          <a:chExt cx="0" cy="0"/>
+        </a:xfrm>
+      </p:grpSpPr>
+      <p:sp>
+        <p:nvSpPr>
+          <p:cNvPr id="2" name="Title 1">
+            <a:extLst>
+              <a:ext uri="{FF2B5EF4-FFF2-40B4-BE49-F238E27FC236}">
+                <a16:creationId xmlns:a16="http://schemas.microsoft.com/office/drawing/2014/main" id="{A3E46556-E15D-A449-BC9C-3C944DFC3FEC}"/>
+              </a:ext>
+            </a:extLst>
+          </p:cNvPr>
+          <p:cNvSpPr>
+            <a:spLocks noGrp="1"/>
+          </p:cNvSpPr>
+          <p:nvPr>
+            <p:ph type="title"/>
+          </p:nvPr>
+        </p:nvSpPr>
+        <p:spPr/>
+        <p:txBody>
+          <a:bodyPr/>
+          <a:lstStyle/>
+          <a:p>
+            <a:r>
+              <a:rPr lang="en-BO"/>
+              <a:t>Try.dot.net</a:t>
+            </a:r>
+          </a:p>
+        </p:txBody>
+      </p:sp>
+      <p:sp>
+        <p:nvSpPr>
+          <p:cNvPr id="3" name="Content Placeholder 2">
+            <a:extLst>
+              <a:ext uri="{FF2B5EF4-FFF2-40B4-BE49-F238E27FC236}">
+                <a16:creationId xmlns:a16="http://schemas.microsoft.com/office/drawing/2014/main" id="{0B67F012-5592-0244-8A5A-3902C4C2DA5E}"/>
+              </a:ext>
+            </a:extLst>
+          </p:cNvPr>
+          <p:cNvSpPr>
+            <a:spLocks noGrp="1"/>
+          </p:cNvSpPr>
+          <p:nvPr>
+            <p:ph idx="1"/>
+          </p:nvPr>
+        </p:nvSpPr>
+        <p:spPr>
+          <a:xfrm>
+            <a:off x="838200" y="1877877"/>
+            <a:ext cx="5693229" cy="4351338"/>
+          </a:xfrm>
+        </p:spPr>
+        <p:txBody>
+          <a:bodyPr>
+            <a:normAutofit fontScale="92500" lnSpcReduction="10000"/>
+          </a:bodyPr>
+          <a:lstStyle/>
+          <a:p>
+            <a:pPr marL="0" indent="0" algn="just">
+              <a:buNone/>
+            </a:pPr>
+            <a:r>
+              <a:rPr lang="en-BO"/>
+              <a:t>También es posible usar una </a:t>
+            </a:r>
+            <a:r>
+              <a:rPr lang="en-BO" b="1">
+                <a:solidFill>
+                  <a:schemeClr val="accent6">
+                    <a:lumMod val="75000"/>
+                  </a:schemeClr>
+                </a:solidFill>
+              </a:rPr>
+              <a:t>herramienta en Internet </a:t>
+            </a:r>
+            <a:r>
+              <a:rPr lang="en-BO"/>
+              <a:t>que tiene el editor de C# y el ambiente terminal (consola) de ejecución.</a:t>
+            </a:r>
+          </a:p>
+          <a:p>
+            <a:pPr marL="0" indent="0" algn="just">
+              <a:buNone/>
+            </a:pPr>
+            <a:endParaRPr lang="en-BO"/>
+          </a:p>
+          <a:p>
+            <a:pPr marL="0" indent="0" algn="just">
+              <a:buNone/>
+            </a:pPr>
+            <a:r>
+              <a:rPr lang="en-BO"/>
+              <a:t>Para usar este entorno nos basta con tener una computadora con un navegador (</a:t>
+            </a:r>
+            <a:r>
+              <a:rPr lang="en-BO" b="1">
+                <a:solidFill>
+                  <a:schemeClr val="accent6">
+                    <a:lumMod val="75000"/>
+                  </a:schemeClr>
+                </a:solidFill>
+              </a:rPr>
+              <a:t>Browser</a:t>
+            </a:r>
+            <a:r>
+              <a:rPr lang="en-BO"/>
+              <a:t>) como </a:t>
+            </a:r>
+            <a:r>
+              <a:rPr lang="en-BO" b="1">
+                <a:solidFill>
+                  <a:schemeClr val="accent6">
+                    <a:lumMod val="75000"/>
+                  </a:schemeClr>
+                </a:solidFill>
+              </a:rPr>
+              <a:t>Chrome, Firefox, Opera, Safari, Edge </a:t>
+            </a:r>
+            <a:r>
+              <a:rPr lang="en-BO"/>
+              <a:t>o Internet Explorer. La dirección de esta herramienta es:</a:t>
+            </a:r>
+          </a:p>
+          <a:p>
+            <a:pPr marL="0" indent="0">
+              <a:buNone/>
+            </a:pPr>
+            <a:r>
+              <a:rPr lang="en-US"/>
+              <a:t>		</a:t>
+            </a:r>
+            <a:r>
+              <a:rPr lang="en-US" b="1">
+                <a:solidFill>
+                  <a:schemeClr val="accent6">
+                    <a:lumMod val="75000"/>
+                  </a:schemeClr>
+                </a:solidFill>
+              </a:rPr>
+              <a:t>https://try.dot.net/</a:t>
+            </a:r>
+            <a:endParaRPr lang="en-BO" b="1">
+              <a:solidFill>
+                <a:schemeClr val="accent6">
+                  <a:lumMod val="75000"/>
+                </a:schemeClr>
+              </a:solidFill>
+            </a:endParaRPr>
+          </a:p>
+        </p:txBody>
+      </p:sp>
+      <p:grpSp>
+        <p:nvGrpSpPr>
+          <p:cNvPr id="8" name="Group 7">
+            <a:extLst>
+              <a:ext uri="{FF2B5EF4-FFF2-40B4-BE49-F238E27FC236}">
+                <a16:creationId xmlns:a16="http://schemas.microsoft.com/office/drawing/2014/main" id="{19003CF1-C880-E441-8AA6-5535EE5DE713}"/>
+              </a:ext>
+            </a:extLst>
+          </p:cNvPr>
+          <p:cNvGrpSpPr/>
+          <p:nvPr/>
+        </p:nvGrpSpPr>
+        <p:grpSpPr>
+          <a:xfrm>
+            <a:off x="7377190" y="835998"/>
+            <a:ext cx="3717529" cy="5812996"/>
+            <a:chOff x="7342356" y="1045004"/>
+            <a:chExt cx="3717529" cy="5812996"/>
+          </a:xfrm>
+        </p:grpSpPr>
+        <p:pic>
+          <p:nvPicPr>
+            <p:cNvPr id="5" name="Picture 4" descr="A screenshot of a social media post&#10;&#10;Description automatically generated">
+              <a:extLst>
+                <a:ext uri="{FF2B5EF4-FFF2-40B4-BE49-F238E27FC236}">
+                  <a16:creationId xmlns:a16="http://schemas.microsoft.com/office/drawing/2014/main" id="{C934A61C-0E53-294B-85D4-830FB369A304}"/>
+                </a:ext>
+              </a:extLst>
+            </p:cNvPr>
+            <p:cNvPicPr>
+              <a:picLocks noChangeAspect="1"/>
+            </p:cNvPicPr>
+            <p:nvPr/>
+          </p:nvPicPr>
+          <p:blipFill>
+            <a:blip r:embed="rId3"/>
+            <a:stretch>
+              <a:fillRect/>
+            </a:stretch>
+          </p:blipFill>
+          <p:spPr>
+            <a:xfrm>
+              <a:off x="7342356" y="1045004"/>
+              <a:ext cx="3717529" cy="5812995"/>
+            </a:xfrm>
+            <a:prstGeom prst="rect">
+              <a:avLst/>
+            </a:prstGeom>
+          </p:spPr>
+        </p:pic>
+        <p:pic>
+          <p:nvPicPr>
+            <p:cNvPr id="7" name="Picture 6">
+              <a:extLst>
+                <a:ext uri="{FF2B5EF4-FFF2-40B4-BE49-F238E27FC236}">
+                  <a16:creationId xmlns:a16="http://schemas.microsoft.com/office/drawing/2014/main" id="{10CF365D-2602-9F4E-99A6-0D659C9135AF}"/>
+                </a:ext>
+              </a:extLst>
+            </p:cNvPr>
+            <p:cNvPicPr>
+              <a:picLocks noChangeAspect="1"/>
+            </p:cNvPicPr>
+            <p:nvPr/>
+          </p:nvPicPr>
+          <p:blipFill>
+            <a:blip r:embed="rId4"/>
+            <a:stretch>
+              <a:fillRect/>
+            </a:stretch>
+          </p:blipFill>
+          <p:spPr>
+            <a:xfrm>
+              <a:off x="7488473" y="6066630"/>
+              <a:ext cx="201196" cy="791370"/>
+            </a:xfrm>
+            <a:prstGeom prst="rect">
+              <a:avLst/>
+            </a:prstGeom>
+          </p:spPr>
+        </p:pic>
+      </p:grpSp>
+    </p:spTree>
+    <p:extLst>
+      <p:ext uri="{BB962C8B-B14F-4D97-AF65-F5344CB8AC3E}">
+        <p14:creationId xmlns:p14="http://schemas.microsoft.com/office/powerpoint/2010/main" val="526390264"/>
+      </p:ext>
+    </p:extLst>
+  </p:cSld>
+  <p:clrMapOvr>
+    <a:masterClrMapping/>
+  </p:clrMapOvr>
+</p:sld>
+</file>
+
+<file path=ppt/slides/slide42.xml><?xml version="1.0" encoding="utf-8"?>
+<p:sld xmlns:a="http://schemas.openxmlformats.org/drawingml/2006/main" xmlns:r="http://schemas.openxmlformats.org/officeDocument/2006/relationships" xmlns:p="http://schemas.openxmlformats.org/presentationml/2006/main">
+  <p:cSld>
+    <p:spTree>
+      <p:nvGrpSpPr>
+        <p:cNvPr id="1" name=""/>
+        <p:cNvGrpSpPr/>
+        <p:nvPr/>
+      </p:nvGrpSpPr>
+      <p:grpSpPr>
+        <a:xfrm>
+          <a:off x="0" y="0"/>
+          <a:ext cx="0" cy="0"/>
+          <a:chOff x="0" y="0"/>
+          <a:chExt cx="0" cy="0"/>
+        </a:xfrm>
+      </p:grpSpPr>
+      <p:sp>
+        <p:nvSpPr>
+          <p:cNvPr id="2" name="Title 1">
+            <a:extLst>
+              <a:ext uri="{FF2B5EF4-FFF2-40B4-BE49-F238E27FC236}">
+                <a16:creationId xmlns:a16="http://schemas.microsoft.com/office/drawing/2014/main" id="{F2B8D1FC-CED4-6C4D-BEE7-C33C36B1D06B}"/>
+              </a:ext>
+            </a:extLst>
+          </p:cNvPr>
+          <p:cNvSpPr>
+            <a:spLocks noGrp="1"/>
+          </p:cNvSpPr>
+          <p:nvPr>
+            <p:ph type="title"/>
+          </p:nvPr>
+        </p:nvSpPr>
+        <p:spPr/>
+        <p:txBody>
+          <a:bodyPr/>
+          <a:lstStyle/>
+          <a:p>
+            <a:r>
+              <a:rPr lang="en-BO"/>
+              <a:t>.Net Core sdk</a:t>
+            </a:r>
+          </a:p>
+        </p:txBody>
+      </p:sp>
+      <p:sp>
+        <p:nvSpPr>
+          <p:cNvPr id="3" name="Content Placeholder 2">
+            <a:extLst>
+              <a:ext uri="{FF2B5EF4-FFF2-40B4-BE49-F238E27FC236}">
+                <a16:creationId xmlns:a16="http://schemas.microsoft.com/office/drawing/2014/main" id="{40B76230-AF75-284A-B35A-8138B1B5EC24}"/>
+              </a:ext>
+            </a:extLst>
+          </p:cNvPr>
+          <p:cNvSpPr>
+            <a:spLocks noGrp="1"/>
+          </p:cNvSpPr>
+          <p:nvPr>
+            <p:ph idx="1"/>
+          </p:nvPr>
+        </p:nvSpPr>
+        <p:spPr>
+          <a:xfrm>
+            <a:off x="838200" y="1407614"/>
+            <a:ext cx="10515599" cy="882741"/>
+          </a:xfrm>
+        </p:spPr>
+        <p:txBody>
+          <a:bodyPr>
+            <a:normAutofit/>
+          </a:bodyPr>
+          <a:lstStyle/>
+          <a:p>
+            <a:pPr marL="0" indent="0">
+              <a:buNone/>
+            </a:pPr>
+            <a:r>
+              <a:rPr lang="en-BO" sz="2400"/>
+              <a:t>El sdk (</a:t>
+            </a:r>
+            <a:r>
+              <a:rPr lang="en-BO" sz="2400" b="1">
+                <a:solidFill>
+                  <a:schemeClr val="accent6">
+                    <a:lumMod val="75000"/>
+                  </a:schemeClr>
+                </a:solidFill>
+              </a:rPr>
+              <a:t>Software Development Kit</a:t>
+            </a:r>
+            <a:r>
+              <a:rPr lang="en-BO" sz="2400"/>
+              <a:t>) de </a:t>
+            </a:r>
+            <a:r>
+              <a:rPr lang="en-BO" sz="2400" b="1">
+                <a:solidFill>
+                  <a:schemeClr val="accent6">
+                    <a:lumMod val="75000"/>
+                  </a:schemeClr>
+                </a:solidFill>
+              </a:rPr>
+              <a:t>.Net Core </a:t>
+            </a:r>
+            <a:r>
+              <a:rPr lang="en-BO" sz="2400"/>
+              <a:t>puede ser bajado del siguiente sitio: 	</a:t>
+            </a:r>
+            <a:r>
+              <a:rPr lang="en-US" sz="2400" b="1">
+                <a:solidFill>
+                  <a:schemeClr val="accent6">
+                    <a:lumMod val="75000"/>
+                  </a:schemeClr>
+                </a:solidFill>
+              </a:rPr>
+              <a:t>https://dotnet.microsoft.com/download/dotnet-core/3.1</a:t>
+            </a:r>
+            <a:endParaRPr lang="en-BO" sz="2400" b="1">
+              <a:solidFill>
+                <a:schemeClr val="accent6">
+                  <a:lumMod val="75000"/>
+                </a:schemeClr>
+              </a:solidFill>
+            </a:endParaRPr>
+          </a:p>
+          <a:p>
+            <a:endParaRPr lang="en-BO"/>
+          </a:p>
+        </p:txBody>
+      </p:sp>
+      <p:grpSp>
+        <p:nvGrpSpPr>
+          <p:cNvPr id="11" name="Group 10">
+            <a:extLst>
+              <a:ext uri="{FF2B5EF4-FFF2-40B4-BE49-F238E27FC236}">
+                <a16:creationId xmlns:a16="http://schemas.microsoft.com/office/drawing/2014/main" id="{2E7C26EA-DD26-4144-AAEE-EE8B3F326AC4}"/>
+              </a:ext>
+            </a:extLst>
+          </p:cNvPr>
+          <p:cNvGrpSpPr/>
+          <p:nvPr/>
+        </p:nvGrpSpPr>
+        <p:grpSpPr>
+          <a:xfrm>
+            <a:off x="2305685" y="2290355"/>
+            <a:ext cx="7580630" cy="4370117"/>
+            <a:chOff x="1228090" y="2290355"/>
+            <a:chExt cx="7580630" cy="4370117"/>
+          </a:xfrm>
+        </p:grpSpPr>
+        <p:grpSp>
+          <p:nvGrpSpPr>
+            <p:cNvPr id="10" name="Group 9">
+              <a:extLst>
+                <a:ext uri="{FF2B5EF4-FFF2-40B4-BE49-F238E27FC236}">
+                  <a16:creationId xmlns:a16="http://schemas.microsoft.com/office/drawing/2014/main" id="{065555F3-3B91-2748-885E-2943B960F66C}"/>
+                </a:ext>
+              </a:extLst>
+            </p:cNvPr>
+            <p:cNvGrpSpPr/>
+            <p:nvPr/>
+          </p:nvGrpSpPr>
+          <p:grpSpPr>
+            <a:xfrm>
+              <a:off x="3383280" y="2290355"/>
+              <a:ext cx="5425440" cy="4370117"/>
+              <a:chOff x="3383280" y="2290355"/>
+              <a:chExt cx="5425440" cy="4370117"/>
+            </a:xfrm>
+          </p:grpSpPr>
+          <p:sp>
+            <p:nvSpPr>
+              <p:cNvPr id="7" name="Rectangle 6">
+                <a:extLst>
+                  <a:ext uri="{FF2B5EF4-FFF2-40B4-BE49-F238E27FC236}">
+                    <a16:creationId xmlns:a16="http://schemas.microsoft.com/office/drawing/2014/main" id="{CC07D048-AECD-9D44-9EEE-AA87ADCDEBB1}"/>
+                  </a:ext>
+                </a:extLst>
+              </p:cNvPr>
+              <p:cNvSpPr/>
+              <p:nvPr/>
+            </p:nvSpPr>
+            <p:spPr>
+              <a:xfrm>
+                <a:off x="3383280" y="2290355"/>
+                <a:ext cx="5425440" cy="4370117"/>
+              </a:xfrm>
+              <a:prstGeom prst="rect">
+                <a:avLst/>
+              </a:prstGeom>
+              <a:solidFill>
+                <a:srgbClr val="7030A0"/>
+              </a:solidFill>
+            </p:spPr>
+            <p:style>
+              <a:lnRef idx="1">
+                <a:schemeClr val="accent6"/>
+              </a:lnRef>
+              <a:fillRef idx="2">
+                <a:schemeClr val="accent6"/>
+              </a:fillRef>
+              <a:effectRef idx="1">
+                <a:schemeClr val="accent6"/>
+              </a:effectRef>
+              <a:fontRef idx="minor">
+                <a:schemeClr val="dk1"/>
+              </a:fontRef>
+            </p:style>
+            <p:txBody>
+              <a:bodyPr rtlCol="0" anchor="ctr"/>
+              <a:lstStyle/>
+              <a:p>
+                <a:pPr algn="ctr"/>
+                <a:endParaRPr lang="en-BO"/>
+              </a:p>
+            </p:txBody>
+          </p:sp>
+          <p:pic>
+            <p:nvPicPr>
+              <p:cNvPr id="6" name="Picture 5" descr="A screenshot of a cell phone&#10;&#10;Description automatically generated">
+                <a:extLst>
+                  <a:ext uri="{FF2B5EF4-FFF2-40B4-BE49-F238E27FC236}">
+                    <a16:creationId xmlns:a16="http://schemas.microsoft.com/office/drawing/2014/main" id="{D1F89D4B-78D9-034F-A313-93A0D068C1A6}"/>
+                  </a:ext>
+                </a:extLst>
+              </p:cNvPr>
+              <p:cNvPicPr>
+                <a:picLocks noChangeAspect="1"/>
+              </p:cNvPicPr>
+              <p:nvPr/>
+            </p:nvPicPr>
+            <p:blipFill>
+              <a:blip r:embed="rId2"/>
+              <a:stretch>
+                <a:fillRect/>
+              </a:stretch>
+            </p:blipFill>
+            <p:spPr>
+              <a:xfrm>
+                <a:off x="4400966" y="2339045"/>
+                <a:ext cx="3390068" cy="4272735"/>
+              </a:xfrm>
+              <a:prstGeom prst="rect">
+                <a:avLst/>
+              </a:prstGeom>
+            </p:spPr>
+          </p:pic>
+        </p:grpSp>
+        <p:pic>
+          <p:nvPicPr>
+            <p:cNvPr id="9" name="Picture 8" descr="A picture containing drawing&#10;&#10;Description automatically generated">
+              <a:extLst>
+                <a:ext uri="{FF2B5EF4-FFF2-40B4-BE49-F238E27FC236}">
+                  <a16:creationId xmlns:a16="http://schemas.microsoft.com/office/drawing/2014/main" id="{C6EFE823-1C5A-C049-903D-9110BAE0344A}"/>
+                </a:ext>
+              </a:extLst>
+            </p:cNvPr>
+            <p:cNvPicPr>
+              <a:picLocks noChangeAspect="1"/>
+            </p:cNvPicPr>
+            <p:nvPr/>
+          </p:nvPicPr>
+          <p:blipFill>
+            <a:blip r:embed="rId3"/>
+            <a:stretch>
+              <a:fillRect/>
+            </a:stretch>
+          </p:blipFill>
+          <p:spPr>
+            <a:xfrm>
+              <a:off x="1228090" y="3429000"/>
+              <a:ext cx="1765300" cy="1485900"/>
+            </a:xfrm>
+            <a:prstGeom prst="rect">
+              <a:avLst/>
+            </a:prstGeom>
+          </p:spPr>
+        </p:pic>
+      </p:grpSp>
+    </p:spTree>
+    <p:extLst>
+      <p:ext uri="{BB962C8B-B14F-4D97-AF65-F5344CB8AC3E}">
+        <p14:creationId xmlns:p14="http://schemas.microsoft.com/office/powerpoint/2010/main" val="302816708"/>
+      </p:ext>
+    </p:extLst>
+  </p:cSld>
+  <p:clrMapOvr>
+    <a:masterClrMapping/>
+  </p:clrMapOvr>
+</p:sld>
+</file>
+
+<file path=ppt/slides/slide43.xml><?xml version="1.0" encoding="utf-8"?>
+<p:sld xmlns:a="http://schemas.openxmlformats.org/drawingml/2006/main" xmlns:r="http://schemas.openxmlformats.org/officeDocument/2006/relationships" xmlns:p="http://schemas.openxmlformats.org/presentationml/2006/main">
+  <p:cSld>
+    <p:spTree>
+      <p:nvGrpSpPr>
+        <p:cNvPr id="1" name=""/>
+        <p:cNvGrpSpPr/>
+        <p:nvPr/>
+      </p:nvGrpSpPr>
+      <p:grpSpPr>
+        <a:xfrm>
+          <a:off x="0" y="0"/>
+          <a:ext cx="0" cy="0"/>
+          <a:chOff x="0" y="0"/>
+          <a:chExt cx="0" cy="0"/>
+        </a:xfrm>
+      </p:grpSpPr>
+      <p:sp>
+        <p:nvSpPr>
+          <p:cNvPr id="2" name="Title 1">
+            <a:extLst>
+              <a:ext uri="{FF2B5EF4-FFF2-40B4-BE49-F238E27FC236}">
+                <a16:creationId xmlns:a16="http://schemas.microsoft.com/office/drawing/2014/main" id="{EE4D9981-CE4C-1D49-974C-E88F8A871738}"/>
+              </a:ext>
+            </a:extLst>
+          </p:cNvPr>
+          <p:cNvSpPr>
+            <a:spLocks noGrp="1"/>
+          </p:cNvSpPr>
+          <p:nvPr>
+            <p:ph type="title"/>
+          </p:nvPr>
+        </p:nvSpPr>
+        <p:spPr/>
+        <p:txBody>
+          <a:bodyPr/>
+          <a:lstStyle/>
+          <a:p>
+            <a:r>
+              <a:rPr lang="en-BO"/>
+              <a:t>IDE para C# y .Net Core</a:t>
+            </a:r>
+          </a:p>
+        </p:txBody>
+      </p:sp>
+      <p:sp>
+        <p:nvSpPr>
+          <p:cNvPr id="3" name="Content Placeholder 2">
+            <a:extLst>
+              <a:ext uri="{FF2B5EF4-FFF2-40B4-BE49-F238E27FC236}">
+                <a16:creationId xmlns:a16="http://schemas.microsoft.com/office/drawing/2014/main" id="{03CE7B4B-6B5B-124C-9AB3-2D180F7F2B44}"/>
+              </a:ext>
+            </a:extLst>
+          </p:cNvPr>
+          <p:cNvSpPr>
+            <a:spLocks noGrp="1"/>
+          </p:cNvSpPr>
+          <p:nvPr>
+            <p:ph idx="1"/>
+          </p:nvPr>
+        </p:nvSpPr>
+        <p:spPr>
+          <a:xfrm>
+            <a:off x="838200" y="1973671"/>
+            <a:ext cx="6982097" cy="4351338"/>
+          </a:xfrm>
+        </p:spPr>
+        <p:txBody>
+          <a:bodyPr>
+            <a:normAutofit fontScale="62500" lnSpcReduction="20000"/>
+          </a:bodyPr>
+          <a:lstStyle/>
+          <a:p>
+            <a:pPr marL="0" indent="0" algn="just">
+              <a:buNone/>
+            </a:pPr>
+            <a:r>
+              <a:rPr lang="en-BO"/>
+              <a:t>Si bien ahora solo necesitamos un simple editor de texto, vamos a trabajar en este curso con </a:t>
+            </a:r>
+            <a:r>
+              <a:rPr lang="en-BO" b="1">
+                <a:solidFill>
+                  <a:schemeClr val="accent6">
+                    <a:lumMod val="75000"/>
+                  </a:schemeClr>
+                </a:solidFill>
+              </a:rPr>
+              <a:t>Try.Dot.Net </a:t>
+            </a:r>
+            <a:r>
+              <a:rPr lang="en-BO"/>
+              <a:t>y uno de los </a:t>
+            </a:r>
+            <a:r>
+              <a:rPr lang="en-BO" b="1">
+                <a:solidFill>
+                  <a:schemeClr val="accent6">
+                    <a:lumMod val="75000"/>
+                  </a:schemeClr>
+                </a:solidFill>
+              </a:rPr>
+              <a:t>IDEs</a:t>
+            </a:r>
+            <a:r>
+              <a:rPr lang="en-BO"/>
+              <a:t> (Entornos de Desarrollo Integrados) de </a:t>
+            </a:r>
+            <a:r>
+              <a:rPr lang="en-BO" b="1">
+                <a:solidFill>
+                  <a:schemeClr val="accent6">
+                    <a:lumMod val="75000"/>
+                  </a:schemeClr>
+                </a:solidFill>
+              </a:rPr>
+              <a:t>Microsoft</a:t>
+            </a:r>
+            <a:r>
+              <a:rPr lang="en-BO"/>
+              <a:t>.</a:t>
+            </a:r>
+          </a:p>
+          <a:p>
+            <a:pPr marL="0" indent="0">
+              <a:buNone/>
+            </a:pPr>
+            <a:endParaRPr lang="en-BO"/>
+          </a:p>
+          <a:p>
+            <a:pPr marL="0" indent="0">
+              <a:buNone/>
+            </a:pPr>
+            <a:r>
+              <a:rPr lang="en-BO"/>
+              <a:t>Para los IDEs tenemos las siguientes posibilidades:</a:t>
+            </a:r>
+          </a:p>
+          <a:p>
+            <a:pPr marL="0" indent="0">
+              <a:buNone/>
+            </a:pPr>
+            <a:endParaRPr lang="en-BO"/>
+          </a:p>
+          <a:p>
+            <a:r>
+              <a:rPr lang="en-BO" b="1">
+                <a:solidFill>
+                  <a:schemeClr val="accent6">
+                    <a:lumMod val="75000"/>
+                  </a:schemeClr>
+                </a:solidFill>
+              </a:rPr>
+              <a:t>Visual Studio Code</a:t>
+            </a:r>
+          </a:p>
+          <a:p>
+            <a:r>
+              <a:rPr lang="en-BO" b="1">
+                <a:solidFill>
+                  <a:schemeClr val="accent6">
+                    <a:lumMod val="75000"/>
+                  </a:schemeClr>
+                </a:solidFill>
+              </a:rPr>
+              <a:t>Visual Studio para Mac</a:t>
+            </a:r>
+          </a:p>
+          <a:p>
+            <a:r>
+              <a:rPr lang="en-BO" b="1">
+                <a:solidFill>
+                  <a:schemeClr val="accent6">
+                    <a:lumMod val="75000"/>
+                  </a:schemeClr>
+                </a:solidFill>
+              </a:rPr>
+              <a:t>Visual Studio Community 2019</a:t>
+            </a:r>
+          </a:p>
+          <a:p>
+            <a:r>
+              <a:rPr lang="en-BO" b="1">
+                <a:solidFill>
+                  <a:schemeClr val="accent6">
+                    <a:lumMod val="75000"/>
+                  </a:schemeClr>
+                </a:solidFill>
+              </a:rPr>
+              <a:t>Visual Studio Professional 2019</a:t>
+            </a:r>
+          </a:p>
+          <a:p>
+            <a:r>
+              <a:rPr lang="en-BO" b="1">
+                <a:solidFill>
+                  <a:schemeClr val="accent6">
+                    <a:lumMod val="75000"/>
+                  </a:schemeClr>
+                </a:solidFill>
+              </a:rPr>
+              <a:t>Visual Studio Enterprise 2019</a:t>
+            </a:r>
+          </a:p>
+          <a:p>
+            <a:endParaRPr lang="en-BO" b="1">
+              <a:solidFill>
+                <a:schemeClr val="accent6">
+                  <a:lumMod val="75000"/>
+                </a:schemeClr>
+              </a:solidFill>
+            </a:endParaRPr>
+          </a:p>
+          <a:p>
+            <a:pPr marL="0" indent="0" algn="just">
+              <a:buNone/>
+            </a:pPr>
+            <a:r>
+              <a:rPr lang="en-BO"/>
+              <a:t>Los tres primeros son gratuitos y a excepción de Visual Studio Code, las restantes tienen un ambiente visual para desarrollar aplicaciones con </a:t>
+            </a:r>
+            <a:r>
+              <a:rPr lang="en-BO" b="1">
+                <a:solidFill>
+                  <a:schemeClr val="accent6">
+                    <a:lumMod val="75000"/>
+                  </a:schemeClr>
+                </a:solidFill>
+              </a:rPr>
+              <a:t>GUI</a:t>
+            </a:r>
+            <a:r>
+              <a:rPr lang="en-BO"/>
+              <a:t> (Interface Gráfica de Usuario).</a:t>
+            </a:r>
+          </a:p>
+        </p:txBody>
+      </p:sp>
+      <p:pic>
+        <p:nvPicPr>
+          <p:cNvPr id="5" name="Picture 4" descr="A screenshot of a cell phone&#10;&#10;Description automatically generated">
+            <a:extLst>
+              <a:ext uri="{FF2B5EF4-FFF2-40B4-BE49-F238E27FC236}">
+                <a16:creationId xmlns:a16="http://schemas.microsoft.com/office/drawing/2014/main" id="{7547EFEE-FB40-DD44-9325-FB0D929EED51}"/>
+              </a:ext>
+            </a:extLst>
+          </p:cNvPr>
+          <p:cNvPicPr>
+            <a:picLocks noChangeAspect="1"/>
+          </p:cNvPicPr>
+          <p:nvPr/>
+        </p:nvPicPr>
+        <p:blipFill>
+          <a:blip r:embed="rId2"/>
+          <a:stretch>
+            <a:fillRect/>
+          </a:stretch>
+        </p:blipFill>
+        <p:spPr>
+          <a:xfrm>
+            <a:off x="8702038" y="914696"/>
+            <a:ext cx="2436223" cy="2791418"/>
+          </a:xfrm>
+          <a:prstGeom prst="rect">
+            <a:avLst/>
+          </a:prstGeom>
+        </p:spPr>
+      </p:pic>
+      <p:pic>
+        <p:nvPicPr>
+          <p:cNvPr id="7" name="Picture 6" descr="A screenshot of a cell phone&#10;&#10;Description automatically generated">
+            <a:extLst>
+              <a:ext uri="{FF2B5EF4-FFF2-40B4-BE49-F238E27FC236}">
+                <a16:creationId xmlns:a16="http://schemas.microsoft.com/office/drawing/2014/main" id="{7FC99A08-BF0F-DE44-AD31-F16711DA2FCE}"/>
+              </a:ext>
+            </a:extLst>
+          </p:cNvPr>
+          <p:cNvPicPr>
+            <a:picLocks noChangeAspect="1"/>
+          </p:cNvPicPr>
+          <p:nvPr/>
+        </p:nvPicPr>
+        <p:blipFill>
+          <a:blip r:embed="rId3"/>
+          <a:stretch>
+            <a:fillRect/>
+          </a:stretch>
+        </p:blipFill>
+        <p:spPr>
+          <a:xfrm>
+            <a:off x="8342811" y="3819324"/>
+            <a:ext cx="3010989" cy="2673551"/>
+          </a:xfrm>
+          <a:prstGeom prst="rect">
+            <a:avLst/>
+          </a:prstGeom>
+        </p:spPr>
+      </p:pic>
+      <p:sp>
+        <p:nvSpPr>
+          <p:cNvPr id="8" name="Rectangle 7">
+            <a:extLst>
+              <a:ext uri="{FF2B5EF4-FFF2-40B4-BE49-F238E27FC236}">
+                <a16:creationId xmlns:a16="http://schemas.microsoft.com/office/drawing/2014/main" id="{66F5CB11-9663-F947-8490-F40584C8171D}"/>
+              </a:ext>
+            </a:extLst>
+          </p:cNvPr>
+          <p:cNvSpPr/>
+          <p:nvPr/>
+        </p:nvSpPr>
+        <p:spPr>
+          <a:xfrm>
+            <a:off x="3896338" y="2597777"/>
+            <a:ext cx="3923959" cy="369332"/>
+          </a:xfrm>
+          <a:prstGeom prst="rect">
+            <a:avLst/>
+          </a:prstGeom>
+        </p:spPr>
+        <p:txBody>
+          <a:bodyPr wrap="none">
+            <a:spAutoFit/>
+          </a:bodyPr>
+          <a:lstStyle/>
+          <a:p>
+            <a:r>
+              <a:rPr lang="en-BO" b="1">
+                <a:solidFill>
+                  <a:schemeClr val="accent6">
+                    <a:lumMod val="75000"/>
+                  </a:schemeClr>
+                </a:solidFill>
+              </a:rPr>
+              <a:t>https://visualstudio.microsoft.com/es/</a:t>
+            </a:r>
+          </a:p>
+        </p:txBody>
+      </p:sp>
+    </p:spTree>
+    <p:extLst>
+      <p:ext uri="{BB962C8B-B14F-4D97-AF65-F5344CB8AC3E}">
+        <p14:creationId xmlns:p14="http://schemas.microsoft.com/office/powerpoint/2010/main" val="4074258635"/>
+      </p:ext>
+    </p:extLst>
+  </p:cSld>
+  <p:clrMapOvr>
+    <a:masterClrMapping/>
+  </p:clrMapOvr>
+</p:sld>
+</file>
+
+<file path=ppt/slides/slide44.xml><?xml version="1.0" encoding="utf-8"?>
+<p:sld xmlns:a="http://schemas.openxmlformats.org/drawingml/2006/main" xmlns:r="http://schemas.openxmlformats.org/officeDocument/2006/relationships" xmlns:p="http://schemas.openxmlformats.org/presentationml/2006/main">
+  <p:cSld>
+    <p:spTree>
+      <p:nvGrpSpPr>
+        <p:cNvPr id="1" name=""/>
+        <p:cNvGrpSpPr/>
+        <p:nvPr/>
+      </p:nvGrpSpPr>
+      <p:grpSpPr>
+        <a:xfrm>
+          <a:off x="0" y="0"/>
+          <a:ext cx="0" cy="0"/>
+          <a:chOff x="0" y="0"/>
+          <a:chExt cx="0" cy="0"/>
+        </a:xfrm>
+      </p:grpSpPr>
+      <p:sp>
+        <p:nvSpPr>
+          <p:cNvPr id="2" name="Title 1">
+            <a:extLst>
+              <a:ext uri="{FF2B5EF4-FFF2-40B4-BE49-F238E27FC236}">
+                <a16:creationId xmlns:a16="http://schemas.microsoft.com/office/drawing/2014/main" id="{EE4D9981-CE4C-1D49-974C-E88F8A871738}"/>
+              </a:ext>
+            </a:extLst>
+          </p:cNvPr>
+          <p:cNvSpPr>
+            <a:spLocks noGrp="1"/>
+          </p:cNvSpPr>
+          <p:nvPr>
+            <p:ph type="title"/>
+          </p:nvPr>
+        </p:nvSpPr>
+        <p:spPr/>
+        <p:txBody>
+          <a:bodyPr/>
+          <a:lstStyle/>
+          <a:p>
+            <a:r>
+              <a:rPr lang="en-BO"/>
+              <a:t>Visual Studio Code</a:t>
+            </a:r>
+          </a:p>
+        </p:txBody>
+      </p:sp>
+      <p:sp>
+        <p:nvSpPr>
+          <p:cNvPr id="3" name="Content Placeholder 2">
+            <a:extLst>
+              <a:ext uri="{FF2B5EF4-FFF2-40B4-BE49-F238E27FC236}">
+                <a16:creationId xmlns:a16="http://schemas.microsoft.com/office/drawing/2014/main" id="{03CE7B4B-6B5B-124C-9AB3-2D180F7F2B44}"/>
+              </a:ext>
+            </a:extLst>
+          </p:cNvPr>
+          <p:cNvSpPr>
+            <a:spLocks noGrp="1"/>
+          </p:cNvSpPr>
+          <p:nvPr>
+            <p:ph idx="1"/>
+          </p:nvPr>
+        </p:nvSpPr>
+        <p:spPr>
+          <a:xfrm>
+            <a:off x="838199" y="1411083"/>
+            <a:ext cx="6895011" cy="4832963"/>
+          </a:xfrm>
+        </p:spPr>
+        <p:txBody>
+          <a:bodyPr>
+            <a:normAutofit fontScale="92500" lnSpcReduction="10000"/>
+          </a:bodyPr>
+          <a:lstStyle/>
+          <a:p>
+            <a:pPr marL="0" indent="0" algn="just">
+              <a:buNone/>
+            </a:pPr>
+            <a:r>
+              <a:rPr lang="en-BO" b="1">
+                <a:solidFill>
+                  <a:schemeClr val="accent6">
+                    <a:lumMod val="75000"/>
+                  </a:schemeClr>
+                </a:solidFill>
+              </a:rPr>
+              <a:t>Visual Studio Code</a:t>
+            </a:r>
+            <a:r>
+              <a:rPr lang="en-BO"/>
+              <a:t> se ha convertido en el editor más popular multipropósito de los últimos tiempos y no solo se lo utiliza para </a:t>
+            </a:r>
+            <a:r>
+              <a:rPr lang="en-BO" b="1">
+                <a:solidFill>
+                  <a:schemeClr val="accent6">
+                    <a:lumMod val="75000"/>
+                  </a:schemeClr>
+                </a:solidFill>
+              </a:rPr>
+              <a:t>codificar en C#</a:t>
+            </a:r>
+            <a:r>
+              <a:rPr lang="en-BO"/>
+              <a:t>, sino que para una gran variedad de lenguajes como </a:t>
+            </a:r>
+            <a:r>
+              <a:rPr lang="en-BO" b="1">
+                <a:solidFill>
+                  <a:schemeClr val="accent6">
+                    <a:lumMod val="75000"/>
+                  </a:schemeClr>
+                </a:solidFill>
+              </a:rPr>
+              <a:t>Python y Java</a:t>
+            </a:r>
+            <a:r>
+              <a:rPr lang="en-BO"/>
+              <a:t>. Se lo puede instalar en </a:t>
+            </a:r>
+            <a:r>
+              <a:rPr lang="en-BO" b="1">
+                <a:solidFill>
+                  <a:schemeClr val="accent6">
+                    <a:lumMod val="75000"/>
+                  </a:schemeClr>
+                </a:solidFill>
+              </a:rPr>
+              <a:t>macOS</a:t>
+            </a:r>
+            <a:r>
+              <a:rPr lang="en-BO"/>
+              <a:t>, </a:t>
+            </a:r>
+            <a:r>
+              <a:rPr lang="en-BO" b="1">
+                <a:solidFill>
+                  <a:schemeClr val="accent6">
+                    <a:lumMod val="75000"/>
+                  </a:schemeClr>
+                </a:solidFill>
+              </a:rPr>
+              <a:t>Windows</a:t>
+            </a:r>
+            <a:r>
+              <a:rPr lang="en-BO"/>
+              <a:t> y </a:t>
+            </a:r>
+            <a:r>
+              <a:rPr lang="en-BO" b="1">
+                <a:solidFill>
+                  <a:schemeClr val="accent6">
+                    <a:lumMod val="75000"/>
+                  </a:schemeClr>
+                </a:solidFill>
+              </a:rPr>
+              <a:t>Linux</a:t>
+            </a:r>
+            <a:r>
+              <a:rPr lang="en-BO"/>
+              <a:t>. En Ubuntu  viene preinstalado en los últimos instaladores.</a:t>
+            </a:r>
+          </a:p>
+          <a:p>
+            <a:pPr marL="0" indent="0">
+              <a:buNone/>
+            </a:pPr>
+            <a:endParaRPr lang="en-BO"/>
+          </a:p>
+          <a:p>
+            <a:pPr marL="0" indent="0" algn="just">
+              <a:buNone/>
+            </a:pPr>
+            <a:r>
+              <a:rPr lang="en-BO"/>
+              <a:t>Incluso se lo usa ampliamente en el desarrollo de sitios Web con </a:t>
+            </a:r>
+            <a:r>
+              <a:rPr lang="en-BO" b="1">
+                <a:solidFill>
+                  <a:schemeClr val="accent6">
+                    <a:lumMod val="75000"/>
+                  </a:schemeClr>
+                </a:solidFill>
+              </a:rPr>
+              <a:t>HTML, JavaScript, Angular, React y Vue.js</a:t>
+            </a:r>
+          </a:p>
+          <a:p>
+            <a:pPr marL="0" indent="0" algn="just">
+              <a:buNone/>
+            </a:pPr>
+            <a:endParaRPr lang="en-BO" b="1">
+              <a:solidFill>
+                <a:schemeClr val="accent6">
+                  <a:lumMod val="75000"/>
+                </a:schemeClr>
+              </a:solidFill>
+            </a:endParaRPr>
+          </a:p>
+          <a:p>
+            <a:pPr marL="0" indent="0" algn="just">
+              <a:buNone/>
+            </a:pPr>
+            <a:r>
+              <a:rPr lang="en-US" b="1">
+                <a:solidFill>
+                  <a:schemeClr val="accent6">
+                    <a:lumMod val="75000"/>
+                  </a:schemeClr>
+                </a:solidFill>
+              </a:rPr>
+              <a:t>	https://code.visualstudio.com/</a:t>
+            </a:r>
+            <a:endParaRPr lang="en-BO" b="1">
+              <a:solidFill>
+                <a:schemeClr val="accent6">
+                  <a:lumMod val="75000"/>
+                </a:schemeClr>
+              </a:solidFill>
+            </a:endParaRPr>
+          </a:p>
+          <a:p>
+            <a:pPr marL="0" indent="0">
+              <a:buNone/>
+            </a:pPr>
+            <a:endParaRPr lang="en-BO"/>
+          </a:p>
+        </p:txBody>
+      </p:sp>
+      <p:pic>
+        <p:nvPicPr>
+          <p:cNvPr id="6" name="Picture 5" descr="A screenshot of a cell phone&#10;&#10;Description automatically generated">
+            <a:extLst>
+              <a:ext uri="{FF2B5EF4-FFF2-40B4-BE49-F238E27FC236}">
+                <a16:creationId xmlns:a16="http://schemas.microsoft.com/office/drawing/2014/main" id="{06343DA5-9CDA-6445-85AF-02C19FDC9965}"/>
+              </a:ext>
+            </a:extLst>
+          </p:cNvPr>
+          <p:cNvPicPr>
+            <a:picLocks noChangeAspect="1"/>
+          </p:cNvPicPr>
+          <p:nvPr/>
+        </p:nvPicPr>
+        <p:blipFill>
+          <a:blip r:embed="rId2"/>
+          <a:stretch>
+            <a:fillRect/>
+          </a:stretch>
+        </p:blipFill>
+        <p:spPr>
+          <a:xfrm>
+            <a:off x="8120616" y="1411083"/>
+            <a:ext cx="3148510" cy="4832963"/>
+          </a:xfrm>
+          <a:prstGeom prst="rect">
+            <a:avLst/>
+          </a:prstGeom>
+        </p:spPr>
+      </p:pic>
+    </p:spTree>
+    <p:extLst>
+      <p:ext uri="{BB962C8B-B14F-4D97-AF65-F5344CB8AC3E}">
+        <p14:creationId xmlns:p14="http://schemas.microsoft.com/office/powerpoint/2010/main" val="3236580295"/>
+      </p:ext>
+    </p:extLst>
+  </p:cSld>
+  <p:clrMapOvr>
+    <a:masterClrMapping/>
+  </p:clrMapOvr>
+</p:sld>
+</file>
+
+<file path=ppt/slides/slide45.xml><?xml version="1.0" encoding="utf-8"?>
+<p:sld xmlns:a="http://schemas.openxmlformats.org/drawingml/2006/main" xmlns:r="http://schemas.openxmlformats.org/officeDocument/2006/relationships" xmlns:p="http://schemas.openxmlformats.org/presentationml/2006/main">
+  <p:cSld>
+    <p:spTree>
+      <p:nvGrpSpPr>
+        <p:cNvPr id="1" name=""/>
+        <p:cNvGrpSpPr/>
+        <p:nvPr/>
+      </p:nvGrpSpPr>
+      <p:grpSpPr>
+        <a:xfrm>
+          <a:off x="0" y="0"/>
+          <a:ext cx="0" cy="0"/>
+          <a:chOff x="0" y="0"/>
+          <a:chExt cx="0" cy="0"/>
+        </a:xfrm>
+      </p:grpSpPr>
+      <p:sp>
+        <p:nvSpPr>
+          <p:cNvPr id="2" name="Title 1">
+            <a:extLst>
+              <a:ext uri="{FF2B5EF4-FFF2-40B4-BE49-F238E27FC236}">
+                <a16:creationId xmlns:a16="http://schemas.microsoft.com/office/drawing/2014/main" id="{4E1DE2C1-4F79-314C-BE72-CF3514E49A1E}"/>
+              </a:ext>
+            </a:extLst>
+          </p:cNvPr>
+          <p:cNvSpPr>
+            <a:spLocks noGrp="1"/>
+          </p:cNvSpPr>
+          <p:nvPr>
+            <p:ph type="title"/>
+          </p:nvPr>
+        </p:nvSpPr>
+        <p:spPr/>
+        <p:txBody>
+          <a:bodyPr/>
+          <a:lstStyle/>
+          <a:p>
+            <a:r>
+              <a:rPr lang="en-BO"/>
+              <a:t>Visual Studio Code - CLI</a:t>
+            </a:r>
+          </a:p>
+        </p:txBody>
+      </p:sp>
+      <p:sp>
+        <p:nvSpPr>
+          <p:cNvPr id="3" name="Content Placeholder 2">
+            <a:extLst>
+              <a:ext uri="{FF2B5EF4-FFF2-40B4-BE49-F238E27FC236}">
+                <a16:creationId xmlns:a16="http://schemas.microsoft.com/office/drawing/2014/main" id="{8AFE81A7-2CA5-324F-9CFF-AD990B4DBC71}"/>
+              </a:ext>
+            </a:extLst>
+          </p:cNvPr>
+          <p:cNvSpPr>
+            <a:spLocks noGrp="1"/>
+          </p:cNvSpPr>
+          <p:nvPr>
+            <p:ph idx="1"/>
+          </p:nvPr>
+        </p:nvSpPr>
+        <p:spPr/>
+        <p:txBody>
+          <a:bodyPr>
+            <a:normAutofit fontScale="77500" lnSpcReduction="20000"/>
+          </a:bodyPr>
+          <a:lstStyle/>
+          <a:p>
+            <a:pPr marL="0" indent="0">
+              <a:buNone/>
+            </a:pPr>
+            <a:endParaRPr lang="en-BO"/>
+          </a:p>
+          <a:p>
+            <a:pPr marL="0" indent="0">
+              <a:buNone/>
+            </a:pPr>
+            <a:r>
+              <a:rPr lang="en-BO"/>
+              <a:t>Si bien la herramientas gratuitas más completas, como </a:t>
+            </a:r>
+            <a:r>
+              <a:rPr lang="en-BO" b="1">
+                <a:solidFill>
+                  <a:schemeClr val="accent6">
+                    <a:lumMod val="75000"/>
+                  </a:schemeClr>
+                </a:solidFill>
+              </a:rPr>
+              <a:t>Visual Studio Community 2019</a:t>
+            </a:r>
+            <a:r>
+              <a:rPr lang="en-BO"/>
+              <a:t> y </a:t>
+            </a:r>
+            <a:r>
+              <a:rPr lang="en-BO" b="1">
+                <a:solidFill>
+                  <a:schemeClr val="accent6">
+                    <a:lumMod val="75000"/>
+                  </a:schemeClr>
+                </a:solidFill>
+              </a:rPr>
+              <a:t>Visual Studio para Mac</a:t>
+            </a:r>
+            <a:r>
+              <a:rPr lang="en-BO"/>
+              <a:t>, son más fáciles de usar, en este curso haremos uso únicamente de </a:t>
+            </a:r>
+            <a:r>
+              <a:rPr lang="en-BO" b="1">
+                <a:solidFill>
+                  <a:schemeClr val="accent6">
+                    <a:lumMod val="75000"/>
+                  </a:schemeClr>
+                </a:solidFill>
+              </a:rPr>
+              <a:t>Visual Studio Code</a:t>
+            </a:r>
+            <a:r>
+              <a:rPr lang="en-BO"/>
+              <a:t>.</a:t>
+            </a:r>
+          </a:p>
+          <a:p>
+            <a:pPr marL="0" indent="0">
+              <a:buNone/>
+            </a:pPr>
+            <a:endParaRPr lang="en-BO"/>
+          </a:p>
+          <a:p>
+            <a:pPr marL="0" indent="0">
+              <a:buNone/>
+            </a:pPr>
+            <a:r>
+              <a:rPr lang="en-BO" b="1">
+                <a:solidFill>
+                  <a:schemeClr val="accent6">
+                    <a:lumMod val="75000"/>
+                  </a:schemeClr>
+                </a:solidFill>
+              </a:rPr>
+              <a:t>Visual Studio Code</a:t>
+            </a:r>
+            <a:r>
+              <a:rPr lang="en-BO"/>
+              <a:t> no tiene las herramientas gráficas y de prueba de los demás IDEs de Microsoft, ni herramientas de prueba, ejecución y diagnóstico sofisticadas, pero es ideal para </a:t>
+            </a:r>
+            <a:r>
+              <a:rPr lang="en-BO" b="1">
+                <a:solidFill>
+                  <a:schemeClr val="accent6">
+                    <a:lumMod val="75000"/>
+                  </a:schemeClr>
+                </a:solidFill>
+              </a:rPr>
+              <a:t>iniciarse en la codificación </a:t>
+            </a:r>
+            <a:r>
+              <a:rPr lang="en-BO"/>
+              <a:t>ya que permite trabajar con el </a:t>
+            </a:r>
+            <a:r>
+              <a:rPr lang="en-BO" b="1">
+                <a:solidFill>
+                  <a:schemeClr val="accent6">
+                    <a:lumMod val="75000"/>
+                  </a:schemeClr>
+                </a:solidFill>
+              </a:rPr>
+              <a:t>CLI (Interface de Línea de Comando) </a:t>
+            </a:r>
+            <a:r>
+              <a:rPr lang="en-BO"/>
+              <a:t>de .Net directamente para una mejor comprensión del entorno </a:t>
+            </a:r>
+            <a:r>
+              <a:rPr lang="en-BO" b="1">
+                <a:solidFill>
+                  <a:schemeClr val="accent6">
+                    <a:lumMod val="75000"/>
+                  </a:schemeClr>
+                </a:solidFill>
+              </a:rPr>
+              <a:t>.Net Core</a:t>
+            </a:r>
+            <a:r>
+              <a:rPr lang="en-BO"/>
+              <a:t>.</a:t>
+            </a:r>
+          </a:p>
+          <a:p>
+            <a:pPr marL="0" indent="0">
+              <a:buNone/>
+            </a:pPr>
+            <a:endParaRPr lang="en-BO"/>
+          </a:p>
+          <a:p>
+            <a:pPr marL="0" indent="0">
+              <a:buNone/>
+            </a:pPr>
+            <a:r>
+              <a:rPr lang="en-BO"/>
+              <a:t>Además permitirá a los alumnos de este curso trabajar en cualquiera de los tres sistemas operativos actuales, </a:t>
+            </a:r>
+            <a:r>
+              <a:rPr lang="en-BO" b="1">
+                <a:solidFill>
+                  <a:schemeClr val="accent6">
+                    <a:lumMod val="75000"/>
+                  </a:schemeClr>
+                </a:solidFill>
+              </a:rPr>
+              <a:t>macOS</a:t>
+            </a:r>
+            <a:r>
+              <a:rPr lang="en-BO"/>
+              <a:t>, </a:t>
+            </a:r>
+            <a:r>
+              <a:rPr lang="en-BO" b="1">
+                <a:solidFill>
+                  <a:schemeClr val="accent6">
+                    <a:lumMod val="75000"/>
+                  </a:schemeClr>
+                </a:solidFill>
+              </a:rPr>
+              <a:t>Windows</a:t>
+            </a:r>
+            <a:r>
+              <a:rPr lang="en-BO"/>
+              <a:t> y </a:t>
+            </a:r>
+            <a:r>
+              <a:rPr lang="en-BO" b="1">
+                <a:solidFill>
+                  <a:schemeClr val="accent6">
+                    <a:lumMod val="75000"/>
+                  </a:schemeClr>
+                </a:solidFill>
+              </a:rPr>
+              <a:t>Linux</a:t>
+            </a:r>
+            <a:r>
+              <a:rPr lang="en-BO"/>
+              <a:t>.</a:t>
+            </a:r>
+          </a:p>
+          <a:p>
+            <a:pPr marL="0" indent="0">
+              <a:buNone/>
+            </a:pPr>
+            <a:r>
+              <a:rPr lang="en-BO"/>
+              <a:t> </a:t>
+            </a:r>
+          </a:p>
+          <a:p>
+            <a:pPr marL="0" indent="0">
+              <a:buNone/>
+            </a:pPr>
+            <a:endParaRPr lang="en-BO"/>
+          </a:p>
+        </p:txBody>
+      </p:sp>
+    </p:spTree>
+    <p:extLst>
+      <p:ext uri="{BB962C8B-B14F-4D97-AF65-F5344CB8AC3E}">
+        <p14:creationId xmlns:p14="http://schemas.microsoft.com/office/powerpoint/2010/main" val="1657504490"/>
+      </p:ext>
+    </p:extLst>
+  </p:cSld>
+  <p:clrMapOvr>
+    <a:masterClrMapping/>
+  </p:clrMapOvr>
+</p:sld>
+</file>
+
+<file path=ppt/slides/slide46.xml><?xml version="1.0" encoding="utf-8"?>
+<p:sld xmlns:a="http://schemas.openxmlformats.org/drawingml/2006/main" xmlns:r="http://schemas.openxmlformats.org/officeDocument/2006/relationships" xmlns:p="http://schemas.openxmlformats.org/presentationml/2006/main">
+  <p:cSld>
+    <p:spTree>
+      <p:nvGrpSpPr>
+        <p:cNvPr id="1" name=""/>
+        <p:cNvGrpSpPr/>
+        <p:nvPr/>
+      </p:nvGrpSpPr>
+      <p:grpSpPr>
+        <a:xfrm>
+          <a:off x="0" y="0"/>
+          <a:ext cx="0" cy="0"/>
+          <a:chOff x="0" y="0"/>
+          <a:chExt cx="0" cy="0"/>
+        </a:xfrm>
+      </p:grpSpPr>
+      <p:sp>
+        <p:nvSpPr>
+          <p:cNvPr id="2" name="Title 1">
+            <a:extLst>
+              <a:ext uri="{FF2B5EF4-FFF2-40B4-BE49-F238E27FC236}">
+                <a16:creationId xmlns:a16="http://schemas.microsoft.com/office/drawing/2014/main" id="{8F0AF177-867E-5847-8C42-A8187F126BA5}"/>
+              </a:ext>
+            </a:extLst>
+          </p:cNvPr>
+          <p:cNvSpPr>
+            <a:spLocks noGrp="1"/>
+          </p:cNvSpPr>
+          <p:nvPr>
+            <p:ph type="title"/>
+          </p:nvPr>
+        </p:nvSpPr>
+        <p:spPr/>
+        <p:txBody>
+          <a:bodyPr/>
+          <a:lstStyle/>
+          <a:p>
+            <a:r>
+              <a:rPr lang="en-BO"/>
+              <a:t>Visual Studio Code - Extensiones</a:t>
+            </a:r>
+          </a:p>
+        </p:txBody>
+      </p:sp>
+      <p:sp>
+        <p:nvSpPr>
+          <p:cNvPr id="3" name="Content Placeholder 2">
+            <a:extLst>
+              <a:ext uri="{FF2B5EF4-FFF2-40B4-BE49-F238E27FC236}">
+                <a16:creationId xmlns:a16="http://schemas.microsoft.com/office/drawing/2014/main" id="{F6B874C8-9B80-ED48-929F-B535F78DECA6}"/>
+              </a:ext>
+            </a:extLst>
+          </p:cNvPr>
+          <p:cNvSpPr>
+            <a:spLocks noGrp="1"/>
+          </p:cNvSpPr>
+          <p:nvPr>
+            <p:ph idx="1"/>
+          </p:nvPr>
+        </p:nvSpPr>
+        <p:spPr>
+          <a:xfrm>
+            <a:off x="838200" y="1825625"/>
+            <a:ext cx="4892040" cy="4351338"/>
+          </a:xfrm>
+        </p:spPr>
+        <p:txBody>
+          <a:bodyPr>
+            <a:normAutofit fontScale="70000" lnSpcReduction="20000"/>
+          </a:bodyPr>
+          <a:lstStyle/>
+          <a:p>
+            <a:pPr marL="0" indent="0">
+              <a:buNone/>
+            </a:pPr>
+            <a:endParaRPr lang="en-BO"/>
+          </a:p>
+          <a:p>
+            <a:pPr marL="0" indent="0" algn="just">
+              <a:buNone/>
+            </a:pPr>
+            <a:r>
+              <a:rPr lang="en-BO" b="1">
+                <a:solidFill>
+                  <a:schemeClr val="accent6">
+                    <a:lumMod val="75000"/>
+                  </a:schemeClr>
+                </a:solidFill>
+              </a:rPr>
+              <a:t>Visual Studio Code</a:t>
+            </a:r>
+            <a:r>
+              <a:rPr lang="en-BO"/>
+              <a:t>, tiene un diseño muy modular que permite adaptarlo y mejorarlo según las distintas necesidades y entornos, instalando las </a:t>
+            </a:r>
+            <a:r>
+              <a:rPr lang="en-BO" b="1">
+                <a:solidFill>
+                  <a:schemeClr val="accent6">
+                    <a:lumMod val="75000"/>
+                  </a:schemeClr>
+                </a:solidFill>
+              </a:rPr>
+              <a:t>extensiones necesarias </a:t>
+            </a:r>
+            <a:r>
+              <a:rPr lang="en-BO"/>
+              <a:t>de una gran librearía.</a:t>
+            </a:r>
+          </a:p>
+          <a:p>
+            <a:pPr marL="0" indent="0" algn="just">
+              <a:buNone/>
+            </a:pPr>
+            <a:endParaRPr lang="en-BO"/>
+          </a:p>
+          <a:p>
+            <a:pPr marL="0" indent="0" algn="just">
+              <a:buNone/>
+            </a:pPr>
+            <a:r>
+              <a:rPr lang="en-BO"/>
+              <a:t>Para trabajar con C# y .Net Core en este curso, necesitaremos instalar básicamente 4 extensiones:</a:t>
+            </a:r>
+          </a:p>
+          <a:p>
+            <a:pPr marL="0" indent="0">
+              <a:buNone/>
+            </a:pPr>
+            <a:endParaRPr lang="en-BO"/>
+          </a:p>
+          <a:p>
+            <a:r>
+              <a:rPr lang="en-BO" b="1">
+                <a:solidFill>
+                  <a:schemeClr val="accent6">
+                    <a:lumMod val="75000"/>
+                  </a:schemeClr>
+                </a:solidFill>
+              </a:rPr>
+              <a:t>C# for Visual Studio Code (Omnisharp)</a:t>
+            </a:r>
+          </a:p>
+          <a:p>
+            <a:r>
+              <a:rPr lang="en-BO" b="1">
+                <a:solidFill>
+                  <a:schemeClr val="accent6">
+                    <a:lumMod val="75000"/>
+                  </a:schemeClr>
+                </a:solidFill>
+              </a:rPr>
+              <a:t>vscode-icons</a:t>
+            </a:r>
+          </a:p>
+          <a:p>
+            <a:r>
+              <a:rPr lang="en-BO" b="1">
+                <a:solidFill>
+                  <a:schemeClr val="accent6">
+                    <a:lumMod val="75000"/>
+                  </a:schemeClr>
+                </a:solidFill>
+              </a:rPr>
+              <a:t>Visual Studio Intellicode</a:t>
+            </a:r>
+          </a:p>
+          <a:p>
+            <a:r>
+              <a:rPr lang="en-BO" b="1">
+                <a:solidFill>
+                  <a:schemeClr val="accent6">
+                    <a:lumMod val="75000"/>
+                  </a:schemeClr>
+                </a:solidFill>
+              </a:rPr>
+              <a:t>Nuget package Manager</a:t>
+            </a:r>
+          </a:p>
+          <a:p>
+            <a:endParaRPr lang="en-BO"/>
+          </a:p>
+          <a:p>
+            <a:endParaRPr lang="en-BO"/>
+          </a:p>
+          <a:p>
+            <a:endParaRPr lang="en-BO"/>
+          </a:p>
+          <a:p>
+            <a:endParaRPr lang="en-BO"/>
+          </a:p>
+          <a:p>
+            <a:endParaRPr lang="en-BO"/>
+          </a:p>
+        </p:txBody>
+      </p:sp>
+      <p:pic>
+        <p:nvPicPr>
+          <p:cNvPr id="7" name="Picture 6" descr="A screenshot of a cell phone&#10;&#10;Description automatically generated">
+            <a:extLst>
+              <a:ext uri="{FF2B5EF4-FFF2-40B4-BE49-F238E27FC236}">
+                <a16:creationId xmlns:a16="http://schemas.microsoft.com/office/drawing/2014/main" id="{84E3E88E-6EE5-2F4A-BCE2-C9B0AA249B4F}"/>
+              </a:ext>
+            </a:extLst>
+          </p:cNvPr>
+          <p:cNvPicPr>
+            <a:picLocks noChangeAspect="1"/>
+          </p:cNvPicPr>
+          <p:nvPr/>
+        </p:nvPicPr>
+        <p:blipFill>
+          <a:blip r:embed="rId2"/>
+          <a:stretch>
+            <a:fillRect/>
+          </a:stretch>
+        </p:blipFill>
+        <p:spPr>
+          <a:xfrm>
+            <a:off x="6197024" y="1825626"/>
+            <a:ext cx="5156776" cy="4351337"/>
+          </a:xfrm>
+          <a:prstGeom prst="rect">
+            <a:avLst/>
+          </a:prstGeom>
+        </p:spPr>
+      </p:pic>
+    </p:spTree>
+    <p:extLst>
+      <p:ext uri="{BB962C8B-B14F-4D97-AF65-F5344CB8AC3E}">
+        <p14:creationId xmlns:p14="http://schemas.microsoft.com/office/powerpoint/2010/main" val="2904781464"/>
+      </p:ext>
+    </p:extLst>
+  </p:cSld>
+  <p:clrMapOvr>
+    <a:masterClrMapping/>
+  </p:clrMapOvr>
+</p:sld>
+</file>
+
+<file path=ppt/slides/slide47.xml><?xml version="1.0" encoding="utf-8"?>
+<p:sld xmlns:a="http://schemas.openxmlformats.org/drawingml/2006/main" xmlns:r="http://schemas.openxmlformats.org/officeDocument/2006/relationships" xmlns:p="http://schemas.openxmlformats.org/presentationml/2006/main">
+  <p:cSld>
+    <p:spTree>
+      <p:nvGrpSpPr>
+        <p:cNvPr id="1" name=""/>
+        <p:cNvGrpSpPr/>
+        <p:nvPr/>
+      </p:nvGrpSpPr>
+      <p:grpSpPr>
+        <a:xfrm>
+          <a:off x="0" y="0"/>
+          <a:ext cx="0" cy="0"/>
+          <a:chOff x="0" y="0"/>
+          <a:chExt cx="0" cy="0"/>
+        </a:xfrm>
+      </p:grpSpPr>
+      <p:sp>
+        <p:nvSpPr>
+          <p:cNvPr id="2" name="Title 1">
+            <a:extLst>
+              <a:ext uri="{FF2B5EF4-FFF2-40B4-BE49-F238E27FC236}">
+                <a16:creationId xmlns:a16="http://schemas.microsoft.com/office/drawing/2014/main" id="{11A048C8-68B9-B945-A083-51E02E45E7B6}"/>
+              </a:ext>
+            </a:extLst>
+          </p:cNvPr>
+          <p:cNvSpPr>
+            <a:spLocks noGrp="1"/>
+          </p:cNvSpPr>
+          <p:nvPr>
+            <p:ph type="title"/>
+          </p:nvPr>
+        </p:nvSpPr>
+        <p:spPr/>
+        <p:txBody>
+          <a:bodyPr/>
+          <a:lstStyle/>
+          <a:p>
+            <a:r>
+              <a:rPr lang="en-BO"/>
+              <a:t>Sumario</a:t>
+            </a:r>
+          </a:p>
+        </p:txBody>
+      </p:sp>
+      <p:sp>
+        <p:nvSpPr>
+          <p:cNvPr id="3" name="Content Placeholder 2">
+            <a:extLst>
+              <a:ext uri="{FF2B5EF4-FFF2-40B4-BE49-F238E27FC236}">
+                <a16:creationId xmlns:a16="http://schemas.microsoft.com/office/drawing/2014/main" id="{7B71E92E-08D3-E143-B5CD-BECAB355D585}"/>
+              </a:ext>
+            </a:extLst>
+          </p:cNvPr>
+          <p:cNvSpPr>
+            <a:spLocks noGrp="1"/>
+          </p:cNvSpPr>
+          <p:nvPr>
+            <p:ph idx="1"/>
+          </p:nvPr>
+        </p:nvSpPr>
+        <p:spPr/>
+        <p:txBody>
+          <a:bodyPr>
+            <a:normAutofit fontScale="92500" lnSpcReduction="20000"/>
+          </a:bodyPr>
+          <a:lstStyle/>
+          <a:p>
+            <a:pPr marL="0" indent="0">
+              <a:buNone/>
+            </a:pPr>
+            <a:r>
+              <a:rPr lang="en-BO"/>
+              <a:t>En este capítulo hemos hecho una revisión a las bondades de C# y .Net Core, viendo las ventajas que el programador de este lenguaje obtendría de su rápido aprendizaje.</a:t>
+            </a:r>
+          </a:p>
+          <a:p>
+            <a:pPr marL="0" indent="0">
+              <a:buNone/>
+            </a:pPr>
+            <a:endParaRPr lang="en-BO"/>
+          </a:p>
+          <a:p>
+            <a:pPr marL="0" indent="0">
+              <a:buNone/>
+            </a:pPr>
+            <a:r>
+              <a:rPr lang="en-BO"/>
+              <a:t>Si bien C# puede resultar intimidante en un principio para los que se inician en la programación, este curso está diseñado para principiantes que quieren iniciarse en el campo de la programación con un lenguaje que les reportará enormes ventajas por su uso en casi todos los dispositivos y áreas de software de actualidad. Una gran herramienta sin lugar a dudas.</a:t>
+            </a:r>
+          </a:p>
+          <a:p>
+            <a:pPr marL="0" indent="0">
+              <a:buNone/>
+            </a:pPr>
+            <a:endParaRPr lang="en-BO"/>
+          </a:p>
+          <a:p>
+            <a:pPr marL="0" indent="0">
+              <a:buNone/>
+            </a:pPr>
+            <a:r>
+              <a:rPr lang="en-BO"/>
+              <a:t>Finalmente hemos procedido a instalar el entorno de trabajo que necesitamos para iniciarnos en el desarrollo, así que estamos listos para el siguiente capítulo, donde comenzaremos a programar en C#.</a:t>
+            </a:r>
+          </a:p>
+        </p:txBody>
+      </p:sp>
+    </p:spTree>
+    <p:extLst>
+      <p:ext uri="{BB962C8B-B14F-4D97-AF65-F5344CB8AC3E}">
+        <p14:creationId xmlns:p14="http://schemas.microsoft.com/office/powerpoint/2010/main" val="112762554"/>
       </p:ext>
     </p:extLst>
   </p:cSld>
